--- a/report/The Robustness of Watermark Embeddedness Based on Different Transformations with Different Algorithms into Different Fre.pptx
+++ b/report/The Robustness of Watermark Embeddedness Based on Different Transformations with Different Algorithms into Different Fre.pptx
@@ -4,6 +4,9 @@
   <p:sldMasterIdLst>
     <p:sldMasterId id="2147483698" r:id="rId1"/>
   </p:sldMasterIdLst>
+  <p:notesMasterIdLst>
+    <p:notesMasterId r:id="rId32"/>
+  </p:notesMasterIdLst>
   <p:sldIdLst>
     <p:sldId id="256" r:id="rId2"/>
     <p:sldId id="258" r:id="rId3"/>
@@ -141,17 +144,6 @@
 </p:presentation>
 </file>
 
-<file path=ppt/revisionInfo.xml><?xml version="1.0" encoding="utf-8"?>
-<p1510:revInfo xmlns:a="http://schemas.openxmlformats.org/drawingml/2006/main" xmlns:r="http://schemas.openxmlformats.org/officeDocument/2006/relationships" xmlns:p1510="http://schemas.microsoft.com/office/powerpoint/2015/10/main">
-  <p1510:revLst>
-    <p1510:client id="{41078D95-012F-88B7-F55F-DB321163E8CB}" v="80" dt="2022-12-16T15:04:58.249"/>
-    <p1510:client id="{85BE7997-9A22-F975-5ECB-9371D3BD4B76}" v="1421" dt="2022-12-16T14:55:49.031"/>
-    <p1510:client id="{CFFAAAE1-0842-5A08-BCA3-C995567A0475}" v="10" dt="2022-12-16T15:06:50.057"/>
-    <p1510:client id="{D48B8045-49F5-23A0-5F91-B418A956C8F0}" v="362" dt="2022-12-14T03:49:30.424"/>
-  </p1510:revLst>
-</p1510:revInfo>
-</file>
-
 <file path=ppt/changesInfos/changesInfo1.xml><?xml version="1.0" encoding="utf-8"?>
 <pc:chgInfo xmlns:a="http://schemas.openxmlformats.org/drawingml/2006/main" xmlns:r="http://schemas.openxmlformats.org/officeDocument/2006/relationships" xmlns:ac="http://schemas.microsoft.com/office/drawing/2013/main/command" xmlns:pc="http://schemas.microsoft.com/office/powerpoint/2013/main/command">
   <pc:docChgLst>
@@ -179,1104 +171,350 @@
     </pc:docChg>
   </pc:docChgLst>
   <pc:docChgLst>
-    <pc:chgData name="He Ziang" userId="S::2020302111281@whu.edu.cn::a58d5542-13c5-42e9-acf6-e12cce9448c7" providerId="AD" clId="Web-{D48B8045-49F5-23A0-5F91-B418A956C8F0}"/>
-    <pc:docChg chg="addSld modSld sldOrd addMainMaster delMainMaster">
-      <pc:chgData name="He Ziang" userId="S::2020302111281@whu.edu.cn::a58d5542-13c5-42e9-acf6-e12cce9448c7" providerId="AD" clId="Web-{D48B8045-49F5-23A0-5F91-B418A956C8F0}" dt="2022-12-14T03:49:30.424" v="374" actId="20577"/>
+    <pc:chgData name="He Ziang" userId="S::2020302111281@whu.edu.cn::a58d5542-13c5-42e9-acf6-e12cce9448c7" providerId="AD" clId="Web-{41078D95-012F-88B7-F55F-DB321163E8CB}"/>
+    <pc:docChg chg="addSld modSld">
+      <pc:chgData name="He Ziang" userId="S::2020302111281@whu.edu.cn::a58d5542-13c5-42e9-acf6-e12cce9448c7" providerId="AD" clId="Web-{41078D95-012F-88B7-F55F-DB321163E8CB}" dt="2022-12-16T15:04:58.249" v="79" actId="20577"/>
       <pc:docMkLst>
         <pc:docMk/>
       </pc:docMkLst>
-      <pc:sldChg chg="addSp delSp modSp new mod setBg modClrScheme addAnim delAnim chgLayout">
-        <pc:chgData name="He Ziang" userId="S::2020302111281@whu.edu.cn::a58d5542-13c5-42e9-acf6-e12cce9448c7" providerId="AD" clId="Web-{D48B8045-49F5-23A0-5F91-B418A956C8F0}" dt="2022-12-14T02:53:36.179" v="19"/>
+      <pc:sldChg chg="addSp delSp modSp">
+        <pc:chgData name="He Ziang" userId="S::2020302111281@whu.edu.cn::a58d5542-13c5-42e9-acf6-e12cce9448c7" providerId="AD" clId="Web-{41078D95-012F-88B7-F55F-DB321163E8CB}" dt="2022-12-16T14:59:02.997" v="11"/>
+        <pc:sldMkLst>
+          <pc:docMk/>
+          <pc:sldMk cId="4118737758" sldId="282"/>
+        </pc:sldMkLst>
+        <pc:spChg chg="add del mod">
+          <ac:chgData name="He Ziang" userId="S::2020302111281@whu.edu.cn::a58d5542-13c5-42e9-acf6-e12cce9448c7" providerId="AD" clId="Web-{41078D95-012F-88B7-F55F-DB321163E8CB}" dt="2022-12-16T14:58:53.341" v="9"/>
+          <ac:spMkLst>
+            <pc:docMk/>
+            <pc:sldMk cId="4118737758" sldId="282"/>
+            <ac:spMk id="20" creationId="{C3165C16-C622-0C64-53BC-9681734C6B7D}"/>
+          </ac:spMkLst>
+        </pc:spChg>
+        <pc:graphicFrameChg chg="add del mod modGraphic">
+          <ac:chgData name="He Ziang" userId="S::2020302111281@whu.edu.cn::a58d5542-13c5-42e9-acf6-e12cce9448c7" providerId="AD" clId="Web-{41078D95-012F-88B7-F55F-DB321163E8CB}" dt="2022-12-16T14:59:02.997" v="11"/>
+          <ac:graphicFrameMkLst>
+            <pc:docMk/>
+            <pc:sldMk cId="4118737758" sldId="282"/>
+            <ac:graphicFrameMk id="15" creationId="{3EE0AF88-06B6-C84A-EAC5-A4870534065C}"/>
+          </ac:graphicFrameMkLst>
+        </pc:graphicFrameChg>
+      </pc:sldChg>
+      <pc:sldChg chg="addSp delSp modSp new">
+        <pc:chgData name="He Ziang" userId="S::2020302111281@whu.edu.cn::a58d5542-13c5-42e9-acf6-e12cce9448c7" providerId="AD" clId="Web-{41078D95-012F-88B7-F55F-DB321163E8CB}" dt="2022-12-16T15:00:27.506" v="19" actId="1076"/>
+        <pc:sldMkLst>
+          <pc:docMk/>
+          <pc:sldMk cId="1863002546" sldId="283"/>
+        </pc:sldMkLst>
+        <pc:spChg chg="mod">
+          <ac:chgData name="He Ziang" userId="S::2020302111281@whu.edu.cn::a58d5542-13c5-42e9-acf6-e12cce9448c7" providerId="AD" clId="Web-{41078D95-012F-88B7-F55F-DB321163E8CB}" dt="2022-12-16T14:59:24.576" v="13" actId="20577"/>
+          <ac:spMkLst>
+            <pc:docMk/>
+            <pc:sldMk cId="1863002546" sldId="283"/>
+            <ac:spMk id="2" creationId="{40C94D9A-AD56-8B29-7DAA-E9C992B3F9C0}"/>
+          </ac:spMkLst>
+        </pc:spChg>
+        <pc:spChg chg="del">
+          <ac:chgData name="He Ziang" userId="S::2020302111281@whu.edu.cn::a58d5542-13c5-42e9-acf6-e12cce9448c7" providerId="AD" clId="Web-{41078D95-012F-88B7-F55F-DB321163E8CB}" dt="2022-12-16T14:59:40.295" v="14"/>
+          <ac:spMkLst>
+            <pc:docMk/>
+            <pc:sldMk cId="1863002546" sldId="283"/>
+            <ac:spMk id="3" creationId="{DEEA76EF-0620-81E8-E9D9-9ED05E0EF585}"/>
+          </ac:spMkLst>
+        </pc:spChg>
+        <pc:picChg chg="add mod ord">
+          <ac:chgData name="He Ziang" userId="S::2020302111281@whu.edu.cn::a58d5542-13c5-42e9-acf6-e12cce9448c7" providerId="AD" clId="Web-{41078D95-012F-88B7-F55F-DB321163E8CB}" dt="2022-12-16T15:00:27.506" v="19" actId="1076"/>
+          <ac:picMkLst>
+            <pc:docMk/>
+            <pc:sldMk cId="1863002546" sldId="283"/>
+            <ac:picMk id="4" creationId="{1A5D8954-2967-75EE-4865-B899DF0E7D08}"/>
+          </ac:picMkLst>
+        </pc:picChg>
+      </pc:sldChg>
+      <pc:sldChg chg="addSp delSp modSp new mod setBg">
+        <pc:chgData name="He Ziang" userId="S::2020302111281@whu.edu.cn::a58d5542-13c5-42e9-acf6-e12cce9448c7" providerId="AD" clId="Web-{41078D95-012F-88B7-F55F-DB321163E8CB}" dt="2022-12-16T15:04:40.561" v="72"/>
+        <pc:sldMkLst>
+          <pc:docMk/>
+          <pc:sldMk cId="3159487188" sldId="284"/>
+        </pc:sldMkLst>
+        <pc:spChg chg="mod">
+          <ac:chgData name="He Ziang" userId="S::2020302111281@whu.edu.cn::a58d5542-13c5-42e9-acf6-e12cce9448c7" providerId="AD" clId="Web-{41078D95-012F-88B7-F55F-DB321163E8CB}" dt="2022-12-16T15:04:40.529" v="71"/>
+          <ac:spMkLst>
+            <pc:docMk/>
+            <pc:sldMk cId="3159487188" sldId="284"/>
+            <ac:spMk id="2" creationId="{E555098D-1E36-31E2-B7F5-01CEA86F4BC7}"/>
+          </ac:spMkLst>
+        </pc:spChg>
+        <pc:spChg chg="add del mod">
+          <ac:chgData name="He Ziang" userId="S::2020302111281@whu.edu.cn::a58d5542-13c5-42e9-acf6-e12cce9448c7" providerId="AD" clId="Web-{41078D95-012F-88B7-F55F-DB321163E8CB}" dt="2022-12-16T15:04:40.561" v="72"/>
+          <ac:spMkLst>
+            <pc:docMk/>
+            <pc:sldMk cId="3159487188" sldId="284"/>
+            <ac:spMk id="3" creationId="{734D6DAA-90B8-C225-C14D-9BD2BBF48FBF}"/>
+          </ac:spMkLst>
+        </pc:spChg>
+        <pc:spChg chg="add del">
+          <ac:chgData name="He Ziang" userId="S::2020302111281@whu.edu.cn::a58d5542-13c5-42e9-acf6-e12cce9448c7" providerId="AD" clId="Web-{41078D95-012F-88B7-F55F-DB321163E8CB}" dt="2022-12-16T15:04:40.529" v="71"/>
+          <ac:spMkLst>
+            <pc:docMk/>
+            <pc:sldMk cId="3159487188" sldId="284"/>
+            <ac:spMk id="9" creationId="{CAA6A2E0-18A1-4B22-8F61-5E162B67421A}"/>
+          </ac:spMkLst>
+        </pc:spChg>
+        <pc:graphicFrameChg chg="add del">
+          <ac:chgData name="He Ziang" userId="S::2020302111281@whu.edu.cn::a58d5542-13c5-42e9-acf6-e12cce9448c7" providerId="AD" clId="Web-{41078D95-012F-88B7-F55F-DB321163E8CB}" dt="2022-12-16T15:04:40.529" v="71"/>
+          <ac:graphicFrameMkLst>
+            <pc:docMk/>
+            <pc:sldMk cId="3159487188" sldId="284"/>
+            <ac:graphicFrameMk id="5" creationId="{73D353E4-392F-BBE4-DEBA-4122907442D8}"/>
+          </ac:graphicFrameMkLst>
+        </pc:graphicFrameChg>
+        <pc:graphicFrameChg chg="add">
+          <ac:chgData name="He Ziang" userId="S::2020302111281@whu.edu.cn::a58d5542-13c5-42e9-acf6-e12cce9448c7" providerId="AD" clId="Web-{41078D95-012F-88B7-F55F-DB321163E8CB}" dt="2022-12-16T15:04:40.561" v="72"/>
+          <ac:graphicFrameMkLst>
+            <pc:docMk/>
+            <pc:sldMk cId="3159487188" sldId="284"/>
+            <ac:graphicFrameMk id="13" creationId="{D59F7DC7-5B12-51C4-9958-0F0CB05CEB68}"/>
+          </ac:graphicFrameMkLst>
+        </pc:graphicFrameChg>
+        <pc:cxnChg chg="add del">
+          <ac:chgData name="He Ziang" userId="S::2020302111281@whu.edu.cn::a58d5542-13c5-42e9-acf6-e12cce9448c7" providerId="AD" clId="Web-{41078D95-012F-88B7-F55F-DB321163E8CB}" dt="2022-12-16T15:04:40.529" v="71"/>
+          <ac:cxnSpMkLst>
+            <pc:docMk/>
+            <pc:sldMk cId="3159487188" sldId="284"/>
+            <ac:cxnSpMk id="11" creationId="{8F5909CB-6CD3-45DF-9920-8D81824854A2}"/>
+          </ac:cxnSpMkLst>
+        </pc:cxnChg>
+      </pc:sldChg>
+      <pc:sldChg chg="modSp new">
+        <pc:chgData name="He Ziang" userId="S::2020302111281@whu.edu.cn::a58d5542-13c5-42e9-acf6-e12cce9448c7" providerId="AD" clId="Web-{41078D95-012F-88B7-F55F-DB321163E8CB}" dt="2022-12-16T15:04:58.249" v="79" actId="20577"/>
+        <pc:sldMkLst>
+          <pc:docMk/>
+          <pc:sldMk cId="3501906796" sldId="285"/>
+        </pc:sldMkLst>
+        <pc:spChg chg="mod">
+          <ac:chgData name="He Ziang" userId="S::2020302111281@whu.edu.cn::a58d5542-13c5-42e9-acf6-e12cce9448c7" providerId="AD" clId="Web-{41078D95-012F-88B7-F55F-DB321163E8CB}" dt="2022-12-16T15:04:58.249" v="79" actId="20577"/>
+          <ac:spMkLst>
+            <pc:docMk/>
+            <pc:sldMk cId="3501906796" sldId="285"/>
+            <ac:spMk id="2" creationId="{E5920512-79D5-3C37-46B0-621F8201E328}"/>
+          </ac:spMkLst>
+        </pc:spChg>
+      </pc:sldChg>
+    </pc:docChg>
+  </pc:docChgLst>
+  <pc:docChgLst>
+    <pc:chgData name="He Ziang" userId="a58d5542-13c5-42e9-acf6-e12cce9448c7" providerId="ADAL" clId="{E32A9664-16B2-4B54-A9DE-A01CCABF86B8}"/>
+    <pc:docChg chg="undo custSel modSld">
+      <pc:chgData name="He Ziang" userId="a58d5542-13c5-42e9-acf6-e12cce9448c7" providerId="ADAL" clId="{E32A9664-16B2-4B54-A9DE-A01CCABF86B8}" dt="2022-12-18T13:10:09.350" v="1262"/>
+      <pc:docMkLst>
+        <pc:docMk/>
+      </pc:docMkLst>
+      <pc:sldChg chg="modSp">
+        <pc:chgData name="He Ziang" userId="a58d5542-13c5-42e9-acf6-e12cce9448c7" providerId="ADAL" clId="{E32A9664-16B2-4B54-A9DE-A01CCABF86B8}" dt="2022-12-18T08:44:52.627" v="507" actId="20577"/>
         <pc:sldMkLst>
           <pc:docMk/>
           <pc:sldMk cId="3754156065" sldId="256"/>
         </pc:sldMkLst>
         <pc:spChg chg="mod">
-          <ac:chgData name="He Ziang" userId="S::2020302111281@whu.edu.cn::a58d5542-13c5-42e9-acf6-e12cce9448c7" providerId="AD" clId="Web-{D48B8045-49F5-23A0-5F91-B418A956C8F0}" dt="2022-12-14T02:53:36.179" v="18"/>
+          <ac:chgData name="He Ziang" userId="a58d5542-13c5-42e9-acf6-e12cce9448c7" providerId="ADAL" clId="{E32A9664-16B2-4B54-A9DE-A01CCABF86B8}" dt="2022-12-18T08:44:52.627" v="507" actId="20577"/>
           <ac:spMkLst>
             <pc:docMk/>
             <pc:sldMk cId="3754156065" sldId="256"/>
             <ac:spMk id="2" creationId="{E81C4404-4B60-6DB8-E6F2-229E88F6E578}"/>
           </ac:spMkLst>
         </pc:spChg>
-        <pc:spChg chg="mod">
-          <ac:chgData name="He Ziang" userId="S::2020302111281@whu.edu.cn::a58d5542-13c5-42e9-acf6-e12cce9448c7" providerId="AD" clId="Web-{D48B8045-49F5-23A0-5F91-B418A956C8F0}" dt="2022-12-14T02:53:36.179" v="18"/>
-          <ac:spMkLst>
-            <pc:docMk/>
-            <pc:sldMk cId="3754156065" sldId="256"/>
-            <ac:spMk id="3" creationId="{FEAC63ED-3569-ABF5-07C7-BBE143B23831}"/>
-          </ac:spMkLst>
-        </pc:spChg>
-        <pc:spChg chg="add del">
-          <ac:chgData name="He Ziang" userId="S::2020302111281@whu.edu.cn::a58d5542-13c5-42e9-acf6-e12cce9448c7" providerId="AD" clId="Web-{D48B8045-49F5-23A0-5F91-B418A956C8F0}" dt="2022-12-14T02:52:56.459" v="7"/>
-          <ac:spMkLst>
-            <pc:docMk/>
-            <pc:sldMk cId="3754156065" sldId="256"/>
-            <ac:spMk id="9" creationId="{610334BF-0422-4A9A-BE46-AEB8C348BAC4}"/>
-          </ac:spMkLst>
-        </pc:spChg>
-        <pc:spChg chg="add del">
-          <ac:chgData name="He Ziang" userId="S::2020302111281@whu.edu.cn::a58d5542-13c5-42e9-acf6-e12cce9448c7" providerId="AD" clId="Web-{D48B8045-49F5-23A0-5F91-B418A956C8F0}" dt="2022-12-14T02:52:56.459" v="7"/>
-          <ac:spMkLst>
-            <pc:docMk/>
-            <pc:sldMk cId="3754156065" sldId="256"/>
-            <ac:spMk id="11" creationId="{C98F2823-0279-49D8-928D-754B222533EF}"/>
-          </ac:spMkLst>
-        </pc:spChg>
-        <pc:spChg chg="add del">
-          <ac:chgData name="He Ziang" userId="S::2020302111281@whu.edu.cn::a58d5542-13c5-42e9-acf6-e12cce9448c7" providerId="AD" clId="Web-{D48B8045-49F5-23A0-5F91-B418A956C8F0}" dt="2022-12-14T02:52:56.459" v="7"/>
-          <ac:spMkLst>
-            <pc:docMk/>
-            <pc:sldMk cId="3754156065" sldId="256"/>
-            <ac:spMk id="13" creationId="{02E45E95-311C-41C7-A882-6E43F0806865}"/>
-          </ac:spMkLst>
-        </pc:spChg>
-        <pc:spChg chg="add del">
-          <ac:chgData name="He Ziang" userId="S::2020302111281@whu.edu.cn::a58d5542-13c5-42e9-acf6-e12cce9448c7" providerId="AD" clId="Web-{D48B8045-49F5-23A0-5F91-B418A956C8F0}" dt="2022-12-14T02:52:56.459" v="7"/>
-          <ac:spMkLst>
-            <pc:docMk/>
-            <pc:sldMk cId="3754156065" sldId="256"/>
-            <ac:spMk id="15" creationId="{B7299D5D-ECC5-41EB-B830-C3A35FB35516}"/>
-          </ac:spMkLst>
-        </pc:spChg>
-        <pc:spChg chg="add del">
-          <ac:chgData name="He Ziang" userId="S::2020302111281@whu.edu.cn::a58d5542-13c5-42e9-acf6-e12cce9448c7" providerId="AD" clId="Web-{D48B8045-49F5-23A0-5F91-B418A956C8F0}" dt="2022-12-14T02:52:56.459" v="7"/>
-          <ac:spMkLst>
-            <pc:docMk/>
-            <pc:sldMk cId="3754156065" sldId="256"/>
-            <ac:spMk id="17" creationId="{88C91735-5EFE-44D1-8CC6-FDF0D11B6F5D}"/>
-          </ac:spMkLst>
-        </pc:spChg>
-        <pc:spChg chg="add del">
-          <ac:chgData name="He Ziang" userId="S::2020302111281@whu.edu.cn::a58d5542-13c5-42e9-acf6-e12cce9448c7" providerId="AD" clId="Web-{D48B8045-49F5-23A0-5F91-B418A956C8F0}" dt="2022-12-14T02:52:56.459" v="7"/>
-          <ac:spMkLst>
-            <pc:docMk/>
-            <pc:sldMk cId="3754156065" sldId="256"/>
-            <ac:spMk id="19" creationId="{D33F926C-2613-475D-AEE4-CD7D87D3BA2D}"/>
-          </ac:spMkLst>
-        </pc:spChg>
-        <pc:spChg chg="add del">
-          <ac:chgData name="He Ziang" userId="S::2020302111281@whu.edu.cn::a58d5542-13c5-42e9-acf6-e12cce9448c7" providerId="AD" clId="Web-{D48B8045-49F5-23A0-5F91-B418A956C8F0}" dt="2022-12-14T02:52:56.459" v="7"/>
-          <ac:spMkLst>
-            <pc:docMk/>
-            <pc:sldMk cId="3754156065" sldId="256"/>
-            <ac:spMk id="21" creationId="{1FD32A06-E9FE-4F5A-88A6-84905A72C26F}"/>
-          </ac:spMkLst>
-        </pc:spChg>
-        <pc:spChg chg="add del">
-          <ac:chgData name="He Ziang" userId="S::2020302111281@whu.edu.cn::a58d5542-13c5-42e9-acf6-e12cce9448c7" providerId="AD" clId="Web-{D48B8045-49F5-23A0-5F91-B418A956C8F0}" dt="2022-12-14T02:53:09.850" v="11"/>
-          <ac:spMkLst>
-            <pc:docMk/>
-            <pc:sldMk cId="3754156065" sldId="256"/>
-            <ac:spMk id="23" creationId="{A37F4A8A-7B54-4D8D-933A-8921996A0F38}"/>
-          </ac:spMkLst>
-        </pc:spChg>
-        <pc:spChg chg="add del">
-          <ac:chgData name="He Ziang" userId="S::2020302111281@whu.edu.cn::a58d5542-13c5-42e9-acf6-e12cce9448c7" providerId="AD" clId="Web-{D48B8045-49F5-23A0-5F91-B418A956C8F0}" dt="2022-12-14T02:53:31.679" v="13"/>
-          <ac:spMkLst>
-            <pc:docMk/>
-            <pc:sldMk cId="3754156065" sldId="256"/>
-            <ac:spMk id="27" creationId="{16342306-C49E-412B-A56A-67DBDDD050BB}"/>
-          </ac:spMkLst>
-        </pc:spChg>
-        <pc:spChg chg="add del">
-          <ac:chgData name="He Ziang" userId="S::2020302111281@whu.edu.cn::a58d5542-13c5-42e9-acf6-e12cce9448c7" providerId="AD" clId="Web-{D48B8045-49F5-23A0-5F91-B418A956C8F0}" dt="2022-12-14T02:53:31.679" v="13"/>
-          <ac:spMkLst>
-            <pc:docMk/>
-            <pc:sldMk cId="3754156065" sldId="256"/>
-            <ac:spMk id="28" creationId="{78E81931-EC11-4433-BB7B-ED42BAA2441E}"/>
-          </ac:spMkLst>
-        </pc:spChg>
-        <pc:spChg chg="add del">
-          <ac:chgData name="He Ziang" userId="S::2020302111281@whu.edu.cn::a58d5542-13c5-42e9-acf6-e12cce9448c7" providerId="AD" clId="Web-{D48B8045-49F5-23A0-5F91-B418A956C8F0}" dt="2022-12-14T02:53:36.101" v="17"/>
-          <ac:spMkLst>
-            <pc:docMk/>
-            <pc:sldMk cId="3754156065" sldId="256"/>
-            <ac:spMk id="31" creationId="{610334BF-0422-4A9A-BE46-AEB8C348BAC4}"/>
-          </ac:spMkLst>
-        </pc:spChg>
-        <pc:spChg chg="add del">
-          <ac:chgData name="He Ziang" userId="S::2020302111281@whu.edu.cn::a58d5542-13c5-42e9-acf6-e12cce9448c7" providerId="AD" clId="Web-{D48B8045-49F5-23A0-5F91-B418A956C8F0}" dt="2022-12-14T02:53:36.101" v="17"/>
-          <ac:spMkLst>
-            <pc:docMk/>
-            <pc:sldMk cId="3754156065" sldId="256"/>
-            <ac:spMk id="32" creationId="{C98F2823-0279-49D8-928D-754B222533EF}"/>
-          </ac:spMkLst>
-        </pc:spChg>
-        <pc:spChg chg="add del">
-          <ac:chgData name="He Ziang" userId="S::2020302111281@whu.edu.cn::a58d5542-13c5-42e9-acf6-e12cce9448c7" providerId="AD" clId="Web-{D48B8045-49F5-23A0-5F91-B418A956C8F0}" dt="2022-12-14T02:53:36.101" v="17"/>
-          <ac:spMkLst>
-            <pc:docMk/>
-            <pc:sldMk cId="3754156065" sldId="256"/>
-            <ac:spMk id="33" creationId="{02E45E95-311C-41C7-A882-6E43F0806865}"/>
-          </ac:spMkLst>
-        </pc:spChg>
-        <pc:spChg chg="add del">
-          <ac:chgData name="He Ziang" userId="S::2020302111281@whu.edu.cn::a58d5542-13c5-42e9-acf6-e12cce9448c7" providerId="AD" clId="Web-{D48B8045-49F5-23A0-5F91-B418A956C8F0}" dt="2022-12-14T02:53:36.101" v="17"/>
-          <ac:spMkLst>
-            <pc:docMk/>
-            <pc:sldMk cId="3754156065" sldId="256"/>
-            <ac:spMk id="34" creationId="{B7299D5D-ECC5-41EB-B830-C3A35FB35516}"/>
-          </ac:spMkLst>
-        </pc:spChg>
-        <pc:spChg chg="add del">
-          <ac:chgData name="He Ziang" userId="S::2020302111281@whu.edu.cn::a58d5542-13c5-42e9-acf6-e12cce9448c7" providerId="AD" clId="Web-{D48B8045-49F5-23A0-5F91-B418A956C8F0}" dt="2022-12-14T02:53:36.101" v="17"/>
-          <ac:spMkLst>
-            <pc:docMk/>
-            <pc:sldMk cId="3754156065" sldId="256"/>
-            <ac:spMk id="35" creationId="{88C91735-5EFE-44D1-8CC6-FDF0D11B6F5D}"/>
-          </ac:spMkLst>
-        </pc:spChg>
-        <pc:spChg chg="add del">
-          <ac:chgData name="He Ziang" userId="S::2020302111281@whu.edu.cn::a58d5542-13c5-42e9-acf6-e12cce9448c7" providerId="AD" clId="Web-{D48B8045-49F5-23A0-5F91-B418A956C8F0}" dt="2022-12-14T02:53:36.101" v="17"/>
-          <ac:spMkLst>
-            <pc:docMk/>
-            <pc:sldMk cId="3754156065" sldId="256"/>
-            <ac:spMk id="36" creationId="{D33F926C-2613-475D-AEE4-CD7D87D3BA2D}"/>
-          </ac:spMkLst>
-        </pc:spChg>
-        <pc:spChg chg="add del">
-          <ac:chgData name="He Ziang" userId="S::2020302111281@whu.edu.cn::a58d5542-13c5-42e9-acf6-e12cce9448c7" providerId="AD" clId="Web-{D48B8045-49F5-23A0-5F91-B418A956C8F0}" dt="2022-12-14T02:53:36.101" v="17"/>
-          <ac:spMkLst>
-            <pc:docMk/>
-            <pc:sldMk cId="3754156065" sldId="256"/>
-            <ac:spMk id="37" creationId="{1FD32A06-E9FE-4F5A-88A6-84905A72C26F}"/>
-          </ac:spMkLst>
-        </pc:spChg>
-        <pc:spChg chg="add">
-          <ac:chgData name="He Ziang" userId="S::2020302111281@whu.edu.cn::a58d5542-13c5-42e9-acf6-e12cce9448c7" providerId="AD" clId="Web-{D48B8045-49F5-23A0-5F91-B418A956C8F0}" dt="2022-12-14T02:53:36.179" v="18"/>
-          <ac:spMkLst>
-            <pc:docMk/>
-            <pc:sldMk cId="3754156065" sldId="256"/>
-            <ac:spMk id="40" creationId="{A37F4A8A-7B54-4D8D-933A-8921996A0F38}"/>
-          </ac:spMkLst>
-        </pc:spChg>
-        <pc:picChg chg="add del">
-          <ac:chgData name="He Ziang" userId="S::2020302111281@whu.edu.cn::a58d5542-13c5-42e9-acf6-e12cce9448c7" providerId="AD" clId="Web-{D48B8045-49F5-23A0-5F91-B418A956C8F0}" dt="2022-12-14T02:52:56.459" v="7"/>
-          <ac:picMkLst>
-            <pc:docMk/>
-            <pc:sldMk cId="3754156065" sldId="256"/>
-            <ac:picMk id="4" creationId="{058E7F96-0AA2-3C44-BACF-E29BFC7DAEE9}"/>
-          </ac:picMkLst>
-        </pc:picChg>
-        <pc:picChg chg="add del">
-          <ac:chgData name="He Ziang" userId="S::2020302111281@whu.edu.cn::a58d5542-13c5-42e9-acf6-e12cce9448c7" providerId="AD" clId="Web-{D48B8045-49F5-23A0-5F91-B418A956C8F0}" dt="2022-12-14T02:53:09.850" v="11"/>
-          <ac:picMkLst>
-            <pc:docMk/>
-            <pc:sldMk cId="3754156065" sldId="256"/>
-            <ac:picMk id="25" creationId="{8620C9B0-FAAF-1A9D-B269-2E62B2293586}"/>
-          </ac:picMkLst>
-        </pc:picChg>
-        <pc:picChg chg="add del">
-          <ac:chgData name="He Ziang" userId="S::2020302111281@whu.edu.cn::a58d5542-13c5-42e9-acf6-e12cce9448c7" providerId="AD" clId="Web-{D48B8045-49F5-23A0-5F91-B418A956C8F0}" dt="2022-12-14T02:53:31.679" v="13"/>
-          <ac:picMkLst>
-            <pc:docMk/>
-            <pc:sldMk cId="3754156065" sldId="256"/>
-            <ac:picMk id="29" creationId="{EAA74D06-79D5-FB07-CC1D-71810F04808E}"/>
-          </ac:picMkLst>
-        </pc:picChg>
-        <pc:picChg chg="add del">
-          <ac:chgData name="He Ziang" userId="S::2020302111281@whu.edu.cn::a58d5542-13c5-42e9-acf6-e12cce9448c7" providerId="AD" clId="Web-{D48B8045-49F5-23A0-5F91-B418A956C8F0}" dt="2022-12-14T02:53:36.101" v="17"/>
-          <ac:picMkLst>
-            <pc:docMk/>
-            <pc:sldMk cId="3754156065" sldId="256"/>
-            <ac:picMk id="38" creationId="{058E7F96-0AA2-3C44-BACF-E29BFC7DAEE9}"/>
-          </ac:picMkLst>
-        </pc:picChg>
-        <pc:picChg chg="add">
-          <ac:chgData name="He Ziang" userId="S::2020302111281@whu.edu.cn::a58d5542-13c5-42e9-acf6-e12cce9448c7" providerId="AD" clId="Web-{D48B8045-49F5-23A0-5F91-B418A956C8F0}" dt="2022-12-14T02:53:36.179" v="18"/>
-          <ac:picMkLst>
-            <pc:docMk/>
-            <pc:sldMk cId="3754156065" sldId="256"/>
-            <ac:picMk id="42" creationId="{8620C9B0-FAAF-1A9D-B269-2E62B2293586}"/>
-          </ac:picMkLst>
-        </pc:picChg>
-        <pc:cxnChg chg="add del">
-          <ac:chgData name="He Ziang" userId="S::2020302111281@whu.edu.cn::a58d5542-13c5-42e9-acf6-e12cce9448c7" providerId="AD" clId="Web-{D48B8045-49F5-23A0-5F91-B418A956C8F0}" dt="2022-12-14T02:53:09.850" v="11"/>
-          <ac:cxnSpMkLst>
-            <pc:docMk/>
-            <pc:sldMk cId="3754156065" sldId="256"/>
-            <ac:cxnSpMk id="24" creationId="{B0AA360F-DECB-4836-8FB6-22C4BC3FB02D}"/>
-          </ac:cxnSpMkLst>
-        </pc:cxnChg>
-        <pc:cxnChg chg="add">
-          <ac:chgData name="He Ziang" userId="S::2020302111281@whu.edu.cn::a58d5542-13c5-42e9-acf6-e12cce9448c7" providerId="AD" clId="Web-{D48B8045-49F5-23A0-5F91-B418A956C8F0}" dt="2022-12-14T02:53:36.179" v="18"/>
-          <ac:cxnSpMkLst>
-            <pc:docMk/>
-            <pc:sldMk cId="3754156065" sldId="256"/>
-            <ac:cxnSpMk id="41" creationId="{B0AA360F-DECB-4836-8FB6-22C4BC3FB02D}"/>
-          </ac:cxnSpMkLst>
-        </pc:cxnChg>
       </pc:sldChg>
-      <pc:sldChg chg="addSp delSp modSp new addAnim delAnim modAnim">
-        <pc:chgData name="He Ziang" userId="S::2020302111281@whu.edu.cn::a58d5542-13c5-42e9-acf6-e12cce9448c7" providerId="AD" clId="Web-{D48B8045-49F5-23A0-5F91-B418A956C8F0}" dt="2022-12-14T03:17:05.913" v="94" actId="20577"/>
+      <pc:sldChg chg="addSp delSp mod modNotesTx">
+        <pc:chgData name="He Ziang" userId="a58d5542-13c5-42e9-acf6-e12cce9448c7" providerId="ADAL" clId="{E32A9664-16B2-4B54-A9DE-A01CCABF86B8}" dt="2022-12-18T03:53:09.514" v="77"/>
         <pc:sldMkLst>
           <pc:docMk/>
           <pc:sldMk cId="322249741" sldId="257"/>
         </pc:sldMkLst>
-        <pc:spChg chg="mod">
-          <ac:chgData name="He Ziang" userId="S::2020302111281@whu.edu.cn::a58d5542-13c5-42e9-acf6-e12cce9448c7" providerId="AD" clId="Web-{D48B8045-49F5-23A0-5F91-B418A956C8F0}" dt="2022-12-14T03:16:49.381" v="90" actId="20577"/>
+        <pc:spChg chg="add del">
+          <ac:chgData name="He Ziang" userId="a58d5542-13c5-42e9-acf6-e12cce9448c7" providerId="ADAL" clId="{E32A9664-16B2-4B54-A9DE-A01CCABF86B8}" dt="2022-12-18T03:49:59.944" v="16" actId="22"/>
           <ac:spMkLst>
             <pc:docMk/>
             <pc:sldMk cId="322249741" sldId="257"/>
-            <ac:spMk id="2" creationId="{54BF9CE5-C5E2-D7D4-9F4A-DCC9FC272C48}"/>
-          </ac:spMkLst>
-        </pc:spChg>
-        <pc:spChg chg="mod">
-          <ac:chgData name="He Ziang" userId="S::2020302111281@whu.edu.cn::a58d5542-13c5-42e9-acf6-e12cce9448c7" providerId="AD" clId="Web-{D48B8045-49F5-23A0-5F91-B418A956C8F0}" dt="2022-12-14T03:17:05.913" v="94" actId="20577"/>
-          <ac:spMkLst>
-            <pc:docMk/>
-            <pc:sldMk cId="322249741" sldId="257"/>
-            <ac:spMk id="3" creationId="{09E0E4A0-34A9-7EED-979D-93A0660014C1}"/>
-          </ac:spMkLst>
-        </pc:spChg>
-        <pc:spChg chg="add del mod">
-          <ac:chgData name="He Ziang" userId="S::2020302111281@whu.edu.cn::a58d5542-13c5-42e9-acf6-e12cce9448c7" providerId="AD" clId="Web-{D48B8045-49F5-23A0-5F91-B418A956C8F0}" dt="2022-12-14T03:16:57.850" v="93"/>
-          <ac:spMkLst>
-            <pc:docMk/>
-            <pc:sldMk cId="322249741" sldId="257"/>
-            <ac:spMk id="4" creationId="{DCEA7B9C-F4FD-568B-6D46-98636E7320D0}"/>
+            <ac:spMk id="5" creationId="{A354B822-B6BA-4760-8ECF-9CF6B8510E38}"/>
           </ac:spMkLst>
         </pc:spChg>
       </pc:sldChg>
-      <pc:sldChg chg="addSp delSp modSp new mod ord setBg">
-        <pc:chgData name="He Ziang" userId="S::2020302111281@whu.edu.cn::a58d5542-13c5-42e9-acf6-e12cce9448c7" providerId="AD" clId="Web-{D48B8045-49F5-23A0-5F91-B418A956C8F0}" dt="2022-12-14T03:18:40.540" v="96" actId="1076"/>
+      <pc:sldChg chg="modNotesTx">
+        <pc:chgData name="He Ziang" userId="a58d5542-13c5-42e9-acf6-e12cce9448c7" providerId="ADAL" clId="{E32A9664-16B2-4B54-A9DE-A01CCABF86B8}" dt="2022-12-18T03:48:26.943" v="14"/>
         <pc:sldMkLst>
           <pc:docMk/>
           <pc:sldMk cId="3424685753" sldId="258"/>
         </pc:sldMkLst>
-        <pc:spChg chg="mod">
-          <ac:chgData name="He Ziang" userId="S::2020302111281@whu.edu.cn::a58d5542-13c5-42e9-acf6-e12cce9448c7" providerId="AD" clId="Web-{D48B8045-49F5-23A0-5F91-B418A956C8F0}" dt="2022-12-14T03:18:28.305" v="95"/>
-          <ac:spMkLst>
-            <pc:docMk/>
-            <pc:sldMk cId="3424685753" sldId="258"/>
-            <ac:spMk id="2" creationId="{6DB59871-E909-4296-9845-3DA696DC00D1}"/>
-          </ac:spMkLst>
-        </pc:spChg>
-        <pc:spChg chg="del mod">
-          <ac:chgData name="He Ziang" userId="S::2020302111281@whu.edu.cn::a58d5542-13c5-42e9-acf6-e12cce9448c7" providerId="AD" clId="Web-{D48B8045-49F5-23A0-5F91-B418A956C8F0}" dt="2022-12-14T03:18:28.305" v="95"/>
-          <ac:spMkLst>
-            <pc:docMk/>
-            <pc:sldMk cId="3424685753" sldId="258"/>
-            <ac:spMk id="3" creationId="{77AFBB21-3434-C03B-01A4-CE6EDB94328A}"/>
-          </ac:spMkLst>
-        </pc:spChg>
-        <pc:spChg chg="add">
-          <ac:chgData name="He Ziang" userId="S::2020302111281@whu.edu.cn::a58d5542-13c5-42e9-acf6-e12cce9448c7" providerId="AD" clId="Web-{D48B8045-49F5-23A0-5F91-B418A956C8F0}" dt="2022-12-14T03:18:28.305" v="95"/>
-          <ac:spMkLst>
-            <pc:docMk/>
-            <pc:sldMk cId="3424685753" sldId="258"/>
-            <ac:spMk id="6" creationId="{CAA6A2E0-18A1-4B22-8F61-5E162B67421A}"/>
-          </ac:spMkLst>
-        </pc:spChg>
-        <pc:spChg chg="add del">
-          <ac:chgData name="He Ziang" userId="S::2020302111281@whu.edu.cn::a58d5542-13c5-42e9-acf6-e12cce9448c7" providerId="AD" clId="Web-{D48B8045-49F5-23A0-5F91-B418A956C8F0}" dt="2022-12-14T03:16:15.615" v="88"/>
-          <ac:spMkLst>
-            <pc:docMk/>
-            <pc:sldMk cId="3424685753" sldId="258"/>
-            <ac:spMk id="9" creationId="{A3B168A7-66FE-4359-9866-CBB841A729E6}"/>
-          </ac:spMkLst>
-        </pc:spChg>
-        <pc:graphicFrameChg chg="add mod">
-          <ac:chgData name="He Ziang" userId="S::2020302111281@whu.edu.cn::a58d5542-13c5-42e9-acf6-e12cce9448c7" providerId="AD" clId="Web-{D48B8045-49F5-23A0-5F91-B418A956C8F0}" dt="2022-12-14T03:18:40.540" v="96" actId="1076"/>
-          <ac:graphicFrameMkLst>
-            <pc:docMk/>
-            <pc:sldMk cId="3424685753" sldId="258"/>
-            <ac:graphicFrameMk id="8" creationId="{29B3123F-6E70-2A1F-AC68-F9B2C18B5A60}"/>
-          </ac:graphicFrameMkLst>
-        </pc:graphicFrameChg>
-        <pc:picChg chg="add del">
-          <ac:chgData name="He Ziang" userId="S::2020302111281@whu.edu.cn::a58d5542-13c5-42e9-acf6-e12cce9448c7" providerId="AD" clId="Web-{D48B8045-49F5-23A0-5F91-B418A956C8F0}" dt="2022-12-14T03:16:15.615" v="88"/>
-          <ac:picMkLst>
-            <pc:docMk/>
-            <pc:sldMk cId="3424685753" sldId="258"/>
-            <ac:picMk id="5" creationId="{C25BF71D-E1BE-4E62-EE9F-5123E7989E8A}"/>
-          </ac:picMkLst>
-        </pc:picChg>
-        <pc:cxnChg chg="add">
-          <ac:chgData name="He Ziang" userId="S::2020302111281@whu.edu.cn::a58d5542-13c5-42e9-acf6-e12cce9448c7" providerId="AD" clId="Web-{D48B8045-49F5-23A0-5F91-B418A956C8F0}" dt="2022-12-14T03:18:28.305" v="95"/>
-          <ac:cxnSpMkLst>
-            <pc:docMk/>
-            <pc:sldMk cId="3424685753" sldId="258"/>
-            <ac:cxnSpMk id="7" creationId="{8F5909CB-6CD3-45DF-9920-8D81824854A2}"/>
-          </ac:cxnSpMkLst>
-        </pc:cxnChg>
-        <pc:cxnChg chg="add del">
-          <ac:chgData name="He Ziang" userId="S::2020302111281@whu.edu.cn::a58d5542-13c5-42e9-acf6-e12cce9448c7" providerId="AD" clId="Web-{D48B8045-49F5-23A0-5F91-B418A956C8F0}" dt="2022-12-14T03:16:15.615" v="88"/>
-          <ac:cxnSpMkLst>
-            <pc:docMk/>
-            <pc:sldMk cId="3424685753" sldId="258"/>
-            <ac:cxnSpMk id="11" creationId="{F0748755-DDBC-46D0-91EC-1212A8EE2B40}"/>
-          </ac:cxnSpMkLst>
-        </pc:cxnChg>
       </pc:sldChg>
-      <pc:sldChg chg="addSp delSp modSp new mod setBg">
-        <pc:chgData name="He Ziang" userId="S::2020302111281@whu.edu.cn::a58d5542-13c5-42e9-acf6-e12cce9448c7" providerId="AD" clId="Web-{D48B8045-49F5-23A0-5F91-B418A956C8F0}" dt="2022-12-14T03:31:27.900" v="280"/>
+      <pc:sldChg chg="modNotesTx">
+        <pc:chgData name="He Ziang" userId="a58d5542-13c5-42e9-acf6-e12cce9448c7" providerId="ADAL" clId="{E32A9664-16B2-4B54-A9DE-A01CCABF86B8}" dt="2022-12-18T04:12:37.572" v="355" actId="20577"/>
         <pc:sldMkLst>
           <pc:docMk/>
           <pc:sldMk cId="1150635950" sldId="259"/>
         </pc:sldMkLst>
-        <pc:spChg chg="mod">
-          <ac:chgData name="He Ziang" userId="S::2020302111281@whu.edu.cn::a58d5542-13c5-42e9-acf6-e12cce9448c7" providerId="AD" clId="Web-{D48B8045-49F5-23A0-5F91-B418A956C8F0}" dt="2022-12-14T03:29:38.710" v="244"/>
-          <ac:spMkLst>
-            <pc:docMk/>
-            <pc:sldMk cId="1150635950" sldId="259"/>
-            <ac:spMk id="2" creationId="{A5CDD583-2C08-B906-C1D5-691BA69F8A5C}"/>
-          </ac:spMkLst>
-        </pc:spChg>
-        <pc:spChg chg="del mod">
-          <ac:chgData name="He Ziang" userId="S::2020302111281@whu.edu.cn::a58d5542-13c5-42e9-acf6-e12cce9448c7" providerId="AD" clId="Web-{D48B8045-49F5-23A0-5F91-B418A956C8F0}" dt="2022-12-14T03:26:08.190" v="160"/>
-          <ac:spMkLst>
-            <pc:docMk/>
-            <pc:sldMk cId="1150635950" sldId="259"/>
-            <ac:spMk id="3" creationId="{79F73EE6-DCAF-AF71-7031-60868D9703DF}"/>
-          </ac:spMkLst>
-        </pc:spChg>
-        <pc:spChg chg="add del">
-          <ac:chgData name="He Ziang" userId="S::2020302111281@whu.edu.cn::a58d5542-13c5-42e9-acf6-e12cce9448c7" providerId="AD" clId="Web-{D48B8045-49F5-23A0-5F91-B418A956C8F0}" dt="2022-12-14T03:29:38.710" v="244"/>
-          <ac:spMkLst>
-            <pc:docMk/>
-            <pc:sldMk cId="1150635950" sldId="259"/>
-            <ac:spMk id="9" creationId="{CAA6A2E0-18A1-4B22-8F61-5E162B67421A}"/>
-          </ac:spMkLst>
-        </pc:spChg>
-        <pc:spChg chg="add del">
-          <ac:chgData name="He Ziang" userId="S::2020302111281@whu.edu.cn::a58d5542-13c5-42e9-acf6-e12cce9448c7" providerId="AD" clId="Web-{D48B8045-49F5-23A0-5F91-B418A956C8F0}" dt="2022-12-14T03:30:45.415" v="271"/>
-          <ac:spMkLst>
-            <pc:docMk/>
-            <pc:sldMk cId="1150635950" sldId="259"/>
-            <ac:spMk id="13" creationId="{431807EA-F70D-41DE-A07B-209FD591815E}"/>
-          </ac:spMkLst>
-        </pc:spChg>
-        <pc:spChg chg="add del">
-          <ac:chgData name="He Ziang" userId="S::2020302111281@whu.edu.cn::a58d5542-13c5-42e9-acf6-e12cce9448c7" providerId="AD" clId="Web-{D48B8045-49F5-23A0-5F91-B418A956C8F0}" dt="2022-12-14T03:28:19.318" v="222"/>
-          <ac:spMkLst>
-            <pc:docMk/>
-            <pc:sldMk cId="1150635950" sldId="259"/>
-            <ac:spMk id="16" creationId="{3227BDC9-FB18-487D-844E-9A6B39F8C10A}"/>
-          </ac:spMkLst>
-        </pc:spChg>
-        <pc:spChg chg="add del mod">
-          <ac:chgData name="He Ziang" userId="S::2020302111281@whu.edu.cn::a58d5542-13c5-42e9-acf6-e12cce9448c7" providerId="AD" clId="Web-{D48B8045-49F5-23A0-5F91-B418A956C8F0}" dt="2022-12-14T03:31:27.900" v="280"/>
-          <ac:spMkLst>
-            <pc:docMk/>
-            <pc:sldMk cId="1150635950" sldId="259"/>
-            <ac:spMk id="17" creationId="{D028A353-022A-C843-B970-B904AB4C8118}"/>
-          </ac:spMkLst>
-        </pc:spChg>
-        <pc:spChg chg="add del">
-          <ac:chgData name="He Ziang" userId="S::2020302111281@whu.edu.cn::a58d5542-13c5-42e9-acf6-e12cce9448c7" providerId="AD" clId="Web-{D48B8045-49F5-23A0-5F91-B418A956C8F0}" dt="2022-12-14T03:31:27.900" v="280"/>
-          <ac:spMkLst>
-            <pc:docMk/>
-            <pc:sldMk cId="1150635950" sldId="259"/>
-            <ac:spMk id="19" creationId="{431807EA-F70D-41DE-A07B-209FD591815E}"/>
-          </ac:spMkLst>
-        </pc:spChg>
-        <pc:spChg chg="add">
-          <ac:chgData name="He Ziang" userId="S::2020302111281@whu.edu.cn::a58d5542-13c5-42e9-acf6-e12cce9448c7" providerId="AD" clId="Web-{D48B8045-49F5-23A0-5F91-B418A956C8F0}" dt="2022-12-14T03:31:27.900" v="280"/>
-          <ac:spMkLst>
-            <pc:docMk/>
-            <pc:sldMk cId="1150635950" sldId="259"/>
-            <ac:spMk id="27" creationId="{431807EA-F70D-41DE-A07B-209FD591815E}"/>
-          </ac:spMkLst>
-        </pc:spChg>
-        <pc:graphicFrameChg chg="add del mod ord modGraphic">
-          <ac:chgData name="He Ziang" userId="S::2020302111281@whu.edu.cn::a58d5542-13c5-42e9-acf6-e12cce9448c7" providerId="AD" clId="Web-{D48B8045-49F5-23A0-5F91-B418A956C8F0}" dt="2022-12-14T03:31:24.384" v="279"/>
-          <ac:graphicFrameMkLst>
-            <pc:docMk/>
-            <pc:sldMk cId="1150635950" sldId="259"/>
-            <ac:graphicFrameMk id="4" creationId="{21A6BFA1-F001-D09B-E93E-3F9F9E7BB564}"/>
-          </ac:graphicFrameMkLst>
-        </pc:graphicFrameChg>
-        <pc:graphicFrameChg chg="add del mod">
-          <ac:chgData name="He Ziang" userId="S::2020302111281@whu.edu.cn::a58d5542-13c5-42e9-acf6-e12cce9448c7" providerId="AD" clId="Web-{D48B8045-49F5-23A0-5F91-B418A956C8F0}" dt="2022-12-14T03:31:03.603" v="275"/>
-          <ac:graphicFrameMkLst>
-            <pc:docMk/>
-            <pc:sldMk cId="1150635950" sldId="259"/>
-            <ac:graphicFrameMk id="6" creationId="{7722BB65-B30C-A232-B0DC-142DB55D7FAD}"/>
-          </ac:graphicFrameMkLst>
-        </pc:graphicFrameChg>
-        <pc:graphicFrameChg chg="add del mod">
-          <ac:chgData name="He Ziang" userId="S::2020302111281@whu.edu.cn::a58d5542-13c5-42e9-acf6-e12cce9448c7" providerId="AD" clId="Web-{D48B8045-49F5-23A0-5F91-B418A956C8F0}" dt="2022-12-14T03:31:07.306" v="277"/>
-          <ac:graphicFrameMkLst>
-            <pc:docMk/>
-            <pc:sldMk cId="1150635950" sldId="259"/>
-            <ac:graphicFrameMk id="8" creationId="{C8AF3A03-42F7-F39E-1543-CB2AA560647C}"/>
-          </ac:graphicFrameMkLst>
-        </pc:graphicFrameChg>
-        <pc:graphicFrameChg chg="add del mod">
-          <ac:chgData name="He Ziang" userId="S::2020302111281@whu.edu.cn::a58d5542-13c5-42e9-acf6-e12cce9448c7" providerId="AD" clId="Web-{D48B8045-49F5-23A0-5F91-B418A956C8F0}" dt="2022-12-14T03:31:27.900" v="280"/>
-          <ac:graphicFrameMkLst>
-            <pc:docMk/>
-            <pc:sldMk cId="1150635950" sldId="259"/>
-            <ac:graphicFrameMk id="12" creationId="{9455B781-F6D8-7B06-E87F-AA15CCDFB8B1}"/>
-          </ac:graphicFrameMkLst>
-        </pc:graphicFrameChg>
-        <pc:graphicFrameChg chg="add">
-          <ac:chgData name="He Ziang" userId="S::2020302111281@whu.edu.cn::a58d5542-13c5-42e9-acf6-e12cce9448c7" providerId="AD" clId="Web-{D48B8045-49F5-23A0-5F91-B418A956C8F0}" dt="2022-12-14T03:31:27.900" v="280"/>
-          <ac:graphicFrameMkLst>
-            <pc:docMk/>
-            <pc:sldMk cId="1150635950" sldId="259"/>
-            <ac:graphicFrameMk id="24" creationId="{9455B781-F6D8-7B06-E87F-AA15CCDFB8B1}"/>
-          </ac:graphicFrameMkLst>
-        </pc:graphicFrameChg>
-        <pc:cxnChg chg="add del">
-          <ac:chgData name="He Ziang" userId="S::2020302111281@whu.edu.cn::a58d5542-13c5-42e9-acf6-e12cce9448c7" providerId="AD" clId="Web-{D48B8045-49F5-23A0-5F91-B418A956C8F0}" dt="2022-12-14T03:29:38.710" v="244"/>
-          <ac:cxnSpMkLst>
-            <pc:docMk/>
-            <pc:sldMk cId="1150635950" sldId="259"/>
-            <ac:cxnSpMk id="11" creationId="{8F5909CB-6CD3-45DF-9920-8D81824854A2}"/>
-          </ac:cxnSpMkLst>
-        </pc:cxnChg>
-        <pc:cxnChg chg="add del">
-          <ac:chgData name="He Ziang" userId="S::2020302111281@whu.edu.cn::a58d5542-13c5-42e9-acf6-e12cce9448c7" providerId="AD" clId="Web-{D48B8045-49F5-23A0-5F91-B418A956C8F0}" dt="2022-12-14T03:30:45.415" v="271"/>
-          <ac:cxnSpMkLst>
-            <pc:docMk/>
-            <pc:sldMk cId="1150635950" sldId="259"/>
-            <ac:cxnSpMk id="14" creationId="{D6D3BDB7-6E9F-439D-9E83-9D7F1971D57D}"/>
-          </ac:cxnSpMkLst>
-        </pc:cxnChg>
-        <pc:cxnChg chg="add del">
-          <ac:chgData name="He Ziang" userId="S::2020302111281@whu.edu.cn::a58d5542-13c5-42e9-acf6-e12cce9448c7" providerId="AD" clId="Web-{D48B8045-49F5-23A0-5F91-B418A956C8F0}" dt="2022-12-14T03:28:19.318" v="222"/>
-          <ac:cxnSpMkLst>
-            <pc:docMk/>
-            <pc:sldMk cId="1150635950" sldId="259"/>
-            <ac:cxnSpMk id="18" creationId="{25BE18DF-459C-485A-834C-292AA6BB1086}"/>
-          </ac:cxnSpMkLst>
-        </pc:cxnChg>
-        <pc:cxnChg chg="add del">
-          <ac:chgData name="He Ziang" userId="S::2020302111281@whu.edu.cn::a58d5542-13c5-42e9-acf6-e12cce9448c7" providerId="AD" clId="Web-{D48B8045-49F5-23A0-5F91-B418A956C8F0}" dt="2022-12-14T03:31:27.900" v="280"/>
-          <ac:cxnSpMkLst>
-            <pc:docMk/>
-            <pc:sldMk cId="1150635950" sldId="259"/>
-            <ac:cxnSpMk id="21" creationId="{D6D3BDB7-6E9F-439D-9E83-9D7F1971D57D}"/>
-          </ac:cxnSpMkLst>
-        </pc:cxnChg>
-        <pc:cxnChg chg="add">
-          <ac:chgData name="He Ziang" userId="S::2020302111281@whu.edu.cn::a58d5542-13c5-42e9-acf6-e12cce9448c7" providerId="AD" clId="Web-{D48B8045-49F5-23A0-5F91-B418A956C8F0}" dt="2022-12-14T03:31:27.900" v="280"/>
-          <ac:cxnSpMkLst>
-            <pc:docMk/>
-            <pc:sldMk cId="1150635950" sldId="259"/>
-            <ac:cxnSpMk id="29" creationId="{D6D3BDB7-6E9F-439D-9E83-9D7F1971D57D}"/>
-          </ac:cxnSpMkLst>
-        </pc:cxnChg>
       </pc:sldChg>
-      <pc:sldChg chg="addSp delSp modSp new mod setBg">
-        <pc:chgData name="He Ziang" userId="S::2020302111281@whu.edu.cn::a58d5542-13c5-42e9-acf6-e12cce9448c7" providerId="AD" clId="Web-{D48B8045-49F5-23A0-5F91-B418A956C8F0}" dt="2022-12-14T03:33:57.856" v="306"/>
+      <pc:sldChg chg="modNotesTx">
+        <pc:chgData name="He Ziang" userId="a58d5542-13c5-42e9-acf6-e12cce9448c7" providerId="ADAL" clId="{E32A9664-16B2-4B54-A9DE-A01CCABF86B8}" dt="2022-12-18T04:13:23.817" v="356"/>
         <pc:sldMkLst>
           <pc:docMk/>
           <pc:sldMk cId="2800236799" sldId="260"/>
         </pc:sldMkLst>
-        <pc:spChg chg="mod">
-          <ac:chgData name="He Ziang" userId="S::2020302111281@whu.edu.cn::a58d5542-13c5-42e9-acf6-e12cce9448c7" providerId="AD" clId="Web-{D48B8045-49F5-23A0-5F91-B418A956C8F0}" dt="2022-12-14T03:33:57.856" v="306"/>
-          <ac:spMkLst>
-            <pc:docMk/>
-            <pc:sldMk cId="2800236799" sldId="260"/>
-            <ac:spMk id="2" creationId="{387911F1-B14F-5603-F54A-14975ECE9EB2}"/>
-          </ac:spMkLst>
-        </pc:spChg>
-        <pc:spChg chg="add del mod">
-          <ac:chgData name="He Ziang" userId="S::2020302111281@whu.edu.cn::a58d5542-13c5-42e9-acf6-e12cce9448c7" providerId="AD" clId="Web-{D48B8045-49F5-23A0-5F91-B418A956C8F0}" dt="2022-12-14T03:33:57.856" v="306"/>
-          <ac:spMkLst>
-            <pc:docMk/>
-            <pc:sldMk cId="2800236799" sldId="260"/>
-            <ac:spMk id="3" creationId="{C241066F-D4D1-0E39-1D21-DCA91B732DB4}"/>
-          </ac:spMkLst>
-        </pc:spChg>
-        <pc:spChg chg="add del">
-          <ac:chgData name="He Ziang" userId="S::2020302111281@whu.edu.cn::a58d5542-13c5-42e9-acf6-e12cce9448c7" providerId="AD" clId="Web-{D48B8045-49F5-23A0-5F91-B418A956C8F0}" dt="2022-12-14T03:33:49.981" v="304"/>
-          <ac:spMkLst>
-            <pc:docMk/>
-            <pc:sldMk cId="2800236799" sldId="260"/>
-            <ac:spMk id="6" creationId="{CAA6A2E0-18A1-4B22-8F61-5E162B67421A}"/>
-          </ac:spMkLst>
-        </pc:spChg>
-        <pc:spChg chg="add del">
-          <ac:chgData name="He Ziang" userId="S::2020302111281@whu.edu.cn::a58d5542-13c5-42e9-acf6-e12cce9448c7" providerId="AD" clId="Web-{D48B8045-49F5-23A0-5F91-B418A956C8F0}" dt="2022-12-14T03:33:24.856" v="299"/>
-          <ac:spMkLst>
-            <pc:docMk/>
-            <pc:sldMk cId="2800236799" sldId="260"/>
-            <ac:spMk id="9" creationId="{CAA6A2E0-18A1-4B22-8F61-5E162B67421A}"/>
-          </ac:spMkLst>
-        </pc:spChg>
-        <pc:spChg chg="add del">
-          <ac:chgData name="He Ziang" userId="S::2020302111281@whu.edu.cn::a58d5542-13c5-42e9-acf6-e12cce9448c7" providerId="AD" clId="Web-{D48B8045-49F5-23A0-5F91-B418A956C8F0}" dt="2022-12-14T03:33:57.856" v="306"/>
-          <ac:spMkLst>
-            <pc:docMk/>
-            <pc:sldMk cId="2800236799" sldId="260"/>
-            <ac:spMk id="10" creationId="{5A8C38AB-00B3-4611-B51A-458666907A35}"/>
-          </ac:spMkLst>
-        </pc:spChg>
-        <pc:graphicFrameChg chg="add del">
-          <ac:chgData name="He Ziang" userId="S::2020302111281@whu.edu.cn::a58d5542-13c5-42e9-acf6-e12cce9448c7" providerId="AD" clId="Web-{D48B8045-49F5-23A0-5F91-B418A956C8F0}" dt="2022-12-14T03:33:24.856" v="299"/>
-          <ac:graphicFrameMkLst>
-            <pc:docMk/>
-            <pc:sldMk cId="2800236799" sldId="260"/>
-            <ac:graphicFrameMk id="5" creationId="{7AB14B77-D4AC-431C-04CB-4B13E0F0D254}"/>
-          </ac:graphicFrameMkLst>
-        </pc:graphicFrameChg>
-        <pc:graphicFrameChg chg="add del">
-          <ac:chgData name="He Ziang" userId="S::2020302111281@whu.edu.cn::a58d5542-13c5-42e9-acf6-e12cce9448c7" providerId="AD" clId="Web-{D48B8045-49F5-23A0-5F91-B418A956C8F0}" dt="2022-12-14T03:33:49.981" v="304"/>
-          <ac:graphicFrameMkLst>
-            <pc:docMk/>
-            <pc:sldMk cId="2800236799" sldId="260"/>
-            <ac:graphicFrameMk id="8" creationId="{1239FA18-364F-C9E6-5655-FD01D72E8F89}"/>
-          </ac:graphicFrameMkLst>
-        </pc:graphicFrameChg>
-        <pc:graphicFrameChg chg="add del">
-          <ac:chgData name="He Ziang" userId="S::2020302111281@whu.edu.cn::a58d5542-13c5-42e9-acf6-e12cce9448c7" providerId="AD" clId="Web-{D48B8045-49F5-23A0-5F91-B418A956C8F0}" dt="2022-12-14T03:33:57.856" v="306"/>
-          <ac:graphicFrameMkLst>
-            <pc:docMk/>
-            <pc:sldMk cId="2800236799" sldId="260"/>
-            <ac:graphicFrameMk id="13" creationId="{2C00E0EA-0C97-3921-10E2-6D0EB07F4820}"/>
-          </ac:graphicFrameMkLst>
-        </pc:graphicFrameChg>
-        <pc:cxnChg chg="add del">
-          <ac:chgData name="He Ziang" userId="S::2020302111281@whu.edu.cn::a58d5542-13c5-42e9-acf6-e12cce9448c7" providerId="AD" clId="Web-{D48B8045-49F5-23A0-5F91-B418A956C8F0}" dt="2022-12-14T03:33:49.981" v="304"/>
-          <ac:cxnSpMkLst>
-            <pc:docMk/>
-            <pc:sldMk cId="2800236799" sldId="260"/>
-            <ac:cxnSpMk id="7" creationId="{8F5909CB-6CD3-45DF-9920-8D81824854A2}"/>
-          </ac:cxnSpMkLst>
-        </pc:cxnChg>
-        <pc:cxnChg chg="add del">
-          <ac:chgData name="He Ziang" userId="S::2020302111281@whu.edu.cn::a58d5542-13c5-42e9-acf6-e12cce9448c7" providerId="AD" clId="Web-{D48B8045-49F5-23A0-5F91-B418A956C8F0}" dt="2022-12-14T03:33:24.856" v="299"/>
-          <ac:cxnSpMkLst>
-            <pc:docMk/>
-            <pc:sldMk cId="2800236799" sldId="260"/>
-            <ac:cxnSpMk id="11" creationId="{8F5909CB-6CD3-45DF-9920-8D81824854A2}"/>
-          </ac:cxnSpMkLst>
-        </pc:cxnChg>
-        <pc:cxnChg chg="add del">
-          <ac:chgData name="He Ziang" userId="S::2020302111281@whu.edu.cn::a58d5542-13c5-42e9-acf6-e12cce9448c7" providerId="AD" clId="Web-{D48B8045-49F5-23A0-5F91-B418A956C8F0}" dt="2022-12-14T03:33:57.856" v="306"/>
-          <ac:cxnSpMkLst>
-            <pc:docMk/>
-            <pc:sldMk cId="2800236799" sldId="260"/>
-            <ac:cxnSpMk id="12" creationId="{8F5909CB-6CD3-45DF-9920-8D81824854A2}"/>
-          </ac:cxnSpMkLst>
-        </pc:cxnChg>
       </pc:sldChg>
-      <pc:sldChg chg="addSp delSp modSp new mod setBg">
-        <pc:chgData name="He Ziang" userId="S::2020302111281@whu.edu.cn::a58d5542-13c5-42e9-acf6-e12cce9448c7" providerId="AD" clId="Web-{D48B8045-49F5-23A0-5F91-B418A956C8F0}" dt="2022-12-14T03:34:46.373" v="312"/>
+      <pc:sldChg chg="modNotesTx">
+        <pc:chgData name="He Ziang" userId="a58d5542-13c5-42e9-acf6-e12cce9448c7" providerId="ADAL" clId="{E32A9664-16B2-4B54-A9DE-A01CCABF86B8}" dt="2022-12-18T08:36:05.131" v="450" actId="20577"/>
         <pc:sldMkLst>
           <pc:docMk/>
           <pc:sldMk cId="322820508" sldId="261"/>
         </pc:sldMkLst>
-        <pc:spChg chg="mod">
-          <ac:chgData name="He Ziang" userId="S::2020302111281@whu.edu.cn::a58d5542-13c5-42e9-acf6-e12cce9448c7" providerId="AD" clId="Web-{D48B8045-49F5-23A0-5F91-B418A956C8F0}" dt="2022-12-14T03:34:46.373" v="312"/>
-          <ac:spMkLst>
-            <pc:docMk/>
-            <pc:sldMk cId="322820508" sldId="261"/>
-            <ac:spMk id="2" creationId="{A21C65EA-B059-35C9-04F7-F870C0DE0F53}"/>
-          </ac:spMkLst>
-        </pc:spChg>
-        <pc:spChg chg="del">
-          <ac:chgData name="He Ziang" userId="S::2020302111281@whu.edu.cn::a58d5542-13c5-42e9-acf6-e12cce9448c7" providerId="AD" clId="Web-{D48B8045-49F5-23A0-5F91-B418A956C8F0}" dt="2022-12-14T03:34:46.373" v="312"/>
-          <ac:spMkLst>
-            <pc:docMk/>
-            <pc:sldMk cId="322820508" sldId="261"/>
-            <ac:spMk id="3" creationId="{E384CF1C-5903-A672-1B70-16767DD0F996}"/>
-          </ac:spMkLst>
-        </pc:spChg>
-        <pc:spChg chg="add">
-          <ac:chgData name="He Ziang" userId="S::2020302111281@whu.edu.cn::a58d5542-13c5-42e9-acf6-e12cce9448c7" providerId="AD" clId="Web-{D48B8045-49F5-23A0-5F91-B418A956C8F0}" dt="2022-12-14T03:34:46.373" v="312"/>
-          <ac:spMkLst>
-            <pc:docMk/>
-            <pc:sldMk cId="322820508" sldId="261"/>
-            <ac:spMk id="11" creationId="{9BE9CBBE-AC27-4CB2-9A8C-6DA97C8514B0}"/>
-          </ac:spMkLst>
-        </pc:spChg>
-        <pc:spChg chg="add">
-          <ac:chgData name="He Ziang" userId="S::2020302111281@whu.edu.cn::a58d5542-13c5-42e9-acf6-e12cce9448c7" providerId="AD" clId="Web-{D48B8045-49F5-23A0-5F91-B418A956C8F0}" dt="2022-12-14T03:34:46.373" v="312"/>
-          <ac:spMkLst>
-            <pc:docMk/>
-            <pc:sldMk cId="322820508" sldId="261"/>
-            <ac:spMk id="13" creationId="{1510558D-AB62-4468-A217-6D39626A6767}"/>
-          </ac:spMkLst>
-        </pc:spChg>
-        <pc:spChg chg="add">
-          <ac:chgData name="He Ziang" userId="S::2020302111281@whu.edu.cn::a58d5542-13c5-42e9-acf6-e12cce9448c7" providerId="AD" clId="Web-{D48B8045-49F5-23A0-5F91-B418A956C8F0}" dt="2022-12-14T03:34:46.373" v="312"/>
-          <ac:spMkLst>
-            <pc:docMk/>
-            <pc:sldMk cId="322820508" sldId="261"/>
-            <ac:spMk id="15" creationId="{BF0EF3CC-90B1-4D25-8757-67F368728EB3}"/>
-          </ac:spMkLst>
-        </pc:spChg>
-        <pc:picChg chg="add">
-          <ac:chgData name="He Ziang" userId="S::2020302111281@whu.edu.cn::a58d5542-13c5-42e9-acf6-e12cce9448c7" providerId="AD" clId="Web-{D48B8045-49F5-23A0-5F91-B418A956C8F0}" dt="2022-12-14T03:34:46.373" v="312"/>
-          <ac:picMkLst>
-            <pc:docMk/>
-            <pc:sldMk cId="322820508" sldId="261"/>
-            <ac:picMk id="5" creationId="{C2FDA702-1B63-6C41-49C7-2F844EE8C703}"/>
-          </ac:picMkLst>
-        </pc:picChg>
-        <pc:cxnChg chg="add">
-          <ac:chgData name="He Ziang" userId="S::2020302111281@whu.edu.cn::a58d5542-13c5-42e9-acf6-e12cce9448c7" providerId="AD" clId="Web-{D48B8045-49F5-23A0-5F91-B418A956C8F0}" dt="2022-12-14T03:34:46.373" v="312"/>
-          <ac:cxnSpMkLst>
-            <pc:docMk/>
-            <pc:sldMk cId="322820508" sldId="261"/>
-            <ac:cxnSpMk id="9" creationId="{D8689CE0-64D2-447C-9C1F-872D111D8AC3}"/>
-          </ac:cxnSpMkLst>
-        </pc:cxnChg>
-        <pc:cxnChg chg="add">
-          <ac:chgData name="He Ziang" userId="S::2020302111281@whu.edu.cn::a58d5542-13c5-42e9-acf6-e12cce9448c7" providerId="AD" clId="Web-{D48B8045-49F5-23A0-5F91-B418A956C8F0}" dt="2022-12-14T03:34:46.373" v="312"/>
-          <ac:cxnSpMkLst>
-            <pc:docMk/>
-            <pc:sldMk cId="322820508" sldId="261"/>
-            <ac:cxnSpMk id="17" creationId="{B0AA360F-DECB-4836-8FB6-22C4BC3FB02D}"/>
-          </ac:cxnSpMkLst>
-        </pc:cxnChg>
       </pc:sldChg>
-      <pc:sldChg chg="addSp modSp new mod setBg">
-        <pc:chgData name="He Ziang" userId="S::2020302111281@whu.edu.cn::a58d5542-13c5-42e9-acf6-e12cce9448c7" providerId="AD" clId="Web-{D48B8045-49F5-23A0-5F91-B418A956C8F0}" dt="2022-12-14T03:47:26.140" v="337"/>
+      <pc:sldChg chg="modNotesTx">
+        <pc:chgData name="He Ziang" userId="a58d5542-13c5-42e9-acf6-e12cce9448c7" providerId="ADAL" clId="{E32A9664-16B2-4B54-A9DE-A01CCABF86B8}" dt="2022-12-18T08:36:30.564" v="498" actId="20577"/>
         <pc:sldMkLst>
           <pc:docMk/>
           <pc:sldMk cId="3219309908" sldId="262"/>
         </pc:sldMkLst>
-        <pc:spChg chg="mod">
-          <ac:chgData name="He Ziang" userId="S::2020302111281@whu.edu.cn::a58d5542-13c5-42e9-acf6-e12cce9448c7" providerId="AD" clId="Web-{D48B8045-49F5-23A0-5F91-B418A956C8F0}" dt="2022-12-14T03:47:26.140" v="337"/>
-          <ac:spMkLst>
-            <pc:docMk/>
-            <pc:sldMk cId="3219309908" sldId="262"/>
-            <ac:spMk id="2" creationId="{EF9B549A-4026-AD22-77F2-9EF51E1D7F4D}"/>
-          </ac:spMkLst>
-        </pc:spChg>
-        <pc:spChg chg="mod">
-          <ac:chgData name="He Ziang" userId="S::2020302111281@whu.edu.cn::a58d5542-13c5-42e9-acf6-e12cce9448c7" providerId="AD" clId="Web-{D48B8045-49F5-23A0-5F91-B418A956C8F0}" dt="2022-12-14T03:47:26.140" v="337"/>
-          <ac:spMkLst>
-            <pc:docMk/>
-            <pc:sldMk cId="3219309908" sldId="262"/>
-            <ac:spMk id="3" creationId="{F0ABE6CB-EBB2-EAC2-AF05-5EE67C283525}"/>
-          </ac:spMkLst>
-        </pc:spChg>
-        <pc:spChg chg="add">
-          <ac:chgData name="He Ziang" userId="S::2020302111281@whu.edu.cn::a58d5542-13c5-42e9-acf6-e12cce9448c7" providerId="AD" clId="Web-{D48B8045-49F5-23A0-5F91-B418A956C8F0}" dt="2022-12-14T03:47:26.140" v="337"/>
-          <ac:spMkLst>
-            <pc:docMk/>
-            <pc:sldMk cId="3219309908" sldId="262"/>
-            <ac:spMk id="9" creationId="{40DC026F-444B-46C9-BCBE-329183BF5FE0}"/>
-          </ac:spMkLst>
-        </pc:spChg>
-        <pc:picChg chg="add">
-          <ac:chgData name="He Ziang" userId="S::2020302111281@whu.edu.cn::a58d5542-13c5-42e9-acf6-e12cce9448c7" providerId="AD" clId="Web-{D48B8045-49F5-23A0-5F91-B418A956C8F0}" dt="2022-12-14T03:47:26.140" v="337"/>
-          <ac:picMkLst>
-            <pc:docMk/>
-            <pc:sldMk cId="3219309908" sldId="262"/>
-            <ac:picMk id="5" creationId="{60A389BD-48E9-7EAA-83E8-E74DFAE771BC}"/>
-          </ac:picMkLst>
-        </pc:picChg>
-        <pc:cxnChg chg="add">
-          <ac:chgData name="He Ziang" userId="S::2020302111281@whu.edu.cn::a58d5542-13c5-42e9-acf6-e12cce9448c7" providerId="AD" clId="Web-{D48B8045-49F5-23A0-5F91-B418A956C8F0}" dt="2022-12-14T03:47:26.140" v="337"/>
-          <ac:cxnSpMkLst>
-            <pc:docMk/>
-            <pc:sldMk cId="3219309908" sldId="262"/>
-            <ac:cxnSpMk id="11" creationId="{F0748755-DDBC-46D0-91EC-1212A8EE2B40}"/>
-          </ac:cxnSpMkLst>
-        </pc:cxnChg>
       </pc:sldChg>
-      <pc:sldChg chg="modSp new">
-        <pc:chgData name="He Ziang" userId="S::2020302111281@whu.edu.cn::a58d5542-13c5-42e9-acf6-e12cce9448c7" providerId="AD" clId="Web-{D48B8045-49F5-23A0-5F91-B418A956C8F0}" dt="2022-12-14T03:49:30.424" v="374" actId="20577"/>
+      <pc:sldChg chg="modNotesTx">
+        <pc:chgData name="He Ziang" userId="a58d5542-13c5-42e9-acf6-e12cce9448c7" providerId="ADAL" clId="{E32A9664-16B2-4B54-A9DE-A01CCABF86B8}" dt="2022-12-18T08:55:20.349" v="1039" actId="20577"/>
         <pc:sldMkLst>
           <pc:docMk/>
           <pc:sldMk cId="427864391" sldId="263"/>
         </pc:sldMkLst>
+      </pc:sldChg>
+      <pc:sldChg chg="modSp mod modNotesTx">
+        <pc:chgData name="He Ziang" userId="a58d5542-13c5-42e9-acf6-e12cce9448c7" providerId="ADAL" clId="{E32A9664-16B2-4B54-A9DE-A01CCABF86B8}" dt="2022-12-18T09:20:21.756" v="1202" actId="1076"/>
+        <pc:sldMkLst>
+          <pc:docMk/>
+          <pc:sldMk cId="2890977975" sldId="264"/>
+        </pc:sldMkLst>
+        <pc:picChg chg="mod">
+          <ac:chgData name="He Ziang" userId="a58d5542-13c5-42e9-acf6-e12cce9448c7" providerId="ADAL" clId="{E32A9664-16B2-4B54-A9DE-A01CCABF86B8}" dt="2022-12-18T09:20:21.756" v="1202" actId="1076"/>
+          <ac:picMkLst>
+            <pc:docMk/>
+            <pc:sldMk cId="2890977975" sldId="264"/>
+            <ac:picMk id="7" creationId="{601B50A2-27AC-6084-67AB-E671B658684D}"/>
+          </ac:picMkLst>
+        </pc:picChg>
+      </pc:sldChg>
+      <pc:sldChg chg="modSp mod">
+        <pc:chgData name="He Ziang" userId="a58d5542-13c5-42e9-acf6-e12cce9448c7" providerId="ADAL" clId="{E32A9664-16B2-4B54-A9DE-A01CCABF86B8}" dt="2022-12-18T08:37:53.696" v="501" actId="1076"/>
+        <pc:sldMkLst>
+          <pc:docMk/>
+          <pc:sldMk cId="1558989442" sldId="268"/>
+        </pc:sldMkLst>
         <pc:spChg chg="mod">
-          <ac:chgData name="He Ziang" userId="S::2020302111281@whu.edu.cn::a58d5542-13c5-42e9-acf6-e12cce9448c7" providerId="AD" clId="Web-{D48B8045-49F5-23A0-5F91-B418A956C8F0}" dt="2022-12-14T03:47:44.609" v="350" actId="20577"/>
+          <ac:chgData name="He Ziang" userId="a58d5542-13c5-42e9-acf6-e12cce9448c7" providerId="ADAL" clId="{E32A9664-16B2-4B54-A9DE-A01CCABF86B8}" dt="2022-12-18T08:37:51.418" v="500" actId="255"/>
           <ac:spMkLst>
             <pc:docMk/>
-            <pc:sldMk cId="427864391" sldId="263"/>
-            <ac:spMk id="2" creationId="{6F77DC06-B73D-FE89-658B-712799018818}"/>
+            <pc:sldMk cId="1558989442" sldId="268"/>
+            <ac:spMk id="3" creationId="{A3FDD3B8-0CE4-34FA-8DBB-EB135ACCC484}"/>
           </ac:spMkLst>
         </pc:spChg>
+        <pc:picChg chg="mod">
+          <ac:chgData name="He Ziang" userId="a58d5542-13c5-42e9-acf6-e12cce9448c7" providerId="ADAL" clId="{E32A9664-16B2-4B54-A9DE-A01CCABF86B8}" dt="2022-12-18T08:37:53.696" v="501" actId="1076"/>
+          <ac:picMkLst>
+            <pc:docMk/>
+            <pc:sldMk cId="1558989442" sldId="268"/>
+            <ac:picMk id="5" creationId="{B334246A-7DB1-85C9-6219-7D0E6A4DE012}"/>
+          </ac:picMkLst>
+        </pc:picChg>
+      </pc:sldChg>
+      <pc:sldChg chg="modNotesTx">
+        <pc:chgData name="He Ziang" userId="a58d5542-13c5-42e9-acf6-e12cce9448c7" providerId="ADAL" clId="{E32A9664-16B2-4B54-A9DE-A01CCABF86B8}" dt="2022-12-18T09:56:20.161" v="1203"/>
+        <pc:sldMkLst>
+          <pc:docMk/>
+          <pc:sldMk cId="3899402670" sldId="269"/>
+        </pc:sldMkLst>
+      </pc:sldChg>
+      <pc:sldChg chg="modSp mod">
+        <pc:chgData name="He Ziang" userId="a58d5542-13c5-42e9-acf6-e12cce9448c7" providerId="ADAL" clId="{E32A9664-16B2-4B54-A9DE-A01CCABF86B8}" dt="2022-12-18T08:37:42.130" v="499" actId="255"/>
+        <pc:sldMkLst>
+          <pc:docMk/>
+          <pc:sldMk cId="1273898869" sldId="271"/>
+        </pc:sldMkLst>
         <pc:spChg chg="mod">
-          <ac:chgData name="He Ziang" userId="S::2020302111281@whu.edu.cn::a58d5542-13c5-42e9-acf6-e12cce9448c7" providerId="AD" clId="Web-{D48B8045-49F5-23A0-5F91-B418A956C8F0}" dt="2022-12-14T03:49:30.424" v="374" actId="20577"/>
+          <ac:chgData name="He Ziang" userId="a58d5542-13c5-42e9-acf6-e12cce9448c7" providerId="ADAL" clId="{E32A9664-16B2-4B54-A9DE-A01CCABF86B8}" dt="2022-12-18T08:37:42.130" v="499" actId="255"/>
           <ac:spMkLst>
             <pc:docMk/>
-            <pc:sldMk cId="427864391" sldId="263"/>
-            <ac:spMk id="3" creationId="{630BC7D3-7D4D-A052-159C-5413252479E5}"/>
+            <pc:sldMk cId="1273898869" sldId="271"/>
+            <ac:spMk id="3" creationId="{18A89CF0-EB42-9F36-D65E-AC76475F711D}"/>
           </ac:spMkLst>
         </pc:spChg>
       </pc:sldChg>
-      <pc:sldMasterChg chg="add del addSldLayout delSldLayout">
-        <pc:chgData name="He Ziang" userId="S::2020302111281@whu.edu.cn::a58d5542-13c5-42e9-acf6-e12cce9448c7" providerId="AD" clId="Web-{D48B8045-49F5-23A0-5F91-B418A956C8F0}" dt="2022-12-14T02:53:36.179" v="18"/>
-        <pc:sldMasterMkLst>
+      <pc:sldChg chg="addSp delSp mod modNotesTx">
+        <pc:chgData name="He Ziang" userId="a58d5542-13c5-42e9-acf6-e12cce9448c7" providerId="ADAL" clId="{E32A9664-16B2-4B54-A9DE-A01CCABF86B8}" dt="2022-12-18T11:37:08.439" v="1220" actId="20577"/>
+        <pc:sldMkLst>
           <pc:docMk/>
-          <pc:sldMasterMk cId="2460954070" sldId="2147483660"/>
-        </pc:sldMasterMkLst>
-        <pc:sldLayoutChg chg="add del">
-          <pc:chgData name="He Ziang" userId="S::2020302111281@whu.edu.cn::a58d5542-13c5-42e9-acf6-e12cce9448c7" providerId="AD" clId="Web-{D48B8045-49F5-23A0-5F91-B418A956C8F0}" dt="2022-12-14T02:53:36.179" v="18"/>
-          <pc:sldLayoutMkLst>
-            <pc:docMk/>
-            <pc:sldMasterMk cId="2460954070" sldId="2147483660"/>
-            <pc:sldLayoutMk cId="2385387890" sldId="2147483661"/>
-          </pc:sldLayoutMkLst>
-        </pc:sldLayoutChg>
-        <pc:sldLayoutChg chg="add del">
-          <pc:chgData name="He Ziang" userId="S::2020302111281@whu.edu.cn::a58d5542-13c5-42e9-acf6-e12cce9448c7" providerId="AD" clId="Web-{D48B8045-49F5-23A0-5F91-B418A956C8F0}" dt="2022-12-14T02:53:36.179" v="18"/>
-          <pc:sldLayoutMkLst>
-            <pc:docMk/>
-            <pc:sldMasterMk cId="2460954070" sldId="2147483660"/>
-            <pc:sldLayoutMk cId="949138452" sldId="2147483662"/>
-          </pc:sldLayoutMkLst>
-        </pc:sldLayoutChg>
-        <pc:sldLayoutChg chg="add del">
-          <pc:chgData name="He Ziang" userId="S::2020302111281@whu.edu.cn::a58d5542-13c5-42e9-acf6-e12cce9448c7" providerId="AD" clId="Web-{D48B8045-49F5-23A0-5F91-B418A956C8F0}" dt="2022-12-14T02:53:36.179" v="18"/>
-          <pc:sldLayoutMkLst>
-            <pc:docMk/>
-            <pc:sldMasterMk cId="2460954070" sldId="2147483660"/>
-            <pc:sldLayoutMk cId="2591524520" sldId="2147483663"/>
-          </pc:sldLayoutMkLst>
-        </pc:sldLayoutChg>
-        <pc:sldLayoutChg chg="add del">
-          <pc:chgData name="He Ziang" userId="S::2020302111281@whu.edu.cn::a58d5542-13c5-42e9-acf6-e12cce9448c7" providerId="AD" clId="Web-{D48B8045-49F5-23A0-5F91-B418A956C8F0}" dt="2022-12-14T02:53:36.179" v="18"/>
-          <pc:sldLayoutMkLst>
-            <pc:docMk/>
-            <pc:sldMasterMk cId="2460954070" sldId="2147483660"/>
-            <pc:sldLayoutMk cId="1203092039" sldId="2147483664"/>
-          </pc:sldLayoutMkLst>
-        </pc:sldLayoutChg>
-        <pc:sldLayoutChg chg="add del">
-          <pc:chgData name="He Ziang" userId="S::2020302111281@whu.edu.cn::a58d5542-13c5-42e9-acf6-e12cce9448c7" providerId="AD" clId="Web-{D48B8045-49F5-23A0-5F91-B418A956C8F0}" dt="2022-12-14T02:53:36.179" v="18"/>
-          <pc:sldLayoutMkLst>
-            <pc:docMk/>
-            <pc:sldMasterMk cId="2460954070" sldId="2147483660"/>
-            <pc:sldLayoutMk cId="3733172339" sldId="2147483665"/>
-          </pc:sldLayoutMkLst>
-        </pc:sldLayoutChg>
-        <pc:sldLayoutChg chg="add del">
-          <pc:chgData name="He Ziang" userId="S::2020302111281@whu.edu.cn::a58d5542-13c5-42e9-acf6-e12cce9448c7" providerId="AD" clId="Web-{D48B8045-49F5-23A0-5F91-B418A956C8F0}" dt="2022-12-14T02:53:36.179" v="18"/>
-          <pc:sldLayoutMkLst>
-            <pc:docMk/>
-            <pc:sldMasterMk cId="2460954070" sldId="2147483660"/>
-            <pc:sldLayoutMk cId="3210312558" sldId="2147483666"/>
-          </pc:sldLayoutMkLst>
-        </pc:sldLayoutChg>
-        <pc:sldLayoutChg chg="add del">
-          <pc:chgData name="He Ziang" userId="S::2020302111281@whu.edu.cn::a58d5542-13c5-42e9-acf6-e12cce9448c7" providerId="AD" clId="Web-{D48B8045-49F5-23A0-5F91-B418A956C8F0}" dt="2022-12-14T02:53:36.179" v="18"/>
-          <pc:sldLayoutMkLst>
-            <pc:docMk/>
-            <pc:sldMasterMk cId="2460954070" sldId="2147483660"/>
-            <pc:sldLayoutMk cId="3146388984" sldId="2147483667"/>
-          </pc:sldLayoutMkLst>
-        </pc:sldLayoutChg>
-        <pc:sldLayoutChg chg="add del">
-          <pc:chgData name="He Ziang" userId="S::2020302111281@whu.edu.cn::a58d5542-13c5-42e9-acf6-e12cce9448c7" providerId="AD" clId="Web-{D48B8045-49F5-23A0-5F91-B418A956C8F0}" dt="2022-12-14T02:53:36.179" v="18"/>
-          <pc:sldLayoutMkLst>
-            <pc:docMk/>
-            <pc:sldMasterMk cId="2460954070" sldId="2147483660"/>
-            <pc:sldLayoutMk cId="3171841454" sldId="2147483668"/>
-          </pc:sldLayoutMkLst>
-        </pc:sldLayoutChg>
-        <pc:sldLayoutChg chg="add del">
-          <pc:chgData name="He Ziang" userId="S::2020302111281@whu.edu.cn::a58d5542-13c5-42e9-acf6-e12cce9448c7" providerId="AD" clId="Web-{D48B8045-49F5-23A0-5F91-B418A956C8F0}" dt="2022-12-14T02:53:36.179" v="18"/>
-          <pc:sldLayoutMkLst>
-            <pc:docMk/>
-            <pc:sldMasterMk cId="2460954070" sldId="2147483660"/>
-            <pc:sldLayoutMk cId="1718958274" sldId="2147483669"/>
-          </pc:sldLayoutMkLst>
-        </pc:sldLayoutChg>
-        <pc:sldLayoutChg chg="add del">
-          <pc:chgData name="He Ziang" userId="S::2020302111281@whu.edu.cn::a58d5542-13c5-42e9-acf6-e12cce9448c7" providerId="AD" clId="Web-{D48B8045-49F5-23A0-5F91-B418A956C8F0}" dt="2022-12-14T02:53:36.179" v="18"/>
-          <pc:sldLayoutMkLst>
-            <pc:docMk/>
-            <pc:sldMasterMk cId="2460954070" sldId="2147483660"/>
-            <pc:sldLayoutMk cId="2202905451" sldId="2147483670"/>
-          </pc:sldLayoutMkLst>
-        </pc:sldLayoutChg>
-        <pc:sldLayoutChg chg="add del">
-          <pc:chgData name="He Ziang" userId="S::2020302111281@whu.edu.cn::a58d5542-13c5-42e9-acf6-e12cce9448c7" providerId="AD" clId="Web-{D48B8045-49F5-23A0-5F91-B418A956C8F0}" dt="2022-12-14T02:53:36.179" v="18"/>
-          <pc:sldLayoutMkLst>
-            <pc:docMk/>
-            <pc:sldMasterMk cId="2460954070" sldId="2147483660"/>
-            <pc:sldLayoutMk cId="3479445657" sldId="2147483671"/>
-          </pc:sldLayoutMkLst>
-        </pc:sldLayoutChg>
-      </pc:sldMasterChg>
-      <pc:sldMasterChg chg="add del addSldLayout delSldLayout">
-        <pc:chgData name="He Ziang" userId="S::2020302111281@whu.edu.cn::a58d5542-13c5-42e9-acf6-e12cce9448c7" providerId="AD" clId="Web-{D48B8045-49F5-23A0-5F91-B418A956C8F0}" dt="2022-12-14T02:53:36.101" v="17"/>
-        <pc:sldMasterMkLst>
+          <pc:sldMk cId="2084956811" sldId="272"/>
+        </pc:sldMkLst>
+        <pc:spChg chg="add del">
+          <ac:chgData name="He Ziang" userId="a58d5542-13c5-42e9-acf6-e12cce9448c7" providerId="ADAL" clId="{E32A9664-16B2-4B54-A9DE-A01CCABF86B8}" dt="2022-12-18T09:59:24.226" v="1205" actId="22"/>
+          <ac:spMkLst>
+            <pc:docMk/>
+            <pc:sldMk cId="2084956811" sldId="272"/>
+            <ac:spMk id="5" creationId="{ED26F1CD-9813-451A-BF2C-966F226B56B0}"/>
+          </ac:spMkLst>
+        </pc:spChg>
+      </pc:sldChg>
+      <pc:sldChg chg="modSp mod">
+        <pc:chgData name="He Ziang" userId="a58d5542-13c5-42e9-acf6-e12cce9448c7" providerId="ADAL" clId="{E32A9664-16B2-4B54-A9DE-A01CCABF86B8}" dt="2022-12-18T10:00:41.803" v="1210" actId="20577"/>
+        <pc:sldMkLst>
           <pc:docMk/>
-          <pc:sldMasterMk cId="1143113594" sldId="2147483685"/>
-        </pc:sldMasterMkLst>
-        <pc:sldLayoutChg chg="add del">
-          <pc:chgData name="He Ziang" userId="S::2020302111281@whu.edu.cn::a58d5542-13c5-42e9-acf6-e12cce9448c7" providerId="AD" clId="Web-{D48B8045-49F5-23A0-5F91-B418A956C8F0}" dt="2022-12-14T02:53:36.101" v="17"/>
-          <pc:sldLayoutMkLst>
-            <pc:docMk/>
-            <pc:sldMasterMk cId="1143113594" sldId="2147483685"/>
-            <pc:sldLayoutMk cId="3547148180" sldId="2147483674"/>
-          </pc:sldLayoutMkLst>
-        </pc:sldLayoutChg>
-        <pc:sldLayoutChg chg="add del">
-          <pc:chgData name="He Ziang" userId="S::2020302111281@whu.edu.cn::a58d5542-13c5-42e9-acf6-e12cce9448c7" providerId="AD" clId="Web-{D48B8045-49F5-23A0-5F91-B418A956C8F0}" dt="2022-12-14T02:53:36.101" v="17"/>
-          <pc:sldLayoutMkLst>
-            <pc:docMk/>
-            <pc:sldMasterMk cId="1143113594" sldId="2147483685"/>
-            <pc:sldLayoutMk cId="1736536273" sldId="2147483675"/>
-          </pc:sldLayoutMkLst>
-        </pc:sldLayoutChg>
-        <pc:sldLayoutChg chg="add del">
-          <pc:chgData name="He Ziang" userId="S::2020302111281@whu.edu.cn::a58d5542-13c5-42e9-acf6-e12cce9448c7" providerId="AD" clId="Web-{D48B8045-49F5-23A0-5F91-B418A956C8F0}" dt="2022-12-14T02:53:36.101" v="17"/>
-          <pc:sldLayoutMkLst>
-            <pc:docMk/>
-            <pc:sldMasterMk cId="1143113594" sldId="2147483685"/>
-            <pc:sldLayoutMk cId="1330946820" sldId="2147483676"/>
-          </pc:sldLayoutMkLst>
-        </pc:sldLayoutChg>
-        <pc:sldLayoutChg chg="add del">
-          <pc:chgData name="He Ziang" userId="S::2020302111281@whu.edu.cn::a58d5542-13c5-42e9-acf6-e12cce9448c7" providerId="AD" clId="Web-{D48B8045-49F5-23A0-5F91-B418A956C8F0}" dt="2022-12-14T02:53:36.101" v="17"/>
-          <pc:sldLayoutMkLst>
-            <pc:docMk/>
-            <pc:sldMasterMk cId="1143113594" sldId="2147483685"/>
-            <pc:sldLayoutMk cId="1694728880" sldId="2147483677"/>
-          </pc:sldLayoutMkLst>
-        </pc:sldLayoutChg>
-        <pc:sldLayoutChg chg="add del">
-          <pc:chgData name="He Ziang" userId="S::2020302111281@whu.edu.cn::a58d5542-13c5-42e9-acf6-e12cce9448c7" providerId="AD" clId="Web-{D48B8045-49F5-23A0-5F91-B418A956C8F0}" dt="2022-12-14T02:53:36.101" v="17"/>
-          <pc:sldLayoutMkLst>
-            <pc:docMk/>
-            <pc:sldMasterMk cId="1143113594" sldId="2147483685"/>
-            <pc:sldLayoutMk cId="3391109384" sldId="2147483678"/>
-          </pc:sldLayoutMkLst>
-        </pc:sldLayoutChg>
-        <pc:sldLayoutChg chg="add del">
-          <pc:chgData name="He Ziang" userId="S::2020302111281@whu.edu.cn::a58d5542-13c5-42e9-acf6-e12cce9448c7" providerId="AD" clId="Web-{D48B8045-49F5-23A0-5F91-B418A956C8F0}" dt="2022-12-14T02:53:36.101" v="17"/>
-          <pc:sldLayoutMkLst>
-            <pc:docMk/>
-            <pc:sldMasterMk cId="1143113594" sldId="2147483685"/>
-            <pc:sldLayoutMk cId="1149386501" sldId="2147483679"/>
-          </pc:sldLayoutMkLst>
-        </pc:sldLayoutChg>
-        <pc:sldLayoutChg chg="add del">
-          <pc:chgData name="He Ziang" userId="S::2020302111281@whu.edu.cn::a58d5542-13c5-42e9-acf6-e12cce9448c7" providerId="AD" clId="Web-{D48B8045-49F5-23A0-5F91-B418A956C8F0}" dt="2022-12-14T02:53:36.101" v="17"/>
-          <pc:sldLayoutMkLst>
-            <pc:docMk/>
-            <pc:sldMasterMk cId="1143113594" sldId="2147483685"/>
-            <pc:sldLayoutMk cId="147081345" sldId="2147483680"/>
-          </pc:sldLayoutMkLst>
-        </pc:sldLayoutChg>
-        <pc:sldLayoutChg chg="add del">
-          <pc:chgData name="He Ziang" userId="S::2020302111281@whu.edu.cn::a58d5542-13c5-42e9-acf6-e12cce9448c7" providerId="AD" clId="Web-{D48B8045-49F5-23A0-5F91-B418A956C8F0}" dt="2022-12-14T02:53:36.101" v="17"/>
-          <pc:sldLayoutMkLst>
-            <pc:docMk/>
-            <pc:sldMasterMk cId="1143113594" sldId="2147483685"/>
-            <pc:sldLayoutMk cId="313704948" sldId="2147483681"/>
-          </pc:sldLayoutMkLst>
-        </pc:sldLayoutChg>
-        <pc:sldLayoutChg chg="add del">
-          <pc:chgData name="He Ziang" userId="S::2020302111281@whu.edu.cn::a58d5542-13c5-42e9-acf6-e12cce9448c7" providerId="AD" clId="Web-{D48B8045-49F5-23A0-5F91-B418A956C8F0}" dt="2022-12-14T02:53:36.101" v="17"/>
-          <pc:sldLayoutMkLst>
-            <pc:docMk/>
-            <pc:sldMasterMk cId="1143113594" sldId="2147483685"/>
-            <pc:sldLayoutMk cId="172158379" sldId="2147483682"/>
-          </pc:sldLayoutMkLst>
-        </pc:sldLayoutChg>
-        <pc:sldLayoutChg chg="add del">
-          <pc:chgData name="He Ziang" userId="S::2020302111281@whu.edu.cn::a58d5542-13c5-42e9-acf6-e12cce9448c7" providerId="AD" clId="Web-{D48B8045-49F5-23A0-5F91-B418A956C8F0}" dt="2022-12-14T02:53:36.101" v="17"/>
-          <pc:sldLayoutMkLst>
-            <pc:docMk/>
-            <pc:sldMasterMk cId="1143113594" sldId="2147483685"/>
-            <pc:sldLayoutMk cId="3478972694" sldId="2147483683"/>
-          </pc:sldLayoutMkLst>
-        </pc:sldLayoutChg>
-        <pc:sldLayoutChg chg="add del">
-          <pc:chgData name="He Ziang" userId="S::2020302111281@whu.edu.cn::a58d5542-13c5-42e9-acf6-e12cce9448c7" providerId="AD" clId="Web-{D48B8045-49F5-23A0-5F91-B418A956C8F0}" dt="2022-12-14T02:53:36.101" v="17"/>
-          <pc:sldLayoutMkLst>
-            <pc:docMk/>
-            <pc:sldMasterMk cId="1143113594" sldId="2147483685"/>
-            <pc:sldLayoutMk cId="1759187980" sldId="2147483684"/>
-          </pc:sldLayoutMkLst>
-        </pc:sldLayoutChg>
-      </pc:sldMasterChg>
-      <pc:sldMasterChg chg="add del addSldLayout delSldLayout">
-        <pc:chgData name="He Ziang" userId="S::2020302111281@whu.edu.cn::a58d5542-13c5-42e9-acf6-e12cce9448c7" providerId="AD" clId="Web-{D48B8045-49F5-23A0-5F91-B418A956C8F0}" dt="2022-12-14T02:53:36.179" v="18"/>
-        <pc:sldMasterMkLst>
+          <pc:sldMk cId="902553488" sldId="273"/>
+        </pc:sldMkLst>
+        <pc:spChg chg="mod">
+          <ac:chgData name="He Ziang" userId="a58d5542-13c5-42e9-acf6-e12cce9448c7" providerId="ADAL" clId="{E32A9664-16B2-4B54-A9DE-A01CCABF86B8}" dt="2022-12-18T10:00:41.803" v="1210" actId="20577"/>
+          <ac:spMkLst>
+            <pc:docMk/>
+            <pc:sldMk cId="902553488" sldId="273"/>
+            <ac:spMk id="6" creationId="{D511EED7-C1FE-A2A0-A4AD-3405C3FCC7A1}"/>
+          </ac:spMkLst>
+        </pc:spChg>
+      </pc:sldChg>
+      <pc:sldChg chg="modNotesTx">
+        <pc:chgData name="He Ziang" userId="a58d5542-13c5-42e9-acf6-e12cce9448c7" providerId="ADAL" clId="{E32A9664-16B2-4B54-A9DE-A01CCABF86B8}" dt="2022-12-18T11:39:36.422" v="1243" actId="20577"/>
+        <pc:sldMkLst>
           <pc:docMk/>
-          <pc:sldMasterMk cId="816859060" sldId="2147483698"/>
-        </pc:sldMasterMkLst>
-        <pc:sldLayoutChg chg="add del">
-          <pc:chgData name="He Ziang" userId="S::2020302111281@whu.edu.cn::a58d5542-13c5-42e9-acf6-e12cce9448c7" providerId="AD" clId="Web-{D48B8045-49F5-23A0-5F91-B418A956C8F0}" dt="2022-12-14T02:53:36.179" v="18"/>
-          <pc:sldLayoutMkLst>
-            <pc:docMk/>
-            <pc:sldMasterMk cId="816859060" sldId="2147483698"/>
-            <pc:sldLayoutMk cId="110230253" sldId="2147483687"/>
-          </pc:sldLayoutMkLst>
-        </pc:sldLayoutChg>
-        <pc:sldLayoutChg chg="add del">
-          <pc:chgData name="He Ziang" userId="S::2020302111281@whu.edu.cn::a58d5542-13c5-42e9-acf6-e12cce9448c7" providerId="AD" clId="Web-{D48B8045-49F5-23A0-5F91-B418A956C8F0}" dt="2022-12-14T02:53:36.179" v="18"/>
-          <pc:sldLayoutMkLst>
-            <pc:docMk/>
-            <pc:sldMasterMk cId="816859060" sldId="2147483698"/>
-            <pc:sldLayoutMk cId="417432560" sldId="2147483688"/>
-          </pc:sldLayoutMkLst>
-        </pc:sldLayoutChg>
-        <pc:sldLayoutChg chg="add del">
-          <pc:chgData name="He Ziang" userId="S::2020302111281@whu.edu.cn::a58d5542-13c5-42e9-acf6-e12cce9448c7" providerId="AD" clId="Web-{D48B8045-49F5-23A0-5F91-B418A956C8F0}" dt="2022-12-14T02:53:36.179" v="18"/>
-          <pc:sldLayoutMkLst>
-            <pc:docMk/>
-            <pc:sldMasterMk cId="816859060" sldId="2147483698"/>
-            <pc:sldLayoutMk cId="3546956759" sldId="2147483689"/>
-          </pc:sldLayoutMkLst>
-        </pc:sldLayoutChg>
-        <pc:sldLayoutChg chg="add del">
-          <pc:chgData name="He Ziang" userId="S::2020302111281@whu.edu.cn::a58d5542-13c5-42e9-acf6-e12cce9448c7" providerId="AD" clId="Web-{D48B8045-49F5-23A0-5F91-B418A956C8F0}" dt="2022-12-14T02:53:36.179" v="18"/>
-          <pc:sldLayoutMkLst>
-            <pc:docMk/>
-            <pc:sldMasterMk cId="816859060" sldId="2147483698"/>
-            <pc:sldLayoutMk cId="244250604" sldId="2147483690"/>
-          </pc:sldLayoutMkLst>
-        </pc:sldLayoutChg>
-        <pc:sldLayoutChg chg="add del">
-          <pc:chgData name="He Ziang" userId="S::2020302111281@whu.edu.cn::a58d5542-13c5-42e9-acf6-e12cce9448c7" providerId="AD" clId="Web-{D48B8045-49F5-23A0-5F91-B418A956C8F0}" dt="2022-12-14T02:53:36.179" v="18"/>
-          <pc:sldLayoutMkLst>
-            <pc:docMk/>
-            <pc:sldMasterMk cId="816859060" sldId="2147483698"/>
-            <pc:sldLayoutMk cId="2716323893" sldId="2147483691"/>
-          </pc:sldLayoutMkLst>
-        </pc:sldLayoutChg>
-        <pc:sldLayoutChg chg="add del">
-          <pc:chgData name="He Ziang" userId="S::2020302111281@whu.edu.cn::a58d5542-13c5-42e9-acf6-e12cce9448c7" providerId="AD" clId="Web-{D48B8045-49F5-23A0-5F91-B418A956C8F0}" dt="2022-12-14T02:53:36.179" v="18"/>
-          <pc:sldLayoutMkLst>
-            <pc:docMk/>
-            <pc:sldMasterMk cId="816859060" sldId="2147483698"/>
-            <pc:sldLayoutMk cId="415613381" sldId="2147483692"/>
-          </pc:sldLayoutMkLst>
-        </pc:sldLayoutChg>
-        <pc:sldLayoutChg chg="add del">
-          <pc:chgData name="He Ziang" userId="S::2020302111281@whu.edu.cn::a58d5542-13c5-42e9-acf6-e12cce9448c7" providerId="AD" clId="Web-{D48B8045-49F5-23A0-5F91-B418A956C8F0}" dt="2022-12-14T02:53:36.179" v="18"/>
-          <pc:sldLayoutMkLst>
-            <pc:docMk/>
-            <pc:sldMasterMk cId="816859060" sldId="2147483698"/>
-            <pc:sldLayoutMk cId="64707594" sldId="2147483693"/>
-          </pc:sldLayoutMkLst>
-        </pc:sldLayoutChg>
-        <pc:sldLayoutChg chg="add del">
-          <pc:chgData name="He Ziang" userId="S::2020302111281@whu.edu.cn::a58d5542-13c5-42e9-acf6-e12cce9448c7" providerId="AD" clId="Web-{D48B8045-49F5-23A0-5F91-B418A956C8F0}" dt="2022-12-14T02:53:36.179" v="18"/>
-          <pc:sldLayoutMkLst>
-            <pc:docMk/>
-            <pc:sldMasterMk cId="816859060" sldId="2147483698"/>
-            <pc:sldLayoutMk cId="2342119162" sldId="2147483694"/>
-          </pc:sldLayoutMkLst>
-        </pc:sldLayoutChg>
-        <pc:sldLayoutChg chg="add del">
-          <pc:chgData name="He Ziang" userId="S::2020302111281@whu.edu.cn::a58d5542-13c5-42e9-acf6-e12cce9448c7" providerId="AD" clId="Web-{D48B8045-49F5-23A0-5F91-B418A956C8F0}" dt="2022-12-14T02:53:36.179" v="18"/>
-          <pc:sldLayoutMkLst>
-            <pc:docMk/>
-            <pc:sldMasterMk cId="816859060" sldId="2147483698"/>
-            <pc:sldLayoutMk cId="1664303621" sldId="2147483695"/>
-          </pc:sldLayoutMkLst>
-        </pc:sldLayoutChg>
-        <pc:sldLayoutChg chg="add del">
-          <pc:chgData name="He Ziang" userId="S::2020302111281@whu.edu.cn::a58d5542-13c5-42e9-acf6-e12cce9448c7" providerId="AD" clId="Web-{D48B8045-49F5-23A0-5F91-B418A956C8F0}" dt="2022-12-14T02:53:36.179" v="18"/>
-          <pc:sldLayoutMkLst>
-            <pc:docMk/>
-            <pc:sldMasterMk cId="816859060" sldId="2147483698"/>
-            <pc:sldLayoutMk cId="49616384" sldId="2147483696"/>
-          </pc:sldLayoutMkLst>
-        </pc:sldLayoutChg>
-        <pc:sldLayoutChg chg="add del">
-          <pc:chgData name="He Ziang" userId="S::2020302111281@whu.edu.cn::a58d5542-13c5-42e9-acf6-e12cce9448c7" providerId="AD" clId="Web-{D48B8045-49F5-23A0-5F91-B418A956C8F0}" dt="2022-12-14T02:53:36.179" v="18"/>
-          <pc:sldLayoutMkLst>
-            <pc:docMk/>
-            <pc:sldMasterMk cId="816859060" sldId="2147483698"/>
-            <pc:sldLayoutMk cId="2749202057" sldId="2147483697"/>
-          </pc:sldLayoutMkLst>
-        </pc:sldLayoutChg>
-      </pc:sldMasterChg>
-      <pc:sldMasterChg chg="add del addSldLayout delSldLayout">
-        <pc:chgData name="He Ziang" userId="S::2020302111281@whu.edu.cn::a58d5542-13c5-42e9-acf6-e12cce9448c7" providerId="AD" clId="Web-{D48B8045-49F5-23A0-5F91-B418A956C8F0}" dt="2022-12-14T02:53:31.679" v="13"/>
-        <pc:sldMasterMkLst>
+          <pc:sldMk cId="2048049496" sldId="274"/>
+        </pc:sldMkLst>
+      </pc:sldChg>
+      <pc:sldChg chg="modSp mod">
+        <pc:chgData name="He Ziang" userId="a58d5542-13c5-42e9-acf6-e12cce9448c7" providerId="ADAL" clId="{E32A9664-16B2-4B54-A9DE-A01CCABF86B8}" dt="2022-12-18T11:41:44.280" v="1245" actId="20577"/>
+        <pc:sldMkLst>
           <pc:docMk/>
-          <pc:sldMasterMk cId="1449146501" sldId="2147483737"/>
-        </pc:sldMasterMkLst>
-        <pc:sldLayoutChg chg="add del">
-          <pc:chgData name="He Ziang" userId="S::2020302111281@whu.edu.cn::a58d5542-13c5-42e9-acf6-e12cce9448c7" providerId="AD" clId="Web-{D48B8045-49F5-23A0-5F91-B418A956C8F0}" dt="2022-12-14T02:53:31.679" v="13"/>
-          <pc:sldLayoutMkLst>
-            <pc:docMk/>
-            <pc:sldMasterMk cId="1449146501" sldId="2147483737"/>
-            <pc:sldLayoutMk cId="3461257819" sldId="2147483726"/>
-          </pc:sldLayoutMkLst>
-        </pc:sldLayoutChg>
-        <pc:sldLayoutChg chg="add del">
-          <pc:chgData name="He Ziang" userId="S::2020302111281@whu.edu.cn::a58d5542-13c5-42e9-acf6-e12cce9448c7" providerId="AD" clId="Web-{D48B8045-49F5-23A0-5F91-B418A956C8F0}" dt="2022-12-14T02:53:31.679" v="13"/>
-          <pc:sldLayoutMkLst>
-            <pc:docMk/>
-            <pc:sldMasterMk cId="1449146501" sldId="2147483737"/>
-            <pc:sldLayoutMk cId="2925967039" sldId="2147483727"/>
-          </pc:sldLayoutMkLst>
-        </pc:sldLayoutChg>
-        <pc:sldLayoutChg chg="add del">
-          <pc:chgData name="He Ziang" userId="S::2020302111281@whu.edu.cn::a58d5542-13c5-42e9-acf6-e12cce9448c7" providerId="AD" clId="Web-{D48B8045-49F5-23A0-5F91-B418A956C8F0}" dt="2022-12-14T02:53:31.679" v="13"/>
-          <pc:sldLayoutMkLst>
-            <pc:docMk/>
-            <pc:sldMasterMk cId="1449146501" sldId="2147483737"/>
-            <pc:sldLayoutMk cId="3298357464" sldId="2147483728"/>
-          </pc:sldLayoutMkLst>
-        </pc:sldLayoutChg>
-        <pc:sldLayoutChg chg="add del">
-          <pc:chgData name="He Ziang" userId="S::2020302111281@whu.edu.cn::a58d5542-13c5-42e9-acf6-e12cce9448c7" providerId="AD" clId="Web-{D48B8045-49F5-23A0-5F91-B418A956C8F0}" dt="2022-12-14T02:53:31.679" v="13"/>
-          <pc:sldLayoutMkLst>
-            <pc:docMk/>
-            <pc:sldMasterMk cId="1449146501" sldId="2147483737"/>
-            <pc:sldLayoutMk cId="1970703451" sldId="2147483729"/>
-          </pc:sldLayoutMkLst>
-        </pc:sldLayoutChg>
-        <pc:sldLayoutChg chg="add del">
-          <pc:chgData name="He Ziang" userId="S::2020302111281@whu.edu.cn::a58d5542-13c5-42e9-acf6-e12cce9448c7" providerId="AD" clId="Web-{D48B8045-49F5-23A0-5F91-B418A956C8F0}" dt="2022-12-14T02:53:31.679" v="13"/>
-          <pc:sldLayoutMkLst>
-            <pc:docMk/>
-            <pc:sldMasterMk cId="1449146501" sldId="2147483737"/>
-            <pc:sldLayoutMk cId="3007086331" sldId="2147483730"/>
-          </pc:sldLayoutMkLst>
-        </pc:sldLayoutChg>
-        <pc:sldLayoutChg chg="add del">
-          <pc:chgData name="He Ziang" userId="S::2020302111281@whu.edu.cn::a58d5542-13c5-42e9-acf6-e12cce9448c7" providerId="AD" clId="Web-{D48B8045-49F5-23A0-5F91-B418A956C8F0}" dt="2022-12-14T02:53:31.679" v="13"/>
-          <pc:sldLayoutMkLst>
-            <pc:docMk/>
-            <pc:sldMasterMk cId="1449146501" sldId="2147483737"/>
-            <pc:sldLayoutMk cId="3779900905" sldId="2147483731"/>
-          </pc:sldLayoutMkLst>
-        </pc:sldLayoutChg>
-        <pc:sldLayoutChg chg="add del">
-          <pc:chgData name="He Ziang" userId="S::2020302111281@whu.edu.cn::a58d5542-13c5-42e9-acf6-e12cce9448c7" providerId="AD" clId="Web-{D48B8045-49F5-23A0-5F91-B418A956C8F0}" dt="2022-12-14T02:53:31.679" v="13"/>
-          <pc:sldLayoutMkLst>
-            <pc:docMk/>
-            <pc:sldMasterMk cId="1449146501" sldId="2147483737"/>
-            <pc:sldLayoutMk cId="1080633135" sldId="2147483732"/>
-          </pc:sldLayoutMkLst>
-        </pc:sldLayoutChg>
-        <pc:sldLayoutChg chg="add del">
-          <pc:chgData name="He Ziang" userId="S::2020302111281@whu.edu.cn::a58d5542-13c5-42e9-acf6-e12cce9448c7" providerId="AD" clId="Web-{D48B8045-49F5-23A0-5F91-B418A956C8F0}" dt="2022-12-14T02:53:31.679" v="13"/>
-          <pc:sldLayoutMkLst>
-            <pc:docMk/>
-            <pc:sldMasterMk cId="1449146501" sldId="2147483737"/>
-            <pc:sldLayoutMk cId="3141988047" sldId="2147483733"/>
-          </pc:sldLayoutMkLst>
-        </pc:sldLayoutChg>
-        <pc:sldLayoutChg chg="add del">
-          <pc:chgData name="He Ziang" userId="S::2020302111281@whu.edu.cn::a58d5542-13c5-42e9-acf6-e12cce9448c7" providerId="AD" clId="Web-{D48B8045-49F5-23A0-5F91-B418A956C8F0}" dt="2022-12-14T02:53:31.679" v="13"/>
-          <pc:sldLayoutMkLst>
-            <pc:docMk/>
-            <pc:sldMasterMk cId="1449146501" sldId="2147483737"/>
-            <pc:sldLayoutMk cId="3049129195" sldId="2147483734"/>
-          </pc:sldLayoutMkLst>
-        </pc:sldLayoutChg>
-        <pc:sldLayoutChg chg="add del">
-          <pc:chgData name="He Ziang" userId="S::2020302111281@whu.edu.cn::a58d5542-13c5-42e9-acf6-e12cce9448c7" providerId="AD" clId="Web-{D48B8045-49F5-23A0-5F91-B418A956C8F0}" dt="2022-12-14T02:53:31.679" v="13"/>
-          <pc:sldLayoutMkLst>
-            <pc:docMk/>
-            <pc:sldMasterMk cId="1449146501" sldId="2147483737"/>
-            <pc:sldLayoutMk cId="2247796884" sldId="2147483735"/>
-          </pc:sldLayoutMkLst>
-        </pc:sldLayoutChg>
-        <pc:sldLayoutChg chg="add del">
-          <pc:chgData name="He Ziang" userId="S::2020302111281@whu.edu.cn::a58d5542-13c5-42e9-acf6-e12cce9448c7" providerId="AD" clId="Web-{D48B8045-49F5-23A0-5F91-B418A956C8F0}" dt="2022-12-14T02:53:31.679" v="13"/>
-          <pc:sldLayoutMkLst>
-            <pc:docMk/>
-            <pc:sldMasterMk cId="1449146501" sldId="2147483737"/>
-            <pc:sldLayoutMk cId="319045023" sldId="2147483736"/>
-          </pc:sldLayoutMkLst>
-        </pc:sldLayoutChg>
-      </pc:sldMasterChg>
+          <pc:sldMk cId="1930435551" sldId="277"/>
+        </pc:sldMkLst>
+        <pc:spChg chg="mod">
+          <ac:chgData name="He Ziang" userId="a58d5542-13c5-42e9-acf6-e12cce9448c7" providerId="ADAL" clId="{E32A9664-16B2-4B54-A9DE-A01CCABF86B8}" dt="2022-12-18T11:41:44.280" v="1245" actId="20577"/>
+          <ac:spMkLst>
+            <pc:docMk/>
+            <pc:sldMk cId="1930435551" sldId="277"/>
+            <ac:spMk id="8" creationId="{77643983-2450-DEB2-C7E9-D3F965EE286A}"/>
+          </ac:spMkLst>
+        </pc:spChg>
+      </pc:sldChg>
+      <pc:sldChg chg="modNotesTx">
+        <pc:chgData name="He Ziang" userId="a58d5542-13c5-42e9-acf6-e12cce9448c7" providerId="ADAL" clId="{E32A9664-16B2-4B54-A9DE-A01CCABF86B8}" dt="2022-12-18T11:47:59.702" v="1256"/>
+        <pc:sldMkLst>
+          <pc:docMk/>
+          <pc:sldMk cId="4154736412" sldId="278"/>
+        </pc:sldMkLst>
+      </pc:sldChg>
+      <pc:sldChg chg="modNotesTx">
+        <pc:chgData name="He Ziang" userId="a58d5542-13c5-42e9-acf6-e12cce9448c7" providerId="ADAL" clId="{E32A9664-16B2-4B54-A9DE-A01CCABF86B8}" dt="2022-12-18T13:10:09.350" v="1262"/>
+        <pc:sldMkLst>
+          <pc:docMk/>
+          <pc:sldMk cId="1863002546" sldId="283"/>
+        </pc:sldMkLst>
+      </pc:sldChg>
+      <pc:sldChg chg="modNotesTx">
+        <pc:chgData name="He Ziang" userId="a58d5542-13c5-42e9-acf6-e12cce9448c7" providerId="ADAL" clId="{E32A9664-16B2-4B54-A9DE-A01CCABF86B8}" dt="2022-12-18T12:48:05.227" v="1257"/>
+        <pc:sldMkLst>
+          <pc:docMk/>
+          <pc:sldMk cId="3159487188" sldId="284"/>
+        </pc:sldMkLst>
+      </pc:sldChg>
     </pc:docChg>
   </pc:docChgLst>
   <pc:docChgLst>
@@ -3388,6 +2626,1107 @@
     </pc:docChg>
   </pc:docChgLst>
   <pc:docChgLst>
+    <pc:chgData name="He Ziang" userId="S::2020302111281@whu.edu.cn::a58d5542-13c5-42e9-acf6-e12cce9448c7" providerId="AD" clId="Web-{D48B8045-49F5-23A0-5F91-B418A956C8F0}"/>
+    <pc:docChg chg="addSld modSld sldOrd addMainMaster delMainMaster">
+      <pc:chgData name="He Ziang" userId="S::2020302111281@whu.edu.cn::a58d5542-13c5-42e9-acf6-e12cce9448c7" providerId="AD" clId="Web-{D48B8045-49F5-23A0-5F91-B418A956C8F0}" dt="2022-12-14T03:49:30.424" v="374" actId="20577"/>
+      <pc:docMkLst>
+        <pc:docMk/>
+      </pc:docMkLst>
+      <pc:sldChg chg="addSp delSp modSp new mod setBg modClrScheme addAnim delAnim chgLayout">
+        <pc:chgData name="He Ziang" userId="S::2020302111281@whu.edu.cn::a58d5542-13c5-42e9-acf6-e12cce9448c7" providerId="AD" clId="Web-{D48B8045-49F5-23A0-5F91-B418A956C8F0}" dt="2022-12-14T02:53:36.179" v="19"/>
+        <pc:sldMkLst>
+          <pc:docMk/>
+          <pc:sldMk cId="3754156065" sldId="256"/>
+        </pc:sldMkLst>
+        <pc:spChg chg="mod">
+          <ac:chgData name="He Ziang" userId="S::2020302111281@whu.edu.cn::a58d5542-13c5-42e9-acf6-e12cce9448c7" providerId="AD" clId="Web-{D48B8045-49F5-23A0-5F91-B418A956C8F0}" dt="2022-12-14T02:53:36.179" v="18"/>
+          <ac:spMkLst>
+            <pc:docMk/>
+            <pc:sldMk cId="3754156065" sldId="256"/>
+            <ac:spMk id="2" creationId="{E81C4404-4B60-6DB8-E6F2-229E88F6E578}"/>
+          </ac:spMkLst>
+        </pc:spChg>
+        <pc:spChg chg="mod">
+          <ac:chgData name="He Ziang" userId="S::2020302111281@whu.edu.cn::a58d5542-13c5-42e9-acf6-e12cce9448c7" providerId="AD" clId="Web-{D48B8045-49F5-23A0-5F91-B418A956C8F0}" dt="2022-12-14T02:53:36.179" v="18"/>
+          <ac:spMkLst>
+            <pc:docMk/>
+            <pc:sldMk cId="3754156065" sldId="256"/>
+            <ac:spMk id="3" creationId="{FEAC63ED-3569-ABF5-07C7-BBE143B23831}"/>
+          </ac:spMkLst>
+        </pc:spChg>
+        <pc:spChg chg="add del">
+          <ac:chgData name="He Ziang" userId="S::2020302111281@whu.edu.cn::a58d5542-13c5-42e9-acf6-e12cce9448c7" providerId="AD" clId="Web-{D48B8045-49F5-23A0-5F91-B418A956C8F0}" dt="2022-12-14T02:52:56.459" v="7"/>
+          <ac:spMkLst>
+            <pc:docMk/>
+            <pc:sldMk cId="3754156065" sldId="256"/>
+            <ac:spMk id="9" creationId="{610334BF-0422-4A9A-BE46-AEB8C348BAC4}"/>
+          </ac:spMkLst>
+        </pc:spChg>
+        <pc:spChg chg="add del">
+          <ac:chgData name="He Ziang" userId="S::2020302111281@whu.edu.cn::a58d5542-13c5-42e9-acf6-e12cce9448c7" providerId="AD" clId="Web-{D48B8045-49F5-23A0-5F91-B418A956C8F0}" dt="2022-12-14T02:52:56.459" v="7"/>
+          <ac:spMkLst>
+            <pc:docMk/>
+            <pc:sldMk cId="3754156065" sldId="256"/>
+            <ac:spMk id="11" creationId="{C98F2823-0279-49D8-928D-754B222533EF}"/>
+          </ac:spMkLst>
+        </pc:spChg>
+        <pc:spChg chg="add del">
+          <ac:chgData name="He Ziang" userId="S::2020302111281@whu.edu.cn::a58d5542-13c5-42e9-acf6-e12cce9448c7" providerId="AD" clId="Web-{D48B8045-49F5-23A0-5F91-B418A956C8F0}" dt="2022-12-14T02:52:56.459" v="7"/>
+          <ac:spMkLst>
+            <pc:docMk/>
+            <pc:sldMk cId="3754156065" sldId="256"/>
+            <ac:spMk id="13" creationId="{02E45E95-311C-41C7-A882-6E43F0806865}"/>
+          </ac:spMkLst>
+        </pc:spChg>
+        <pc:spChg chg="add del">
+          <ac:chgData name="He Ziang" userId="S::2020302111281@whu.edu.cn::a58d5542-13c5-42e9-acf6-e12cce9448c7" providerId="AD" clId="Web-{D48B8045-49F5-23A0-5F91-B418A956C8F0}" dt="2022-12-14T02:52:56.459" v="7"/>
+          <ac:spMkLst>
+            <pc:docMk/>
+            <pc:sldMk cId="3754156065" sldId="256"/>
+            <ac:spMk id="15" creationId="{B7299D5D-ECC5-41EB-B830-C3A35FB35516}"/>
+          </ac:spMkLst>
+        </pc:spChg>
+        <pc:spChg chg="add del">
+          <ac:chgData name="He Ziang" userId="S::2020302111281@whu.edu.cn::a58d5542-13c5-42e9-acf6-e12cce9448c7" providerId="AD" clId="Web-{D48B8045-49F5-23A0-5F91-B418A956C8F0}" dt="2022-12-14T02:52:56.459" v="7"/>
+          <ac:spMkLst>
+            <pc:docMk/>
+            <pc:sldMk cId="3754156065" sldId="256"/>
+            <ac:spMk id="17" creationId="{88C91735-5EFE-44D1-8CC6-FDF0D11B6F5D}"/>
+          </ac:spMkLst>
+        </pc:spChg>
+        <pc:spChg chg="add del">
+          <ac:chgData name="He Ziang" userId="S::2020302111281@whu.edu.cn::a58d5542-13c5-42e9-acf6-e12cce9448c7" providerId="AD" clId="Web-{D48B8045-49F5-23A0-5F91-B418A956C8F0}" dt="2022-12-14T02:52:56.459" v="7"/>
+          <ac:spMkLst>
+            <pc:docMk/>
+            <pc:sldMk cId="3754156065" sldId="256"/>
+            <ac:spMk id="19" creationId="{D33F926C-2613-475D-AEE4-CD7D87D3BA2D}"/>
+          </ac:spMkLst>
+        </pc:spChg>
+        <pc:spChg chg="add del">
+          <ac:chgData name="He Ziang" userId="S::2020302111281@whu.edu.cn::a58d5542-13c5-42e9-acf6-e12cce9448c7" providerId="AD" clId="Web-{D48B8045-49F5-23A0-5F91-B418A956C8F0}" dt="2022-12-14T02:52:56.459" v="7"/>
+          <ac:spMkLst>
+            <pc:docMk/>
+            <pc:sldMk cId="3754156065" sldId="256"/>
+            <ac:spMk id="21" creationId="{1FD32A06-E9FE-4F5A-88A6-84905A72C26F}"/>
+          </ac:spMkLst>
+        </pc:spChg>
+        <pc:spChg chg="add del">
+          <ac:chgData name="He Ziang" userId="S::2020302111281@whu.edu.cn::a58d5542-13c5-42e9-acf6-e12cce9448c7" providerId="AD" clId="Web-{D48B8045-49F5-23A0-5F91-B418A956C8F0}" dt="2022-12-14T02:53:09.850" v="11"/>
+          <ac:spMkLst>
+            <pc:docMk/>
+            <pc:sldMk cId="3754156065" sldId="256"/>
+            <ac:spMk id="23" creationId="{A37F4A8A-7B54-4D8D-933A-8921996A0F38}"/>
+          </ac:spMkLst>
+        </pc:spChg>
+        <pc:spChg chg="add del">
+          <ac:chgData name="He Ziang" userId="S::2020302111281@whu.edu.cn::a58d5542-13c5-42e9-acf6-e12cce9448c7" providerId="AD" clId="Web-{D48B8045-49F5-23A0-5F91-B418A956C8F0}" dt="2022-12-14T02:53:31.679" v="13"/>
+          <ac:spMkLst>
+            <pc:docMk/>
+            <pc:sldMk cId="3754156065" sldId="256"/>
+            <ac:spMk id="27" creationId="{16342306-C49E-412B-A56A-67DBDDD050BB}"/>
+          </ac:spMkLst>
+        </pc:spChg>
+        <pc:spChg chg="add del">
+          <ac:chgData name="He Ziang" userId="S::2020302111281@whu.edu.cn::a58d5542-13c5-42e9-acf6-e12cce9448c7" providerId="AD" clId="Web-{D48B8045-49F5-23A0-5F91-B418A956C8F0}" dt="2022-12-14T02:53:31.679" v="13"/>
+          <ac:spMkLst>
+            <pc:docMk/>
+            <pc:sldMk cId="3754156065" sldId="256"/>
+            <ac:spMk id="28" creationId="{78E81931-EC11-4433-BB7B-ED42BAA2441E}"/>
+          </ac:spMkLst>
+        </pc:spChg>
+        <pc:spChg chg="add del">
+          <ac:chgData name="He Ziang" userId="S::2020302111281@whu.edu.cn::a58d5542-13c5-42e9-acf6-e12cce9448c7" providerId="AD" clId="Web-{D48B8045-49F5-23A0-5F91-B418A956C8F0}" dt="2022-12-14T02:53:36.101" v="17"/>
+          <ac:spMkLst>
+            <pc:docMk/>
+            <pc:sldMk cId="3754156065" sldId="256"/>
+            <ac:spMk id="31" creationId="{610334BF-0422-4A9A-BE46-AEB8C348BAC4}"/>
+          </ac:spMkLst>
+        </pc:spChg>
+        <pc:spChg chg="add del">
+          <ac:chgData name="He Ziang" userId="S::2020302111281@whu.edu.cn::a58d5542-13c5-42e9-acf6-e12cce9448c7" providerId="AD" clId="Web-{D48B8045-49F5-23A0-5F91-B418A956C8F0}" dt="2022-12-14T02:53:36.101" v="17"/>
+          <ac:spMkLst>
+            <pc:docMk/>
+            <pc:sldMk cId="3754156065" sldId="256"/>
+            <ac:spMk id="32" creationId="{C98F2823-0279-49D8-928D-754B222533EF}"/>
+          </ac:spMkLst>
+        </pc:spChg>
+        <pc:spChg chg="add del">
+          <ac:chgData name="He Ziang" userId="S::2020302111281@whu.edu.cn::a58d5542-13c5-42e9-acf6-e12cce9448c7" providerId="AD" clId="Web-{D48B8045-49F5-23A0-5F91-B418A956C8F0}" dt="2022-12-14T02:53:36.101" v="17"/>
+          <ac:spMkLst>
+            <pc:docMk/>
+            <pc:sldMk cId="3754156065" sldId="256"/>
+            <ac:spMk id="33" creationId="{02E45E95-311C-41C7-A882-6E43F0806865}"/>
+          </ac:spMkLst>
+        </pc:spChg>
+        <pc:spChg chg="add del">
+          <ac:chgData name="He Ziang" userId="S::2020302111281@whu.edu.cn::a58d5542-13c5-42e9-acf6-e12cce9448c7" providerId="AD" clId="Web-{D48B8045-49F5-23A0-5F91-B418A956C8F0}" dt="2022-12-14T02:53:36.101" v="17"/>
+          <ac:spMkLst>
+            <pc:docMk/>
+            <pc:sldMk cId="3754156065" sldId="256"/>
+            <ac:spMk id="34" creationId="{B7299D5D-ECC5-41EB-B830-C3A35FB35516}"/>
+          </ac:spMkLst>
+        </pc:spChg>
+        <pc:spChg chg="add del">
+          <ac:chgData name="He Ziang" userId="S::2020302111281@whu.edu.cn::a58d5542-13c5-42e9-acf6-e12cce9448c7" providerId="AD" clId="Web-{D48B8045-49F5-23A0-5F91-B418A956C8F0}" dt="2022-12-14T02:53:36.101" v="17"/>
+          <ac:spMkLst>
+            <pc:docMk/>
+            <pc:sldMk cId="3754156065" sldId="256"/>
+            <ac:spMk id="35" creationId="{88C91735-5EFE-44D1-8CC6-FDF0D11B6F5D}"/>
+          </ac:spMkLst>
+        </pc:spChg>
+        <pc:spChg chg="add del">
+          <ac:chgData name="He Ziang" userId="S::2020302111281@whu.edu.cn::a58d5542-13c5-42e9-acf6-e12cce9448c7" providerId="AD" clId="Web-{D48B8045-49F5-23A0-5F91-B418A956C8F0}" dt="2022-12-14T02:53:36.101" v="17"/>
+          <ac:spMkLst>
+            <pc:docMk/>
+            <pc:sldMk cId="3754156065" sldId="256"/>
+            <ac:spMk id="36" creationId="{D33F926C-2613-475D-AEE4-CD7D87D3BA2D}"/>
+          </ac:spMkLst>
+        </pc:spChg>
+        <pc:spChg chg="add del">
+          <ac:chgData name="He Ziang" userId="S::2020302111281@whu.edu.cn::a58d5542-13c5-42e9-acf6-e12cce9448c7" providerId="AD" clId="Web-{D48B8045-49F5-23A0-5F91-B418A956C8F0}" dt="2022-12-14T02:53:36.101" v="17"/>
+          <ac:spMkLst>
+            <pc:docMk/>
+            <pc:sldMk cId="3754156065" sldId="256"/>
+            <ac:spMk id="37" creationId="{1FD32A06-E9FE-4F5A-88A6-84905A72C26F}"/>
+          </ac:spMkLst>
+        </pc:spChg>
+        <pc:spChg chg="add">
+          <ac:chgData name="He Ziang" userId="S::2020302111281@whu.edu.cn::a58d5542-13c5-42e9-acf6-e12cce9448c7" providerId="AD" clId="Web-{D48B8045-49F5-23A0-5F91-B418A956C8F0}" dt="2022-12-14T02:53:36.179" v="18"/>
+          <ac:spMkLst>
+            <pc:docMk/>
+            <pc:sldMk cId="3754156065" sldId="256"/>
+            <ac:spMk id="40" creationId="{A37F4A8A-7B54-4D8D-933A-8921996A0F38}"/>
+          </ac:spMkLst>
+        </pc:spChg>
+        <pc:picChg chg="add del">
+          <ac:chgData name="He Ziang" userId="S::2020302111281@whu.edu.cn::a58d5542-13c5-42e9-acf6-e12cce9448c7" providerId="AD" clId="Web-{D48B8045-49F5-23A0-5F91-B418A956C8F0}" dt="2022-12-14T02:52:56.459" v="7"/>
+          <ac:picMkLst>
+            <pc:docMk/>
+            <pc:sldMk cId="3754156065" sldId="256"/>
+            <ac:picMk id="4" creationId="{058E7F96-0AA2-3C44-BACF-E29BFC7DAEE9}"/>
+          </ac:picMkLst>
+        </pc:picChg>
+        <pc:picChg chg="add del">
+          <ac:chgData name="He Ziang" userId="S::2020302111281@whu.edu.cn::a58d5542-13c5-42e9-acf6-e12cce9448c7" providerId="AD" clId="Web-{D48B8045-49F5-23A0-5F91-B418A956C8F0}" dt="2022-12-14T02:53:09.850" v="11"/>
+          <ac:picMkLst>
+            <pc:docMk/>
+            <pc:sldMk cId="3754156065" sldId="256"/>
+            <ac:picMk id="25" creationId="{8620C9B0-FAAF-1A9D-B269-2E62B2293586}"/>
+          </ac:picMkLst>
+        </pc:picChg>
+        <pc:picChg chg="add del">
+          <ac:chgData name="He Ziang" userId="S::2020302111281@whu.edu.cn::a58d5542-13c5-42e9-acf6-e12cce9448c7" providerId="AD" clId="Web-{D48B8045-49F5-23A0-5F91-B418A956C8F0}" dt="2022-12-14T02:53:31.679" v="13"/>
+          <ac:picMkLst>
+            <pc:docMk/>
+            <pc:sldMk cId="3754156065" sldId="256"/>
+            <ac:picMk id="29" creationId="{EAA74D06-79D5-FB07-CC1D-71810F04808E}"/>
+          </ac:picMkLst>
+        </pc:picChg>
+        <pc:picChg chg="add del">
+          <ac:chgData name="He Ziang" userId="S::2020302111281@whu.edu.cn::a58d5542-13c5-42e9-acf6-e12cce9448c7" providerId="AD" clId="Web-{D48B8045-49F5-23A0-5F91-B418A956C8F0}" dt="2022-12-14T02:53:36.101" v="17"/>
+          <ac:picMkLst>
+            <pc:docMk/>
+            <pc:sldMk cId="3754156065" sldId="256"/>
+            <ac:picMk id="38" creationId="{058E7F96-0AA2-3C44-BACF-E29BFC7DAEE9}"/>
+          </ac:picMkLst>
+        </pc:picChg>
+        <pc:picChg chg="add">
+          <ac:chgData name="He Ziang" userId="S::2020302111281@whu.edu.cn::a58d5542-13c5-42e9-acf6-e12cce9448c7" providerId="AD" clId="Web-{D48B8045-49F5-23A0-5F91-B418A956C8F0}" dt="2022-12-14T02:53:36.179" v="18"/>
+          <ac:picMkLst>
+            <pc:docMk/>
+            <pc:sldMk cId="3754156065" sldId="256"/>
+            <ac:picMk id="42" creationId="{8620C9B0-FAAF-1A9D-B269-2E62B2293586}"/>
+          </ac:picMkLst>
+        </pc:picChg>
+        <pc:cxnChg chg="add del">
+          <ac:chgData name="He Ziang" userId="S::2020302111281@whu.edu.cn::a58d5542-13c5-42e9-acf6-e12cce9448c7" providerId="AD" clId="Web-{D48B8045-49F5-23A0-5F91-B418A956C8F0}" dt="2022-12-14T02:53:09.850" v="11"/>
+          <ac:cxnSpMkLst>
+            <pc:docMk/>
+            <pc:sldMk cId="3754156065" sldId="256"/>
+            <ac:cxnSpMk id="24" creationId="{B0AA360F-DECB-4836-8FB6-22C4BC3FB02D}"/>
+          </ac:cxnSpMkLst>
+        </pc:cxnChg>
+        <pc:cxnChg chg="add">
+          <ac:chgData name="He Ziang" userId="S::2020302111281@whu.edu.cn::a58d5542-13c5-42e9-acf6-e12cce9448c7" providerId="AD" clId="Web-{D48B8045-49F5-23A0-5F91-B418A956C8F0}" dt="2022-12-14T02:53:36.179" v="18"/>
+          <ac:cxnSpMkLst>
+            <pc:docMk/>
+            <pc:sldMk cId="3754156065" sldId="256"/>
+            <ac:cxnSpMk id="41" creationId="{B0AA360F-DECB-4836-8FB6-22C4BC3FB02D}"/>
+          </ac:cxnSpMkLst>
+        </pc:cxnChg>
+      </pc:sldChg>
+      <pc:sldChg chg="addSp delSp modSp new addAnim delAnim modAnim">
+        <pc:chgData name="He Ziang" userId="S::2020302111281@whu.edu.cn::a58d5542-13c5-42e9-acf6-e12cce9448c7" providerId="AD" clId="Web-{D48B8045-49F5-23A0-5F91-B418A956C8F0}" dt="2022-12-14T03:17:05.913" v="94" actId="20577"/>
+        <pc:sldMkLst>
+          <pc:docMk/>
+          <pc:sldMk cId="322249741" sldId="257"/>
+        </pc:sldMkLst>
+        <pc:spChg chg="mod">
+          <ac:chgData name="He Ziang" userId="S::2020302111281@whu.edu.cn::a58d5542-13c5-42e9-acf6-e12cce9448c7" providerId="AD" clId="Web-{D48B8045-49F5-23A0-5F91-B418A956C8F0}" dt="2022-12-14T03:16:49.381" v="90" actId="20577"/>
+          <ac:spMkLst>
+            <pc:docMk/>
+            <pc:sldMk cId="322249741" sldId="257"/>
+            <ac:spMk id="2" creationId="{54BF9CE5-C5E2-D7D4-9F4A-DCC9FC272C48}"/>
+          </ac:spMkLst>
+        </pc:spChg>
+        <pc:spChg chg="mod">
+          <ac:chgData name="He Ziang" userId="S::2020302111281@whu.edu.cn::a58d5542-13c5-42e9-acf6-e12cce9448c7" providerId="AD" clId="Web-{D48B8045-49F5-23A0-5F91-B418A956C8F0}" dt="2022-12-14T03:17:05.913" v="94" actId="20577"/>
+          <ac:spMkLst>
+            <pc:docMk/>
+            <pc:sldMk cId="322249741" sldId="257"/>
+            <ac:spMk id="3" creationId="{09E0E4A0-34A9-7EED-979D-93A0660014C1}"/>
+          </ac:spMkLst>
+        </pc:spChg>
+        <pc:spChg chg="add del mod">
+          <ac:chgData name="He Ziang" userId="S::2020302111281@whu.edu.cn::a58d5542-13c5-42e9-acf6-e12cce9448c7" providerId="AD" clId="Web-{D48B8045-49F5-23A0-5F91-B418A956C8F0}" dt="2022-12-14T03:16:57.850" v="93"/>
+          <ac:spMkLst>
+            <pc:docMk/>
+            <pc:sldMk cId="322249741" sldId="257"/>
+            <ac:spMk id="4" creationId="{DCEA7B9C-F4FD-568B-6D46-98636E7320D0}"/>
+          </ac:spMkLst>
+        </pc:spChg>
+      </pc:sldChg>
+      <pc:sldChg chg="addSp delSp modSp new mod ord setBg">
+        <pc:chgData name="He Ziang" userId="S::2020302111281@whu.edu.cn::a58d5542-13c5-42e9-acf6-e12cce9448c7" providerId="AD" clId="Web-{D48B8045-49F5-23A0-5F91-B418A956C8F0}" dt="2022-12-14T03:18:40.540" v="96" actId="1076"/>
+        <pc:sldMkLst>
+          <pc:docMk/>
+          <pc:sldMk cId="3424685753" sldId="258"/>
+        </pc:sldMkLst>
+        <pc:spChg chg="mod">
+          <ac:chgData name="He Ziang" userId="S::2020302111281@whu.edu.cn::a58d5542-13c5-42e9-acf6-e12cce9448c7" providerId="AD" clId="Web-{D48B8045-49F5-23A0-5F91-B418A956C8F0}" dt="2022-12-14T03:18:28.305" v="95"/>
+          <ac:spMkLst>
+            <pc:docMk/>
+            <pc:sldMk cId="3424685753" sldId="258"/>
+            <ac:spMk id="2" creationId="{6DB59871-E909-4296-9845-3DA696DC00D1}"/>
+          </ac:spMkLst>
+        </pc:spChg>
+        <pc:spChg chg="del mod">
+          <ac:chgData name="He Ziang" userId="S::2020302111281@whu.edu.cn::a58d5542-13c5-42e9-acf6-e12cce9448c7" providerId="AD" clId="Web-{D48B8045-49F5-23A0-5F91-B418A956C8F0}" dt="2022-12-14T03:18:28.305" v="95"/>
+          <ac:spMkLst>
+            <pc:docMk/>
+            <pc:sldMk cId="3424685753" sldId="258"/>
+            <ac:spMk id="3" creationId="{77AFBB21-3434-C03B-01A4-CE6EDB94328A}"/>
+          </ac:spMkLst>
+        </pc:spChg>
+        <pc:spChg chg="add">
+          <ac:chgData name="He Ziang" userId="S::2020302111281@whu.edu.cn::a58d5542-13c5-42e9-acf6-e12cce9448c7" providerId="AD" clId="Web-{D48B8045-49F5-23A0-5F91-B418A956C8F0}" dt="2022-12-14T03:18:28.305" v="95"/>
+          <ac:spMkLst>
+            <pc:docMk/>
+            <pc:sldMk cId="3424685753" sldId="258"/>
+            <ac:spMk id="6" creationId="{CAA6A2E0-18A1-4B22-8F61-5E162B67421A}"/>
+          </ac:spMkLst>
+        </pc:spChg>
+        <pc:spChg chg="add del">
+          <ac:chgData name="He Ziang" userId="S::2020302111281@whu.edu.cn::a58d5542-13c5-42e9-acf6-e12cce9448c7" providerId="AD" clId="Web-{D48B8045-49F5-23A0-5F91-B418A956C8F0}" dt="2022-12-14T03:16:15.615" v="88"/>
+          <ac:spMkLst>
+            <pc:docMk/>
+            <pc:sldMk cId="3424685753" sldId="258"/>
+            <ac:spMk id="9" creationId="{A3B168A7-66FE-4359-9866-CBB841A729E6}"/>
+          </ac:spMkLst>
+        </pc:spChg>
+        <pc:graphicFrameChg chg="add mod">
+          <ac:chgData name="He Ziang" userId="S::2020302111281@whu.edu.cn::a58d5542-13c5-42e9-acf6-e12cce9448c7" providerId="AD" clId="Web-{D48B8045-49F5-23A0-5F91-B418A956C8F0}" dt="2022-12-14T03:18:40.540" v="96" actId="1076"/>
+          <ac:graphicFrameMkLst>
+            <pc:docMk/>
+            <pc:sldMk cId="3424685753" sldId="258"/>
+            <ac:graphicFrameMk id="8" creationId="{29B3123F-6E70-2A1F-AC68-F9B2C18B5A60}"/>
+          </ac:graphicFrameMkLst>
+        </pc:graphicFrameChg>
+        <pc:picChg chg="add del">
+          <ac:chgData name="He Ziang" userId="S::2020302111281@whu.edu.cn::a58d5542-13c5-42e9-acf6-e12cce9448c7" providerId="AD" clId="Web-{D48B8045-49F5-23A0-5F91-B418A956C8F0}" dt="2022-12-14T03:16:15.615" v="88"/>
+          <ac:picMkLst>
+            <pc:docMk/>
+            <pc:sldMk cId="3424685753" sldId="258"/>
+            <ac:picMk id="5" creationId="{C25BF71D-E1BE-4E62-EE9F-5123E7989E8A}"/>
+          </ac:picMkLst>
+        </pc:picChg>
+        <pc:cxnChg chg="add">
+          <ac:chgData name="He Ziang" userId="S::2020302111281@whu.edu.cn::a58d5542-13c5-42e9-acf6-e12cce9448c7" providerId="AD" clId="Web-{D48B8045-49F5-23A0-5F91-B418A956C8F0}" dt="2022-12-14T03:18:28.305" v="95"/>
+          <ac:cxnSpMkLst>
+            <pc:docMk/>
+            <pc:sldMk cId="3424685753" sldId="258"/>
+            <ac:cxnSpMk id="7" creationId="{8F5909CB-6CD3-45DF-9920-8D81824854A2}"/>
+          </ac:cxnSpMkLst>
+        </pc:cxnChg>
+        <pc:cxnChg chg="add del">
+          <ac:chgData name="He Ziang" userId="S::2020302111281@whu.edu.cn::a58d5542-13c5-42e9-acf6-e12cce9448c7" providerId="AD" clId="Web-{D48B8045-49F5-23A0-5F91-B418A956C8F0}" dt="2022-12-14T03:16:15.615" v="88"/>
+          <ac:cxnSpMkLst>
+            <pc:docMk/>
+            <pc:sldMk cId="3424685753" sldId="258"/>
+            <ac:cxnSpMk id="11" creationId="{F0748755-DDBC-46D0-91EC-1212A8EE2B40}"/>
+          </ac:cxnSpMkLst>
+        </pc:cxnChg>
+      </pc:sldChg>
+      <pc:sldChg chg="addSp delSp modSp new mod setBg">
+        <pc:chgData name="He Ziang" userId="S::2020302111281@whu.edu.cn::a58d5542-13c5-42e9-acf6-e12cce9448c7" providerId="AD" clId="Web-{D48B8045-49F5-23A0-5F91-B418A956C8F0}" dt="2022-12-14T03:31:27.900" v="280"/>
+        <pc:sldMkLst>
+          <pc:docMk/>
+          <pc:sldMk cId="1150635950" sldId="259"/>
+        </pc:sldMkLst>
+        <pc:spChg chg="mod">
+          <ac:chgData name="He Ziang" userId="S::2020302111281@whu.edu.cn::a58d5542-13c5-42e9-acf6-e12cce9448c7" providerId="AD" clId="Web-{D48B8045-49F5-23A0-5F91-B418A956C8F0}" dt="2022-12-14T03:29:38.710" v="244"/>
+          <ac:spMkLst>
+            <pc:docMk/>
+            <pc:sldMk cId="1150635950" sldId="259"/>
+            <ac:spMk id="2" creationId="{A5CDD583-2C08-B906-C1D5-691BA69F8A5C}"/>
+          </ac:spMkLst>
+        </pc:spChg>
+        <pc:spChg chg="del mod">
+          <ac:chgData name="He Ziang" userId="S::2020302111281@whu.edu.cn::a58d5542-13c5-42e9-acf6-e12cce9448c7" providerId="AD" clId="Web-{D48B8045-49F5-23A0-5F91-B418A956C8F0}" dt="2022-12-14T03:26:08.190" v="160"/>
+          <ac:spMkLst>
+            <pc:docMk/>
+            <pc:sldMk cId="1150635950" sldId="259"/>
+            <ac:spMk id="3" creationId="{79F73EE6-DCAF-AF71-7031-60868D9703DF}"/>
+          </ac:spMkLst>
+        </pc:spChg>
+        <pc:spChg chg="add del">
+          <ac:chgData name="He Ziang" userId="S::2020302111281@whu.edu.cn::a58d5542-13c5-42e9-acf6-e12cce9448c7" providerId="AD" clId="Web-{D48B8045-49F5-23A0-5F91-B418A956C8F0}" dt="2022-12-14T03:29:38.710" v="244"/>
+          <ac:spMkLst>
+            <pc:docMk/>
+            <pc:sldMk cId="1150635950" sldId="259"/>
+            <ac:spMk id="9" creationId="{CAA6A2E0-18A1-4B22-8F61-5E162B67421A}"/>
+          </ac:spMkLst>
+        </pc:spChg>
+        <pc:spChg chg="add del">
+          <ac:chgData name="He Ziang" userId="S::2020302111281@whu.edu.cn::a58d5542-13c5-42e9-acf6-e12cce9448c7" providerId="AD" clId="Web-{D48B8045-49F5-23A0-5F91-B418A956C8F0}" dt="2022-12-14T03:30:45.415" v="271"/>
+          <ac:spMkLst>
+            <pc:docMk/>
+            <pc:sldMk cId="1150635950" sldId="259"/>
+            <ac:spMk id="13" creationId="{431807EA-F70D-41DE-A07B-209FD591815E}"/>
+          </ac:spMkLst>
+        </pc:spChg>
+        <pc:spChg chg="add del">
+          <ac:chgData name="He Ziang" userId="S::2020302111281@whu.edu.cn::a58d5542-13c5-42e9-acf6-e12cce9448c7" providerId="AD" clId="Web-{D48B8045-49F5-23A0-5F91-B418A956C8F0}" dt="2022-12-14T03:28:19.318" v="222"/>
+          <ac:spMkLst>
+            <pc:docMk/>
+            <pc:sldMk cId="1150635950" sldId="259"/>
+            <ac:spMk id="16" creationId="{3227BDC9-FB18-487D-844E-9A6B39F8C10A}"/>
+          </ac:spMkLst>
+        </pc:spChg>
+        <pc:spChg chg="add del mod">
+          <ac:chgData name="He Ziang" userId="S::2020302111281@whu.edu.cn::a58d5542-13c5-42e9-acf6-e12cce9448c7" providerId="AD" clId="Web-{D48B8045-49F5-23A0-5F91-B418A956C8F0}" dt="2022-12-14T03:31:27.900" v="280"/>
+          <ac:spMkLst>
+            <pc:docMk/>
+            <pc:sldMk cId="1150635950" sldId="259"/>
+            <ac:spMk id="17" creationId="{D028A353-022A-C843-B970-B904AB4C8118}"/>
+          </ac:spMkLst>
+        </pc:spChg>
+        <pc:spChg chg="add del">
+          <ac:chgData name="He Ziang" userId="S::2020302111281@whu.edu.cn::a58d5542-13c5-42e9-acf6-e12cce9448c7" providerId="AD" clId="Web-{D48B8045-49F5-23A0-5F91-B418A956C8F0}" dt="2022-12-14T03:31:27.900" v="280"/>
+          <ac:spMkLst>
+            <pc:docMk/>
+            <pc:sldMk cId="1150635950" sldId="259"/>
+            <ac:spMk id="19" creationId="{431807EA-F70D-41DE-A07B-209FD591815E}"/>
+          </ac:spMkLst>
+        </pc:spChg>
+        <pc:spChg chg="add">
+          <ac:chgData name="He Ziang" userId="S::2020302111281@whu.edu.cn::a58d5542-13c5-42e9-acf6-e12cce9448c7" providerId="AD" clId="Web-{D48B8045-49F5-23A0-5F91-B418A956C8F0}" dt="2022-12-14T03:31:27.900" v="280"/>
+          <ac:spMkLst>
+            <pc:docMk/>
+            <pc:sldMk cId="1150635950" sldId="259"/>
+            <ac:spMk id="27" creationId="{431807EA-F70D-41DE-A07B-209FD591815E}"/>
+          </ac:spMkLst>
+        </pc:spChg>
+        <pc:graphicFrameChg chg="add del mod ord modGraphic">
+          <ac:chgData name="He Ziang" userId="S::2020302111281@whu.edu.cn::a58d5542-13c5-42e9-acf6-e12cce9448c7" providerId="AD" clId="Web-{D48B8045-49F5-23A0-5F91-B418A956C8F0}" dt="2022-12-14T03:31:24.384" v="279"/>
+          <ac:graphicFrameMkLst>
+            <pc:docMk/>
+            <pc:sldMk cId="1150635950" sldId="259"/>
+            <ac:graphicFrameMk id="4" creationId="{21A6BFA1-F001-D09B-E93E-3F9F9E7BB564}"/>
+          </ac:graphicFrameMkLst>
+        </pc:graphicFrameChg>
+        <pc:graphicFrameChg chg="add del mod">
+          <ac:chgData name="He Ziang" userId="S::2020302111281@whu.edu.cn::a58d5542-13c5-42e9-acf6-e12cce9448c7" providerId="AD" clId="Web-{D48B8045-49F5-23A0-5F91-B418A956C8F0}" dt="2022-12-14T03:31:03.603" v="275"/>
+          <ac:graphicFrameMkLst>
+            <pc:docMk/>
+            <pc:sldMk cId="1150635950" sldId="259"/>
+            <ac:graphicFrameMk id="6" creationId="{7722BB65-B30C-A232-B0DC-142DB55D7FAD}"/>
+          </ac:graphicFrameMkLst>
+        </pc:graphicFrameChg>
+        <pc:graphicFrameChg chg="add del mod">
+          <ac:chgData name="He Ziang" userId="S::2020302111281@whu.edu.cn::a58d5542-13c5-42e9-acf6-e12cce9448c7" providerId="AD" clId="Web-{D48B8045-49F5-23A0-5F91-B418A956C8F0}" dt="2022-12-14T03:31:07.306" v="277"/>
+          <ac:graphicFrameMkLst>
+            <pc:docMk/>
+            <pc:sldMk cId="1150635950" sldId="259"/>
+            <ac:graphicFrameMk id="8" creationId="{C8AF3A03-42F7-F39E-1543-CB2AA560647C}"/>
+          </ac:graphicFrameMkLst>
+        </pc:graphicFrameChg>
+        <pc:graphicFrameChg chg="add del mod">
+          <ac:chgData name="He Ziang" userId="S::2020302111281@whu.edu.cn::a58d5542-13c5-42e9-acf6-e12cce9448c7" providerId="AD" clId="Web-{D48B8045-49F5-23A0-5F91-B418A956C8F0}" dt="2022-12-14T03:31:27.900" v="280"/>
+          <ac:graphicFrameMkLst>
+            <pc:docMk/>
+            <pc:sldMk cId="1150635950" sldId="259"/>
+            <ac:graphicFrameMk id="12" creationId="{9455B781-F6D8-7B06-E87F-AA15CCDFB8B1}"/>
+          </ac:graphicFrameMkLst>
+        </pc:graphicFrameChg>
+        <pc:graphicFrameChg chg="add">
+          <ac:chgData name="He Ziang" userId="S::2020302111281@whu.edu.cn::a58d5542-13c5-42e9-acf6-e12cce9448c7" providerId="AD" clId="Web-{D48B8045-49F5-23A0-5F91-B418A956C8F0}" dt="2022-12-14T03:31:27.900" v="280"/>
+          <ac:graphicFrameMkLst>
+            <pc:docMk/>
+            <pc:sldMk cId="1150635950" sldId="259"/>
+            <ac:graphicFrameMk id="24" creationId="{9455B781-F6D8-7B06-E87F-AA15CCDFB8B1}"/>
+          </ac:graphicFrameMkLst>
+        </pc:graphicFrameChg>
+        <pc:cxnChg chg="add del">
+          <ac:chgData name="He Ziang" userId="S::2020302111281@whu.edu.cn::a58d5542-13c5-42e9-acf6-e12cce9448c7" providerId="AD" clId="Web-{D48B8045-49F5-23A0-5F91-B418A956C8F0}" dt="2022-12-14T03:29:38.710" v="244"/>
+          <ac:cxnSpMkLst>
+            <pc:docMk/>
+            <pc:sldMk cId="1150635950" sldId="259"/>
+            <ac:cxnSpMk id="11" creationId="{8F5909CB-6CD3-45DF-9920-8D81824854A2}"/>
+          </ac:cxnSpMkLst>
+        </pc:cxnChg>
+        <pc:cxnChg chg="add del">
+          <ac:chgData name="He Ziang" userId="S::2020302111281@whu.edu.cn::a58d5542-13c5-42e9-acf6-e12cce9448c7" providerId="AD" clId="Web-{D48B8045-49F5-23A0-5F91-B418A956C8F0}" dt="2022-12-14T03:30:45.415" v="271"/>
+          <ac:cxnSpMkLst>
+            <pc:docMk/>
+            <pc:sldMk cId="1150635950" sldId="259"/>
+            <ac:cxnSpMk id="14" creationId="{D6D3BDB7-6E9F-439D-9E83-9D7F1971D57D}"/>
+          </ac:cxnSpMkLst>
+        </pc:cxnChg>
+        <pc:cxnChg chg="add del">
+          <ac:chgData name="He Ziang" userId="S::2020302111281@whu.edu.cn::a58d5542-13c5-42e9-acf6-e12cce9448c7" providerId="AD" clId="Web-{D48B8045-49F5-23A0-5F91-B418A956C8F0}" dt="2022-12-14T03:28:19.318" v="222"/>
+          <ac:cxnSpMkLst>
+            <pc:docMk/>
+            <pc:sldMk cId="1150635950" sldId="259"/>
+            <ac:cxnSpMk id="18" creationId="{25BE18DF-459C-485A-834C-292AA6BB1086}"/>
+          </ac:cxnSpMkLst>
+        </pc:cxnChg>
+        <pc:cxnChg chg="add del">
+          <ac:chgData name="He Ziang" userId="S::2020302111281@whu.edu.cn::a58d5542-13c5-42e9-acf6-e12cce9448c7" providerId="AD" clId="Web-{D48B8045-49F5-23A0-5F91-B418A956C8F0}" dt="2022-12-14T03:31:27.900" v="280"/>
+          <ac:cxnSpMkLst>
+            <pc:docMk/>
+            <pc:sldMk cId="1150635950" sldId="259"/>
+            <ac:cxnSpMk id="21" creationId="{D6D3BDB7-6E9F-439D-9E83-9D7F1971D57D}"/>
+          </ac:cxnSpMkLst>
+        </pc:cxnChg>
+        <pc:cxnChg chg="add">
+          <ac:chgData name="He Ziang" userId="S::2020302111281@whu.edu.cn::a58d5542-13c5-42e9-acf6-e12cce9448c7" providerId="AD" clId="Web-{D48B8045-49F5-23A0-5F91-B418A956C8F0}" dt="2022-12-14T03:31:27.900" v="280"/>
+          <ac:cxnSpMkLst>
+            <pc:docMk/>
+            <pc:sldMk cId="1150635950" sldId="259"/>
+            <ac:cxnSpMk id="29" creationId="{D6D3BDB7-6E9F-439D-9E83-9D7F1971D57D}"/>
+          </ac:cxnSpMkLst>
+        </pc:cxnChg>
+      </pc:sldChg>
+      <pc:sldChg chg="addSp delSp modSp new mod setBg">
+        <pc:chgData name="He Ziang" userId="S::2020302111281@whu.edu.cn::a58d5542-13c5-42e9-acf6-e12cce9448c7" providerId="AD" clId="Web-{D48B8045-49F5-23A0-5F91-B418A956C8F0}" dt="2022-12-14T03:33:57.856" v="306"/>
+        <pc:sldMkLst>
+          <pc:docMk/>
+          <pc:sldMk cId="2800236799" sldId="260"/>
+        </pc:sldMkLst>
+        <pc:spChg chg="mod">
+          <ac:chgData name="He Ziang" userId="S::2020302111281@whu.edu.cn::a58d5542-13c5-42e9-acf6-e12cce9448c7" providerId="AD" clId="Web-{D48B8045-49F5-23A0-5F91-B418A956C8F0}" dt="2022-12-14T03:33:57.856" v="306"/>
+          <ac:spMkLst>
+            <pc:docMk/>
+            <pc:sldMk cId="2800236799" sldId="260"/>
+            <ac:spMk id="2" creationId="{387911F1-B14F-5603-F54A-14975ECE9EB2}"/>
+          </ac:spMkLst>
+        </pc:spChg>
+        <pc:spChg chg="add del mod">
+          <ac:chgData name="He Ziang" userId="S::2020302111281@whu.edu.cn::a58d5542-13c5-42e9-acf6-e12cce9448c7" providerId="AD" clId="Web-{D48B8045-49F5-23A0-5F91-B418A956C8F0}" dt="2022-12-14T03:33:57.856" v="306"/>
+          <ac:spMkLst>
+            <pc:docMk/>
+            <pc:sldMk cId="2800236799" sldId="260"/>
+            <ac:spMk id="3" creationId="{C241066F-D4D1-0E39-1D21-DCA91B732DB4}"/>
+          </ac:spMkLst>
+        </pc:spChg>
+        <pc:spChg chg="add del">
+          <ac:chgData name="He Ziang" userId="S::2020302111281@whu.edu.cn::a58d5542-13c5-42e9-acf6-e12cce9448c7" providerId="AD" clId="Web-{D48B8045-49F5-23A0-5F91-B418A956C8F0}" dt="2022-12-14T03:33:49.981" v="304"/>
+          <ac:spMkLst>
+            <pc:docMk/>
+            <pc:sldMk cId="2800236799" sldId="260"/>
+            <ac:spMk id="6" creationId="{CAA6A2E0-18A1-4B22-8F61-5E162B67421A}"/>
+          </ac:spMkLst>
+        </pc:spChg>
+        <pc:spChg chg="add del">
+          <ac:chgData name="He Ziang" userId="S::2020302111281@whu.edu.cn::a58d5542-13c5-42e9-acf6-e12cce9448c7" providerId="AD" clId="Web-{D48B8045-49F5-23A0-5F91-B418A956C8F0}" dt="2022-12-14T03:33:24.856" v="299"/>
+          <ac:spMkLst>
+            <pc:docMk/>
+            <pc:sldMk cId="2800236799" sldId="260"/>
+            <ac:spMk id="9" creationId="{CAA6A2E0-18A1-4B22-8F61-5E162B67421A}"/>
+          </ac:spMkLst>
+        </pc:spChg>
+        <pc:spChg chg="add del">
+          <ac:chgData name="He Ziang" userId="S::2020302111281@whu.edu.cn::a58d5542-13c5-42e9-acf6-e12cce9448c7" providerId="AD" clId="Web-{D48B8045-49F5-23A0-5F91-B418A956C8F0}" dt="2022-12-14T03:33:57.856" v="306"/>
+          <ac:spMkLst>
+            <pc:docMk/>
+            <pc:sldMk cId="2800236799" sldId="260"/>
+            <ac:spMk id="10" creationId="{5A8C38AB-00B3-4611-B51A-458666907A35}"/>
+          </ac:spMkLst>
+        </pc:spChg>
+        <pc:graphicFrameChg chg="add del">
+          <ac:chgData name="He Ziang" userId="S::2020302111281@whu.edu.cn::a58d5542-13c5-42e9-acf6-e12cce9448c7" providerId="AD" clId="Web-{D48B8045-49F5-23A0-5F91-B418A956C8F0}" dt="2022-12-14T03:33:24.856" v="299"/>
+          <ac:graphicFrameMkLst>
+            <pc:docMk/>
+            <pc:sldMk cId="2800236799" sldId="260"/>
+            <ac:graphicFrameMk id="5" creationId="{7AB14B77-D4AC-431C-04CB-4B13E0F0D254}"/>
+          </ac:graphicFrameMkLst>
+        </pc:graphicFrameChg>
+        <pc:graphicFrameChg chg="add del">
+          <ac:chgData name="He Ziang" userId="S::2020302111281@whu.edu.cn::a58d5542-13c5-42e9-acf6-e12cce9448c7" providerId="AD" clId="Web-{D48B8045-49F5-23A0-5F91-B418A956C8F0}" dt="2022-12-14T03:33:49.981" v="304"/>
+          <ac:graphicFrameMkLst>
+            <pc:docMk/>
+            <pc:sldMk cId="2800236799" sldId="260"/>
+            <ac:graphicFrameMk id="8" creationId="{1239FA18-364F-C9E6-5655-FD01D72E8F89}"/>
+          </ac:graphicFrameMkLst>
+        </pc:graphicFrameChg>
+        <pc:graphicFrameChg chg="add del">
+          <ac:chgData name="He Ziang" userId="S::2020302111281@whu.edu.cn::a58d5542-13c5-42e9-acf6-e12cce9448c7" providerId="AD" clId="Web-{D48B8045-49F5-23A0-5F91-B418A956C8F0}" dt="2022-12-14T03:33:57.856" v="306"/>
+          <ac:graphicFrameMkLst>
+            <pc:docMk/>
+            <pc:sldMk cId="2800236799" sldId="260"/>
+            <ac:graphicFrameMk id="13" creationId="{2C00E0EA-0C97-3921-10E2-6D0EB07F4820}"/>
+          </ac:graphicFrameMkLst>
+        </pc:graphicFrameChg>
+        <pc:cxnChg chg="add del">
+          <ac:chgData name="He Ziang" userId="S::2020302111281@whu.edu.cn::a58d5542-13c5-42e9-acf6-e12cce9448c7" providerId="AD" clId="Web-{D48B8045-49F5-23A0-5F91-B418A956C8F0}" dt="2022-12-14T03:33:49.981" v="304"/>
+          <ac:cxnSpMkLst>
+            <pc:docMk/>
+            <pc:sldMk cId="2800236799" sldId="260"/>
+            <ac:cxnSpMk id="7" creationId="{8F5909CB-6CD3-45DF-9920-8D81824854A2}"/>
+          </ac:cxnSpMkLst>
+        </pc:cxnChg>
+        <pc:cxnChg chg="add del">
+          <ac:chgData name="He Ziang" userId="S::2020302111281@whu.edu.cn::a58d5542-13c5-42e9-acf6-e12cce9448c7" providerId="AD" clId="Web-{D48B8045-49F5-23A0-5F91-B418A956C8F0}" dt="2022-12-14T03:33:24.856" v="299"/>
+          <ac:cxnSpMkLst>
+            <pc:docMk/>
+            <pc:sldMk cId="2800236799" sldId="260"/>
+            <ac:cxnSpMk id="11" creationId="{8F5909CB-6CD3-45DF-9920-8D81824854A2}"/>
+          </ac:cxnSpMkLst>
+        </pc:cxnChg>
+        <pc:cxnChg chg="add del">
+          <ac:chgData name="He Ziang" userId="S::2020302111281@whu.edu.cn::a58d5542-13c5-42e9-acf6-e12cce9448c7" providerId="AD" clId="Web-{D48B8045-49F5-23A0-5F91-B418A956C8F0}" dt="2022-12-14T03:33:57.856" v="306"/>
+          <ac:cxnSpMkLst>
+            <pc:docMk/>
+            <pc:sldMk cId="2800236799" sldId="260"/>
+            <ac:cxnSpMk id="12" creationId="{8F5909CB-6CD3-45DF-9920-8D81824854A2}"/>
+          </ac:cxnSpMkLst>
+        </pc:cxnChg>
+      </pc:sldChg>
+      <pc:sldChg chg="addSp delSp modSp new mod setBg">
+        <pc:chgData name="He Ziang" userId="S::2020302111281@whu.edu.cn::a58d5542-13c5-42e9-acf6-e12cce9448c7" providerId="AD" clId="Web-{D48B8045-49F5-23A0-5F91-B418A956C8F0}" dt="2022-12-14T03:34:46.373" v="312"/>
+        <pc:sldMkLst>
+          <pc:docMk/>
+          <pc:sldMk cId="322820508" sldId="261"/>
+        </pc:sldMkLst>
+        <pc:spChg chg="mod">
+          <ac:chgData name="He Ziang" userId="S::2020302111281@whu.edu.cn::a58d5542-13c5-42e9-acf6-e12cce9448c7" providerId="AD" clId="Web-{D48B8045-49F5-23A0-5F91-B418A956C8F0}" dt="2022-12-14T03:34:46.373" v="312"/>
+          <ac:spMkLst>
+            <pc:docMk/>
+            <pc:sldMk cId="322820508" sldId="261"/>
+            <ac:spMk id="2" creationId="{A21C65EA-B059-35C9-04F7-F870C0DE0F53}"/>
+          </ac:spMkLst>
+        </pc:spChg>
+        <pc:spChg chg="del">
+          <ac:chgData name="He Ziang" userId="S::2020302111281@whu.edu.cn::a58d5542-13c5-42e9-acf6-e12cce9448c7" providerId="AD" clId="Web-{D48B8045-49F5-23A0-5F91-B418A956C8F0}" dt="2022-12-14T03:34:46.373" v="312"/>
+          <ac:spMkLst>
+            <pc:docMk/>
+            <pc:sldMk cId="322820508" sldId="261"/>
+            <ac:spMk id="3" creationId="{E384CF1C-5903-A672-1B70-16767DD0F996}"/>
+          </ac:spMkLst>
+        </pc:spChg>
+        <pc:spChg chg="add">
+          <ac:chgData name="He Ziang" userId="S::2020302111281@whu.edu.cn::a58d5542-13c5-42e9-acf6-e12cce9448c7" providerId="AD" clId="Web-{D48B8045-49F5-23A0-5F91-B418A956C8F0}" dt="2022-12-14T03:34:46.373" v="312"/>
+          <ac:spMkLst>
+            <pc:docMk/>
+            <pc:sldMk cId="322820508" sldId="261"/>
+            <ac:spMk id="11" creationId="{9BE9CBBE-AC27-4CB2-9A8C-6DA97C8514B0}"/>
+          </ac:spMkLst>
+        </pc:spChg>
+        <pc:spChg chg="add">
+          <ac:chgData name="He Ziang" userId="S::2020302111281@whu.edu.cn::a58d5542-13c5-42e9-acf6-e12cce9448c7" providerId="AD" clId="Web-{D48B8045-49F5-23A0-5F91-B418A956C8F0}" dt="2022-12-14T03:34:46.373" v="312"/>
+          <ac:spMkLst>
+            <pc:docMk/>
+            <pc:sldMk cId="322820508" sldId="261"/>
+            <ac:spMk id="13" creationId="{1510558D-AB62-4468-A217-6D39626A6767}"/>
+          </ac:spMkLst>
+        </pc:spChg>
+        <pc:spChg chg="add">
+          <ac:chgData name="He Ziang" userId="S::2020302111281@whu.edu.cn::a58d5542-13c5-42e9-acf6-e12cce9448c7" providerId="AD" clId="Web-{D48B8045-49F5-23A0-5F91-B418A956C8F0}" dt="2022-12-14T03:34:46.373" v="312"/>
+          <ac:spMkLst>
+            <pc:docMk/>
+            <pc:sldMk cId="322820508" sldId="261"/>
+            <ac:spMk id="15" creationId="{BF0EF3CC-90B1-4D25-8757-67F368728EB3}"/>
+          </ac:spMkLst>
+        </pc:spChg>
+        <pc:picChg chg="add">
+          <ac:chgData name="He Ziang" userId="S::2020302111281@whu.edu.cn::a58d5542-13c5-42e9-acf6-e12cce9448c7" providerId="AD" clId="Web-{D48B8045-49F5-23A0-5F91-B418A956C8F0}" dt="2022-12-14T03:34:46.373" v="312"/>
+          <ac:picMkLst>
+            <pc:docMk/>
+            <pc:sldMk cId="322820508" sldId="261"/>
+            <ac:picMk id="5" creationId="{C2FDA702-1B63-6C41-49C7-2F844EE8C703}"/>
+          </ac:picMkLst>
+        </pc:picChg>
+        <pc:cxnChg chg="add">
+          <ac:chgData name="He Ziang" userId="S::2020302111281@whu.edu.cn::a58d5542-13c5-42e9-acf6-e12cce9448c7" providerId="AD" clId="Web-{D48B8045-49F5-23A0-5F91-B418A956C8F0}" dt="2022-12-14T03:34:46.373" v="312"/>
+          <ac:cxnSpMkLst>
+            <pc:docMk/>
+            <pc:sldMk cId="322820508" sldId="261"/>
+            <ac:cxnSpMk id="9" creationId="{D8689CE0-64D2-447C-9C1F-872D111D8AC3}"/>
+          </ac:cxnSpMkLst>
+        </pc:cxnChg>
+        <pc:cxnChg chg="add">
+          <ac:chgData name="He Ziang" userId="S::2020302111281@whu.edu.cn::a58d5542-13c5-42e9-acf6-e12cce9448c7" providerId="AD" clId="Web-{D48B8045-49F5-23A0-5F91-B418A956C8F0}" dt="2022-12-14T03:34:46.373" v="312"/>
+          <ac:cxnSpMkLst>
+            <pc:docMk/>
+            <pc:sldMk cId="322820508" sldId="261"/>
+            <ac:cxnSpMk id="17" creationId="{B0AA360F-DECB-4836-8FB6-22C4BC3FB02D}"/>
+          </ac:cxnSpMkLst>
+        </pc:cxnChg>
+      </pc:sldChg>
+      <pc:sldChg chg="addSp modSp new mod setBg">
+        <pc:chgData name="He Ziang" userId="S::2020302111281@whu.edu.cn::a58d5542-13c5-42e9-acf6-e12cce9448c7" providerId="AD" clId="Web-{D48B8045-49F5-23A0-5F91-B418A956C8F0}" dt="2022-12-14T03:47:26.140" v="337"/>
+        <pc:sldMkLst>
+          <pc:docMk/>
+          <pc:sldMk cId="3219309908" sldId="262"/>
+        </pc:sldMkLst>
+        <pc:spChg chg="mod">
+          <ac:chgData name="He Ziang" userId="S::2020302111281@whu.edu.cn::a58d5542-13c5-42e9-acf6-e12cce9448c7" providerId="AD" clId="Web-{D48B8045-49F5-23A0-5F91-B418A956C8F0}" dt="2022-12-14T03:47:26.140" v="337"/>
+          <ac:spMkLst>
+            <pc:docMk/>
+            <pc:sldMk cId="3219309908" sldId="262"/>
+            <ac:spMk id="2" creationId="{EF9B549A-4026-AD22-77F2-9EF51E1D7F4D}"/>
+          </ac:spMkLst>
+        </pc:spChg>
+        <pc:spChg chg="mod">
+          <ac:chgData name="He Ziang" userId="S::2020302111281@whu.edu.cn::a58d5542-13c5-42e9-acf6-e12cce9448c7" providerId="AD" clId="Web-{D48B8045-49F5-23A0-5F91-B418A956C8F0}" dt="2022-12-14T03:47:26.140" v="337"/>
+          <ac:spMkLst>
+            <pc:docMk/>
+            <pc:sldMk cId="3219309908" sldId="262"/>
+            <ac:spMk id="3" creationId="{F0ABE6CB-EBB2-EAC2-AF05-5EE67C283525}"/>
+          </ac:spMkLst>
+        </pc:spChg>
+        <pc:spChg chg="add">
+          <ac:chgData name="He Ziang" userId="S::2020302111281@whu.edu.cn::a58d5542-13c5-42e9-acf6-e12cce9448c7" providerId="AD" clId="Web-{D48B8045-49F5-23A0-5F91-B418A956C8F0}" dt="2022-12-14T03:47:26.140" v="337"/>
+          <ac:spMkLst>
+            <pc:docMk/>
+            <pc:sldMk cId="3219309908" sldId="262"/>
+            <ac:spMk id="9" creationId="{40DC026F-444B-46C9-BCBE-329183BF5FE0}"/>
+          </ac:spMkLst>
+        </pc:spChg>
+        <pc:picChg chg="add">
+          <ac:chgData name="He Ziang" userId="S::2020302111281@whu.edu.cn::a58d5542-13c5-42e9-acf6-e12cce9448c7" providerId="AD" clId="Web-{D48B8045-49F5-23A0-5F91-B418A956C8F0}" dt="2022-12-14T03:47:26.140" v="337"/>
+          <ac:picMkLst>
+            <pc:docMk/>
+            <pc:sldMk cId="3219309908" sldId="262"/>
+            <ac:picMk id="5" creationId="{60A389BD-48E9-7EAA-83E8-E74DFAE771BC}"/>
+          </ac:picMkLst>
+        </pc:picChg>
+        <pc:cxnChg chg="add">
+          <ac:chgData name="He Ziang" userId="S::2020302111281@whu.edu.cn::a58d5542-13c5-42e9-acf6-e12cce9448c7" providerId="AD" clId="Web-{D48B8045-49F5-23A0-5F91-B418A956C8F0}" dt="2022-12-14T03:47:26.140" v="337"/>
+          <ac:cxnSpMkLst>
+            <pc:docMk/>
+            <pc:sldMk cId="3219309908" sldId="262"/>
+            <ac:cxnSpMk id="11" creationId="{F0748755-DDBC-46D0-91EC-1212A8EE2B40}"/>
+          </ac:cxnSpMkLst>
+        </pc:cxnChg>
+      </pc:sldChg>
+      <pc:sldChg chg="modSp new">
+        <pc:chgData name="He Ziang" userId="S::2020302111281@whu.edu.cn::a58d5542-13c5-42e9-acf6-e12cce9448c7" providerId="AD" clId="Web-{D48B8045-49F5-23A0-5F91-B418A956C8F0}" dt="2022-12-14T03:49:30.424" v="374" actId="20577"/>
+        <pc:sldMkLst>
+          <pc:docMk/>
+          <pc:sldMk cId="427864391" sldId="263"/>
+        </pc:sldMkLst>
+        <pc:spChg chg="mod">
+          <ac:chgData name="He Ziang" userId="S::2020302111281@whu.edu.cn::a58d5542-13c5-42e9-acf6-e12cce9448c7" providerId="AD" clId="Web-{D48B8045-49F5-23A0-5F91-B418A956C8F0}" dt="2022-12-14T03:47:44.609" v="350" actId="20577"/>
+          <ac:spMkLst>
+            <pc:docMk/>
+            <pc:sldMk cId="427864391" sldId="263"/>
+            <ac:spMk id="2" creationId="{6F77DC06-B73D-FE89-658B-712799018818}"/>
+          </ac:spMkLst>
+        </pc:spChg>
+        <pc:spChg chg="mod">
+          <ac:chgData name="He Ziang" userId="S::2020302111281@whu.edu.cn::a58d5542-13c5-42e9-acf6-e12cce9448c7" providerId="AD" clId="Web-{D48B8045-49F5-23A0-5F91-B418A956C8F0}" dt="2022-12-14T03:49:30.424" v="374" actId="20577"/>
+          <ac:spMkLst>
+            <pc:docMk/>
+            <pc:sldMk cId="427864391" sldId="263"/>
+            <ac:spMk id="3" creationId="{630BC7D3-7D4D-A052-159C-5413252479E5}"/>
+          </ac:spMkLst>
+        </pc:spChg>
+      </pc:sldChg>
+      <pc:sldMasterChg chg="add del addSldLayout delSldLayout">
+        <pc:chgData name="He Ziang" userId="S::2020302111281@whu.edu.cn::a58d5542-13c5-42e9-acf6-e12cce9448c7" providerId="AD" clId="Web-{D48B8045-49F5-23A0-5F91-B418A956C8F0}" dt="2022-12-14T02:53:36.179" v="18"/>
+        <pc:sldMasterMkLst>
+          <pc:docMk/>
+          <pc:sldMasterMk cId="2460954070" sldId="2147483660"/>
+        </pc:sldMasterMkLst>
+        <pc:sldLayoutChg chg="add del">
+          <pc:chgData name="He Ziang" userId="S::2020302111281@whu.edu.cn::a58d5542-13c5-42e9-acf6-e12cce9448c7" providerId="AD" clId="Web-{D48B8045-49F5-23A0-5F91-B418A956C8F0}" dt="2022-12-14T02:53:36.179" v="18"/>
+          <pc:sldLayoutMkLst>
+            <pc:docMk/>
+            <pc:sldMasterMk cId="2460954070" sldId="2147483660"/>
+            <pc:sldLayoutMk cId="2385387890" sldId="2147483661"/>
+          </pc:sldLayoutMkLst>
+        </pc:sldLayoutChg>
+        <pc:sldLayoutChg chg="add del">
+          <pc:chgData name="He Ziang" userId="S::2020302111281@whu.edu.cn::a58d5542-13c5-42e9-acf6-e12cce9448c7" providerId="AD" clId="Web-{D48B8045-49F5-23A0-5F91-B418A956C8F0}" dt="2022-12-14T02:53:36.179" v="18"/>
+          <pc:sldLayoutMkLst>
+            <pc:docMk/>
+            <pc:sldMasterMk cId="2460954070" sldId="2147483660"/>
+            <pc:sldLayoutMk cId="949138452" sldId="2147483662"/>
+          </pc:sldLayoutMkLst>
+        </pc:sldLayoutChg>
+        <pc:sldLayoutChg chg="add del">
+          <pc:chgData name="He Ziang" userId="S::2020302111281@whu.edu.cn::a58d5542-13c5-42e9-acf6-e12cce9448c7" providerId="AD" clId="Web-{D48B8045-49F5-23A0-5F91-B418A956C8F0}" dt="2022-12-14T02:53:36.179" v="18"/>
+          <pc:sldLayoutMkLst>
+            <pc:docMk/>
+            <pc:sldMasterMk cId="2460954070" sldId="2147483660"/>
+            <pc:sldLayoutMk cId="2591524520" sldId="2147483663"/>
+          </pc:sldLayoutMkLst>
+        </pc:sldLayoutChg>
+        <pc:sldLayoutChg chg="add del">
+          <pc:chgData name="He Ziang" userId="S::2020302111281@whu.edu.cn::a58d5542-13c5-42e9-acf6-e12cce9448c7" providerId="AD" clId="Web-{D48B8045-49F5-23A0-5F91-B418A956C8F0}" dt="2022-12-14T02:53:36.179" v="18"/>
+          <pc:sldLayoutMkLst>
+            <pc:docMk/>
+            <pc:sldMasterMk cId="2460954070" sldId="2147483660"/>
+            <pc:sldLayoutMk cId="1203092039" sldId="2147483664"/>
+          </pc:sldLayoutMkLst>
+        </pc:sldLayoutChg>
+        <pc:sldLayoutChg chg="add del">
+          <pc:chgData name="He Ziang" userId="S::2020302111281@whu.edu.cn::a58d5542-13c5-42e9-acf6-e12cce9448c7" providerId="AD" clId="Web-{D48B8045-49F5-23A0-5F91-B418A956C8F0}" dt="2022-12-14T02:53:36.179" v="18"/>
+          <pc:sldLayoutMkLst>
+            <pc:docMk/>
+            <pc:sldMasterMk cId="2460954070" sldId="2147483660"/>
+            <pc:sldLayoutMk cId="3733172339" sldId="2147483665"/>
+          </pc:sldLayoutMkLst>
+        </pc:sldLayoutChg>
+        <pc:sldLayoutChg chg="add del">
+          <pc:chgData name="He Ziang" userId="S::2020302111281@whu.edu.cn::a58d5542-13c5-42e9-acf6-e12cce9448c7" providerId="AD" clId="Web-{D48B8045-49F5-23A0-5F91-B418A956C8F0}" dt="2022-12-14T02:53:36.179" v="18"/>
+          <pc:sldLayoutMkLst>
+            <pc:docMk/>
+            <pc:sldMasterMk cId="2460954070" sldId="2147483660"/>
+            <pc:sldLayoutMk cId="3210312558" sldId="2147483666"/>
+          </pc:sldLayoutMkLst>
+        </pc:sldLayoutChg>
+        <pc:sldLayoutChg chg="add del">
+          <pc:chgData name="He Ziang" userId="S::2020302111281@whu.edu.cn::a58d5542-13c5-42e9-acf6-e12cce9448c7" providerId="AD" clId="Web-{D48B8045-49F5-23A0-5F91-B418A956C8F0}" dt="2022-12-14T02:53:36.179" v="18"/>
+          <pc:sldLayoutMkLst>
+            <pc:docMk/>
+            <pc:sldMasterMk cId="2460954070" sldId="2147483660"/>
+            <pc:sldLayoutMk cId="3146388984" sldId="2147483667"/>
+          </pc:sldLayoutMkLst>
+        </pc:sldLayoutChg>
+        <pc:sldLayoutChg chg="add del">
+          <pc:chgData name="He Ziang" userId="S::2020302111281@whu.edu.cn::a58d5542-13c5-42e9-acf6-e12cce9448c7" providerId="AD" clId="Web-{D48B8045-49F5-23A0-5F91-B418A956C8F0}" dt="2022-12-14T02:53:36.179" v="18"/>
+          <pc:sldLayoutMkLst>
+            <pc:docMk/>
+            <pc:sldMasterMk cId="2460954070" sldId="2147483660"/>
+            <pc:sldLayoutMk cId="3171841454" sldId="2147483668"/>
+          </pc:sldLayoutMkLst>
+        </pc:sldLayoutChg>
+        <pc:sldLayoutChg chg="add del">
+          <pc:chgData name="He Ziang" userId="S::2020302111281@whu.edu.cn::a58d5542-13c5-42e9-acf6-e12cce9448c7" providerId="AD" clId="Web-{D48B8045-49F5-23A0-5F91-B418A956C8F0}" dt="2022-12-14T02:53:36.179" v="18"/>
+          <pc:sldLayoutMkLst>
+            <pc:docMk/>
+            <pc:sldMasterMk cId="2460954070" sldId="2147483660"/>
+            <pc:sldLayoutMk cId="1718958274" sldId="2147483669"/>
+          </pc:sldLayoutMkLst>
+        </pc:sldLayoutChg>
+        <pc:sldLayoutChg chg="add del">
+          <pc:chgData name="He Ziang" userId="S::2020302111281@whu.edu.cn::a58d5542-13c5-42e9-acf6-e12cce9448c7" providerId="AD" clId="Web-{D48B8045-49F5-23A0-5F91-B418A956C8F0}" dt="2022-12-14T02:53:36.179" v="18"/>
+          <pc:sldLayoutMkLst>
+            <pc:docMk/>
+            <pc:sldMasterMk cId="2460954070" sldId="2147483660"/>
+            <pc:sldLayoutMk cId="2202905451" sldId="2147483670"/>
+          </pc:sldLayoutMkLst>
+        </pc:sldLayoutChg>
+        <pc:sldLayoutChg chg="add del">
+          <pc:chgData name="He Ziang" userId="S::2020302111281@whu.edu.cn::a58d5542-13c5-42e9-acf6-e12cce9448c7" providerId="AD" clId="Web-{D48B8045-49F5-23A0-5F91-B418A956C8F0}" dt="2022-12-14T02:53:36.179" v="18"/>
+          <pc:sldLayoutMkLst>
+            <pc:docMk/>
+            <pc:sldMasterMk cId="2460954070" sldId="2147483660"/>
+            <pc:sldLayoutMk cId="3479445657" sldId="2147483671"/>
+          </pc:sldLayoutMkLst>
+        </pc:sldLayoutChg>
+      </pc:sldMasterChg>
+      <pc:sldMasterChg chg="add del addSldLayout delSldLayout">
+        <pc:chgData name="He Ziang" userId="S::2020302111281@whu.edu.cn::a58d5542-13c5-42e9-acf6-e12cce9448c7" providerId="AD" clId="Web-{D48B8045-49F5-23A0-5F91-B418A956C8F0}" dt="2022-12-14T02:53:36.101" v="17"/>
+        <pc:sldMasterMkLst>
+          <pc:docMk/>
+          <pc:sldMasterMk cId="1143113594" sldId="2147483685"/>
+        </pc:sldMasterMkLst>
+        <pc:sldLayoutChg chg="add del">
+          <pc:chgData name="He Ziang" userId="S::2020302111281@whu.edu.cn::a58d5542-13c5-42e9-acf6-e12cce9448c7" providerId="AD" clId="Web-{D48B8045-49F5-23A0-5F91-B418A956C8F0}" dt="2022-12-14T02:53:36.101" v="17"/>
+          <pc:sldLayoutMkLst>
+            <pc:docMk/>
+            <pc:sldMasterMk cId="1143113594" sldId="2147483685"/>
+            <pc:sldLayoutMk cId="3547148180" sldId="2147483674"/>
+          </pc:sldLayoutMkLst>
+        </pc:sldLayoutChg>
+        <pc:sldLayoutChg chg="add del">
+          <pc:chgData name="He Ziang" userId="S::2020302111281@whu.edu.cn::a58d5542-13c5-42e9-acf6-e12cce9448c7" providerId="AD" clId="Web-{D48B8045-49F5-23A0-5F91-B418A956C8F0}" dt="2022-12-14T02:53:36.101" v="17"/>
+          <pc:sldLayoutMkLst>
+            <pc:docMk/>
+            <pc:sldMasterMk cId="1143113594" sldId="2147483685"/>
+            <pc:sldLayoutMk cId="1736536273" sldId="2147483675"/>
+          </pc:sldLayoutMkLst>
+        </pc:sldLayoutChg>
+        <pc:sldLayoutChg chg="add del">
+          <pc:chgData name="He Ziang" userId="S::2020302111281@whu.edu.cn::a58d5542-13c5-42e9-acf6-e12cce9448c7" providerId="AD" clId="Web-{D48B8045-49F5-23A0-5F91-B418A956C8F0}" dt="2022-12-14T02:53:36.101" v="17"/>
+          <pc:sldLayoutMkLst>
+            <pc:docMk/>
+            <pc:sldMasterMk cId="1143113594" sldId="2147483685"/>
+            <pc:sldLayoutMk cId="1330946820" sldId="2147483676"/>
+          </pc:sldLayoutMkLst>
+        </pc:sldLayoutChg>
+        <pc:sldLayoutChg chg="add del">
+          <pc:chgData name="He Ziang" userId="S::2020302111281@whu.edu.cn::a58d5542-13c5-42e9-acf6-e12cce9448c7" providerId="AD" clId="Web-{D48B8045-49F5-23A0-5F91-B418A956C8F0}" dt="2022-12-14T02:53:36.101" v="17"/>
+          <pc:sldLayoutMkLst>
+            <pc:docMk/>
+            <pc:sldMasterMk cId="1143113594" sldId="2147483685"/>
+            <pc:sldLayoutMk cId="1694728880" sldId="2147483677"/>
+          </pc:sldLayoutMkLst>
+        </pc:sldLayoutChg>
+        <pc:sldLayoutChg chg="add del">
+          <pc:chgData name="He Ziang" userId="S::2020302111281@whu.edu.cn::a58d5542-13c5-42e9-acf6-e12cce9448c7" providerId="AD" clId="Web-{D48B8045-49F5-23A0-5F91-B418A956C8F0}" dt="2022-12-14T02:53:36.101" v="17"/>
+          <pc:sldLayoutMkLst>
+            <pc:docMk/>
+            <pc:sldMasterMk cId="1143113594" sldId="2147483685"/>
+            <pc:sldLayoutMk cId="3391109384" sldId="2147483678"/>
+          </pc:sldLayoutMkLst>
+        </pc:sldLayoutChg>
+        <pc:sldLayoutChg chg="add del">
+          <pc:chgData name="He Ziang" userId="S::2020302111281@whu.edu.cn::a58d5542-13c5-42e9-acf6-e12cce9448c7" providerId="AD" clId="Web-{D48B8045-49F5-23A0-5F91-B418A956C8F0}" dt="2022-12-14T02:53:36.101" v="17"/>
+          <pc:sldLayoutMkLst>
+            <pc:docMk/>
+            <pc:sldMasterMk cId="1143113594" sldId="2147483685"/>
+            <pc:sldLayoutMk cId="1149386501" sldId="2147483679"/>
+          </pc:sldLayoutMkLst>
+        </pc:sldLayoutChg>
+        <pc:sldLayoutChg chg="add del">
+          <pc:chgData name="He Ziang" userId="S::2020302111281@whu.edu.cn::a58d5542-13c5-42e9-acf6-e12cce9448c7" providerId="AD" clId="Web-{D48B8045-49F5-23A0-5F91-B418A956C8F0}" dt="2022-12-14T02:53:36.101" v="17"/>
+          <pc:sldLayoutMkLst>
+            <pc:docMk/>
+            <pc:sldMasterMk cId="1143113594" sldId="2147483685"/>
+            <pc:sldLayoutMk cId="147081345" sldId="2147483680"/>
+          </pc:sldLayoutMkLst>
+        </pc:sldLayoutChg>
+        <pc:sldLayoutChg chg="add del">
+          <pc:chgData name="He Ziang" userId="S::2020302111281@whu.edu.cn::a58d5542-13c5-42e9-acf6-e12cce9448c7" providerId="AD" clId="Web-{D48B8045-49F5-23A0-5F91-B418A956C8F0}" dt="2022-12-14T02:53:36.101" v="17"/>
+          <pc:sldLayoutMkLst>
+            <pc:docMk/>
+            <pc:sldMasterMk cId="1143113594" sldId="2147483685"/>
+            <pc:sldLayoutMk cId="313704948" sldId="2147483681"/>
+          </pc:sldLayoutMkLst>
+        </pc:sldLayoutChg>
+        <pc:sldLayoutChg chg="add del">
+          <pc:chgData name="He Ziang" userId="S::2020302111281@whu.edu.cn::a58d5542-13c5-42e9-acf6-e12cce9448c7" providerId="AD" clId="Web-{D48B8045-49F5-23A0-5F91-B418A956C8F0}" dt="2022-12-14T02:53:36.101" v="17"/>
+          <pc:sldLayoutMkLst>
+            <pc:docMk/>
+            <pc:sldMasterMk cId="1143113594" sldId="2147483685"/>
+            <pc:sldLayoutMk cId="172158379" sldId="2147483682"/>
+          </pc:sldLayoutMkLst>
+        </pc:sldLayoutChg>
+        <pc:sldLayoutChg chg="add del">
+          <pc:chgData name="He Ziang" userId="S::2020302111281@whu.edu.cn::a58d5542-13c5-42e9-acf6-e12cce9448c7" providerId="AD" clId="Web-{D48B8045-49F5-23A0-5F91-B418A956C8F0}" dt="2022-12-14T02:53:36.101" v="17"/>
+          <pc:sldLayoutMkLst>
+            <pc:docMk/>
+            <pc:sldMasterMk cId="1143113594" sldId="2147483685"/>
+            <pc:sldLayoutMk cId="3478972694" sldId="2147483683"/>
+          </pc:sldLayoutMkLst>
+        </pc:sldLayoutChg>
+        <pc:sldLayoutChg chg="add del">
+          <pc:chgData name="He Ziang" userId="S::2020302111281@whu.edu.cn::a58d5542-13c5-42e9-acf6-e12cce9448c7" providerId="AD" clId="Web-{D48B8045-49F5-23A0-5F91-B418A956C8F0}" dt="2022-12-14T02:53:36.101" v="17"/>
+          <pc:sldLayoutMkLst>
+            <pc:docMk/>
+            <pc:sldMasterMk cId="1143113594" sldId="2147483685"/>
+            <pc:sldLayoutMk cId="1759187980" sldId="2147483684"/>
+          </pc:sldLayoutMkLst>
+        </pc:sldLayoutChg>
+      </pc:sldMasterChg>
+      <pc:sldMasterChg chg="add del addSldLayout delSldLayout">
+        <pc:chgData name="He Ziang" userId="S::2020302111281@whu.edu.cn::a58d5542-13c5-42e9-acf6-e12cce9448c7" providerId="AD" clId="Web-{D48B8045-49F5-23A0-5F91-B418A956C8F0}" dt="2022-12-14T02:53:36.179" v="18"/>
+        <pc:sldMasterMkLst>
+          <pc:docMk/>
+          <pc:sldMasterMk cId="816859060" sldId="2147483698"/>
+        </pc:sldMasterMkLst>
+        <pc:sldLayoutChg chg="add del">
+          <pc:chgData name="He Ziang" userId="S::2020302111281@whu.edu.cn::a58d5542-13c5-42e9-acf6-e12cce9448c7" providerId="AD" clId="Web-{D48B8045-49F5-23A0-5F91-B418A956C8F0}" dt="2022-12-14T02:53:36.179" v="18"/>
+          <pc:sldLayoutMkLst>
+            <pc:docMk/>
+            <pc:sldMasterMk cId="816859060" sldId="2147483698"/>
+            <pc:sldLayoutMk cId="110230253" sldId="2147483687"/>
+          </pc:sldLayoutMkLst>
+        </pc:sldLayoutChg>
+        <pc:sldLayoutChg chg="add del">
+          <pc:chgData name="He Ziang" userId="S::2020302111281@whu.edu.cn::a58d5542-13c5-42e9-acf6-e12cce9448c7" providerId="AD" clId="Web-{D48B8045-49F5-23A0-5F91-B418A956C8F0}" dt="2022-12-14T02:53:36.179" v="18"/>
+          <pc:sldLayoutMkLst>
+            <pc:docMk/>
+            <pc:sldMasterMk cId="816859060" sldId="2147483698"/>
+            <pc:sldLayoutMk cId="417432560" sldId="2147483688"/>
+          </pc:sldLayoutMkLst>
+        </pc:sldLayoutChg>
+        <pc:sldLayoutChg chg="add del">
+          <pc:chgData name="He Ziang" userId="S::2020302111281@whu.edu.cn::a58d5542-13c5-42e9-acf6-e12cce9448c7" providerId="AD" clId="Web-{D48B8045-49F5-23A0-5F91-B418A956C8F0}" dt="2022-12-14T02:53:36.179" v="18"/>
+          <pc:sldLayoutMkLst>
+            <pc:docMk/>
+            <pc:sldMasterMk cId="816859060" sldId="2147483698"/>
+            <pc:sldLayoutMk cId="3546956759" sldId="2147483689"/>
+          </pc:sldLayoutMkLst>
+        </pc:sldLayoutChg>
+        <pc:sldLayoutChg chg="add del">
+          <pc:chgData name="He Ziang" userId="S::2020302111281@whu.edu.cn::a58d5542-13c5-42e9-acf6-e12cce9448c7" providerId="AD" clId="Web-{D48B8045-49F5-23A0-5F91-B418A956C8F0}" dt="2022-12-14T02:53:36.179" v="18"/>
+          <pc:sldLayoutMkLst>
+            <pc:docMk/>
+            <pc:sldMasterMk cId="816859060" sldId="2147483698"/>
+            <pc:sldLayoutMk cId="244250604" sldId="2147483690"/>
+          </pc:sldLayoutMkLst>
+        </pc:sldLayoutChg>
+        <pc:sldLayoutChg chg="add del">
+          <pc:chgData name="He Ziang" userId="S::2020302111281@whu.edu.cn::a58d5542-13c5-42e9-acf6-e12cce9448c7" providerId="AD" clId="Web-{D48B8045-49F5-23A0-5F91-B418A956C8F0}" dt="2022-12-14T02:53:36.179" v="18"/>
+          <pc:sldLayoutMkLst>
+            <pc:docMk/>
+            <pc:sldMasterMk cId="816859060" sldId="2147483698"/>
+            <pc:sldLayoutMk cId="2716323893" sldId="2147483691"/>
+          </pc:sldLayoutMkLst>
+        </pc:sldLayoutChg>
+        <pc:sldLayoutChg chg="add del">
+          <pc:chgData name="He Ziang" userId="S::2020302111281@whu.edu.cn::a58d5542-13c5-42e9-acf6-e12cce9448c7" providerId="AD" clId="Web-{D48B8045-49F5-23A0-5F91-B418A956C8F0}" dt="2022-12-14T02:53:36.179" v="18"/>
+          <pc:sldLayoutMkLst>
+            <pc:docMk/>
+            <pc:sldMasterMk cId="816859060" sldId="2147483698"/>
+            <pc:sldLayoutMk cId="415613381" sldId="2147483692"/>
+          </pc:sldLayoutMkLst>
+        </pc:sldLayoutChg>
+        <pc:sldLayoutChg chg="add del">
+          <pc:chgData name="He Ziang" userId="S::2020302111281@whu.edu.cn::a58d5542-13c5-42e9-acf6-e12cce9448c7" providerId="AD" clId="Web-{D48B8045-49F5-23A0-5F91-B418A956C8F0}" dt="2022-12-14T02:53:36.179" v="18"/>
+          <pc:sldLayoutMkLst>
+            <pc:docMk/>
+            <pc:sldMasterMk cId="816859060" sldId="2147483698"/>
+            <pc:sldLayoutMk cId="64707594" sldId="2147483693"/>
+          </pc:sldLayoutMkLst>
+        </pc:sldLayoutChg>
+        <pc:sldLayoutChg chg="add del">
+          <pc:chgData name="He Ziang" userId="S::2020302111281@whu.edu.cn::a58d5542-13c5-42e9-acf6-e12cce9448c7" providerId="AD" clId="Web-{D48B8045-49F5-23A0-5F91-B418A956C8F0}" dt="2022-12-14T02:53:36.179" v="18"/>
+          <pc:sldLayoutMkLst>
+            <pc:docMk/>
+            <pc:sldMasterMk cId="816859060" sldId="2147483698"/>
+            <pc:sldLayoutMk cId="2342119162" sldId="2147483694"/>
+          </pc:sldLayoutMkLst>
+        </pc:sldLayoutChg>
+        <pc:sldLayoutChg chg="add del">
+          <pc:chgData name="He Ziang" userId="S::2020302111281@whu.edu.cn::a58d5542-13c5-42e9-acf6-e12cce9448c7" providerId="AD" clId="Web-{D48B8045-49F5-23A0-5F91-B418A956C8F0}" dt="2022-12-14T02:53:36.179" v="18"/>
+          <pc:sldLayoutMkLst>
+            <pc:docMk/>
+            <pc:sldMasterMk cId="816859060" sldId="2147483698"/>
+            <pc:sldLayoutMk cId="1664303621" sldId="2147483695"/>
+          </pc:sldLayoutMkLst>
+        </pc:sldLayoutChg>
+        <pc:sldLayoutChg chg="add del">
+          <pc:chgData name="He Ziang" userId="S::2020302111281@whu.edu.cn::a58d5542-13c5-42e9-acf6-e12cce9448c7" providerId="AD" clId="Web-{D48B8045-49F5-23A0-5F91-B418A956C8F0}" dt="2022-12-14T02:53:36.179" v="18"/>
+          <pc:sldLayoutMkLst>
+            <pc:docMk/>
+            <pc:sldMasterMk cId="816859060" sldId="2147483698"/>
+            <pc:sldLayoutMk cId="49616384" sldId="2147483696"/>
+          </pc:sldLayoutMkLst>
+        </pc:sldLayoutChg>
+        <pc:sldLayoutChg chg="add del">
+          <pc:chgData name="He Ziang" userId="S::2020302111281@whu.edu.cn::a58d5542-13c5-42e9-acf6-e12cce9448c7" providerId="AD" clId="Web-{D48B8045-49F5-23A0-5F91-B418A956C8F0}" dt="2022-12-14T02:53:36.179" v="18"/>
+          <pc:sldLayoutMkLst>
+            <pc:docMk/>
+            <pc:sldMasterMk cId="816859060" sldId="2147483698"/>
+            <pc:sldLayoutMk cId="2749202057" sldId="2147483697"/>
+          </pc:sldLayoutMkLst>
+        </pc:sldLayoutChg>
+      </pc:sldMasterChg>
+      <pc:sldMasterChg chg="add del addSldLayout delSldLayout">
+        <pc:chgData name="He Ziang" userId="S::2020302111281@whu.edu.cn::a58d5542-13c5-42e9-acf6-e12cce9448c7" providerId="AD" clId="Web-{D48B8045-49F5-23A0-5F91-B418A956C8F0}" dt="2022-12-14T02:53:31.679" v="13"/>
+        <pc:sldMasterMkLst>
+          <pc:docMk/>
+          <pc:sldMasterMk cId="1449146501" sldId="2147483737"/>
+        </pc:sldMasterMkLst>
+        <pc:sldLayoutChg chg="add del">
+          <pc:chgData name="He Ziang" userId="S::2020302111281@whu.edu.cn::a58d5542-13c5-42e9-acf6-e12cce9448c7" providerId="AD" clId="Web-{D48B8045-49F5-23A0-5F91-B418A956C8F0}" dt="2022-12-14T02:53:31.679" v="13"/>
+          <pc:sldLayoutMkLst>
+            <pc:docMk/>
+            <pc:sldMasterMk cId="1449146501" sldId="2147483737"/>
+            <pc:sldLayoutMk cId="3461257819" sldId="2147483726"/>
+          </pc:sldLayoutMkLst>
+        </pc:sldLayoutChg>
+        <pc:sldLayoutChg chg="add del">
+          <pc:chgData name="He Ziang" userId="S::2020302111281@whu.edu.cn::a58d5542-13c5-42e9-acf6-e12cce9448c7" providerId="AD" clId="Web-{D48B8045-49F5-23A0-5F91-B418A956C8F0}" dt="2022-12-14T02:53:31.679" v="13"/>
+          <pc:sldLayoutMkLst>
+            <pc:docMk/>
+            <pc:sldMasterMk cId="1449146501" sldId="2147483737"/>
+            <pc:sldLayoutMk cId="2925967039" sldId="2147483727"/>
+          </pc:sldLayoutMkLst>
+        </pc:sldLayoutChg>
+        <pc:sldLayoutChg chg="add del">
+          <pc:chgData name="He Ziang" userId="S::2020302111281@whu.edu.cn::a58d5542-13c5-42e9-acf6-e12cce9448c7" providerId="AD" clId="Web-{D48B8045-49F5-23A0-5F91-B418A956C8F0}" dt="2022-12-14T02:53:31.679" v="13"/>
+          <pc:sldLayoutMkLst>
+            <pc:docMk/>
+            <pc:sldMasterMk cId="1449146501" sldId="2147483737"/>
+            <pc:sldLayoutMk cId="3298357464" sldId="2147483728"/>
+          </pc:sldLayoutMkLst>
+        </pc:sldLayoutChg>
+        <pc:sldLayoutChg chg="add del">
+          <pc:chgData name="He Ziang" userId="S::2020302111281@whu.edu.cn::a58d5542-13c5-42e9-acf6-e12cce9448c7" providerId="AD" clId="Web-{D48B8045-49F5-23A0-5F91-B418A956C8F0}" dt="2022-12-14T02:53:31.679" v="13"/>
+          <pc:sldLayoutMkLst>
+            <pc:docMk/>
+            <pc:sldMasterMk cId="1449146501" sldId="2147483737"/>
+            <pc:sldLayoutMk cId="1970703451" sldId="2147483729"/>
+          </pc:sldLayoutMkLst>
+        </pc:sldLayoutChg>
+        <pc:sldLayoutChg chg="add del">
+          <pc:chgData name="He Ziang" userId="S::2020302111281@whu.edu.cn::a58d5542-13c5-42e9-acf6-e12cce9448c7" providerId="AD" clId="Web-{D48B8045-49F5-23A0-5F91-B418A956C8F0}" dt="2022-12-14T02:53:31.679" v="13"/>
+          <pc:sldLayoutMkLst>
+            <pc:docMk/>
+            <pc:sldMasterMk cId="1449146501" sldId="2147483737"/>
+            <pc:sldLayoutMk cId="3007086331" sldId="2147483730"/>
+          </pc:sldLayoutMkLst>
+        </pc:sldLayoutChg>
+        <pc:sldLayoutChg chg="add del">
+          <pc:chgData name="He Ziang" userId="S::2020302111281@whu.edu.cn::a58d5542-13c5-42e9-acf6-e12cce9448c7" providerId="AD" clId="Web-{D48B8045-49F5-23A0-5F91-B418A956C8F0}" dt="2022-12-14T02:53:31.679" v="13"/>
+          <pc:sldLayoutMkLst>
+            <pc:docMk/>
+            <pc:sldMasterMk cId="1449146501" sldId="2147483737"/>
+            <pc:sldLayoutMk cId="3779900905" sldId="2147483731"/>
+          </pc:sldLayoutMkLst>
+        </pc:sldLayoutChg>
+        <pc:sldLayoutChg chg="add del">
+          <pc:chgData name="He Ziang" userId="S::2020302111281@whu.edu.cn::a58d5542-13c5-42e9-acf6-e12cce9448c7" providerId="AD" clId="Web-{D48B8045-49F5-23A0-5F91-B418A956C8F0}" dt="2022-12-14T02:53:31.679" v="13"/>
+          <pc:sldLayoutMkLst>
+            <pc:docMk/>
+            <pc:sldMasterMk cId="1449146501" sldId="2147483737"/>
+            <pc:sldLayoutMk cId="1080633135" sldId="2147483732"/>
+          </pc:sldLayoutMkLst>
+        </pc:sldLayoutChg>
+        <pc:sldLayoutChg chg="add del">
+          <pc:chgData name="He Ziang" userId="S::2020302111281@whu.edu.cn::a58d5542-13c5-42e9-acf6-e12cce9448c7" providerId="AD" clId="Web-{D48B8045-49F5-23A0-5F91-B418A956C8F0}" dt="2022-12-14T02:53:31.679" v="13"/>
+          <pc:sldLayoutMkLst>
+            <pc:docMk/>
+            <pc:sldMasterMk cId="1449146501" sldId="2147483737"/>
+            <pc:sldLayoutMk cId="3141988047" sldId="2147483733"/>
+          </pc:sldLayoutMkLst>
+        </pc:sldLayoutChg>
+        <pc:sldLayoutChg chg="add del">
+          <pc:chgData name="He Ziang" userId="S::2020302111281@whu.edu.cn::a58d5542-13c5-42e9-acf6-e12cce9448c7" providerId="AD" clId="Web-{D48B8045-49F5-23A0-5F91-B418A956C8F0}" dt="2022-12-14T02:53:31.679" v="13"/>
+          <pc:sldLayoutMkLst>
+            <pc:docMk/>
+            <pc:sldMasterMk cId="1449146501" sldId="2147483737"/>
+            <pc:sldLayoutMk cId="3049129195" sldId="2147483734"/>
+          </pc:sldLayoutMkLst>
+        </pc:sldLayoutChg>
+        <pc:sldLayoutChg chg="add del">
+          <pc:chgData name="He Ziang" userId="S::2020302111281@whu.edu.cn::a58d5542-13c5-42e9-acf6-e12cce9448c7" providerId="AD" clId="Web-{D48B8045-49F5-23A0-5F91-B418A956C8F0}" dt="2022-12-14T02:53:31.679" v="13"/>
+          <pc:sldLayoutMkLst>
+            <pc:docMk/>
+            <pc:sldMasterMk cId="1449146501" sldId="2147483737"/>
+            <pc:sldLayoutMk cId="2247796884" sldId="2147483735"/>
+          </pc:sldLayoutMkLst>
+        </pc:sldLayoutChg>
+        <pc:sldLayoutChg chg="add del">
+          <pc:chgData name="He Ziang" userId="S::2020302111281@whu.edu.cn::a58d5542-13c5-42e9-acf6-e12cce9448c7" providerId="AD" clId="Web-{D48B8045-49F5-23A0-5F91-B418A956C8F0}" dt="2022-12-14T02:53:31.679" v="13"/>
+          <pc:sldLayoutMkLst>
+            <pc:docMk/>
+            <pc:sldMasterMk cId="1449146501" sldId="2147483737"/>
+            <pc:sldLayoutMk cId="319045023" sldId="2147483736"/>
+          </pc:sldLayoutMkLst>
+        </pc:sldLayoutChg>
+      </pc:sldMasterChg>
+    </pc:docChg>
+  </pc:docChgLst>
+  <pc:docChgLst>
     <pc:chgData name="He Ziang" userId="S::2020302111281@whu.edu.cn::a58d5542-13c5-42e9-acf6-e12cce9448c7" providerId="AD" clId="Web-{EEBEC020-6531-FAB0-403C-19F018A3C006}"/>
     <pc:docChg chg="modSld">
       <pc:chgData name="He Ziang" userId="S::2020302111281@whu.edu.cn::a58d5542-13c5-42e9-acf6-e12cce9448c7" providerId="AD" clId="Web-{EEBEC020-6531-FAB0-403C-19F018A3C006}" dt="2022-12-16T14:57:38.244" v="1" actId="1076"/>
@@ -3408,139 +3747,6 @@
             <ac:graphicFrameMk id="15" creationId="{3EE0AF88-06B6-C84A-EAC5-A4870534065C}"/>
           </ac:graphicFrameMkLst>
         </pc:graphicFrameChg>
-      </pc:sldChg>
-    </pc:docChg>
-  </pc:docChgLst>
-  <pc:docChgLst>
-    <pc:chgData name="He Ziang" userId="S::2020302111281@whu.edu.cn::a58d5542-13c5-42e9-acf6-e12cce9448c7" providerId="AD" clId="Web-{41078D95-012F-88B7-F55F-DB321163E8CB}"/>
-    <pc:docChg chg="addSld modSld">
-      <pc:chgData name="He Ziang" userId="S::2020302111281@whu.edu.cn::a58d5542-13c5-42e9-acf6-e12cce9448c7" providerId="AD" clId="Web-{41078D95-012F-88B7-F55F-DB321163E8CB}" dt="2022-12-16T15:04:58.249" v="79" actId="20577"/>
-      <pc:docMkLst>
-        <pc:docMk/>
-      </pc:docMkLst>
-      <pc:sldChg chg="addSp delSp modSp">
-        <pc:chgData name="He Ziang" userId="S::2020302111281@whu.edu.cn::a58d5542-13c5-42e9-acf6-e12cce9448c7" providerId="AD" clId="Web-{41078D95-012F-88B7-F55F-DB321163E8CB}" dt="2022-12-16T14:59:02.997" v="11"/>
-        <pc:sldMkLst>
-          <pc:docMk/>
-          <pc:sldMk cId="4118737758" sldId="282"/>
-        </pc:sldMkLst>
-        <pc:spChg chg="add del mod">
-          <ac:chgData name="He Ziang" userId="S::2020302111281@whu.edu.cn::a58d5542-13c5-42e9-acf6-e12cce9448c7" providerId="AD" clId="Web-{41078D95-012F-88B7-F55F-DB321163E8CB}" dt="2022-12-16T14:58:53.341" v="9"/>
-          <ac:spMkLst>
-            <pc:docMk/>
-            <pc:sldMk cId="4118737758" sldId="282"/>
-            <ac:spMk id="20" creationId="{C3165C16-C622-0C64-53BC-9681734C6B7D}"/>
-          </ac:spMkLst>
-        </pc:spChg>
-        <pc:graphicFrameChg chg="add del mod modGraphic">
-          <ac:chgData name="He Ziang" userId="S::2020302111281@whu.edu.cn::a58d5542-13c5-42e9-acf6-e12cce9448c7" providerId="AD" clId="Web-{41078D95-012F-88B7-F55F-DB321163E8CB}" dt="2022-12-16T14:59:02.997" v="11"/>
-          <ac:graphicFrameMkLst>
-            <pc:docMk/>
-            <pc:sldMk cId="4118737758" sldId="282"/>
-            <ac:graphicFrameMk id="15" creationId="{3EE0AF88-06B6-C84A-EAC5-A4870534065C}"/>
-          </ac:graphicFrameMkLst>
-        </pc:graphicFrameChg>
-      </pc:sldChg>
-      <pc:sldChg chg="addSp delSp modSp new">
-        <pc:chgData name="He Ziang" userId="S::2020302111281@whu.edu.cn::a58d5542-13c5-42e9-acf6-e12cce9448c7" providerId="AD" clId="Web-{41078D95-012F-88B7-F55F-DB321163E8CB}" dt="2022-12-16T15:00:27.506" v="19" actId="1076"/>
-        <pc:sldMkLst>
-          <pc:docMk/>
-          <pc:sldMk cId="1863002546" sldId="283"/>
-        </pc:sldMkLst>
-        <pc:spChg chg="mod">
-          <ac:chgData name="He Ziang" userId="S::2020302111281@whu.edu.cn::a58d5542-13c5-42e9-acf6-e12cce9448c7" providerId="AD" clId="Web-{41078D95-012F-88B7-F55F-DB321163E8CB}" dt="2022-12-16T14:59:24.576" v="13" actId="20577"/>
-          <ac:spMkLst>
-            <pc:docMk/>
-            <pc:sldMk cId="1863002546" sldId="283"/>
-            <ac:spMk id="2" creationId="{40C94D9A-AD56-8B29-7DAA-E9C992B3F9C0}"/>
-          </ac:spMkLst>
-        </pc:spChg>
-        <pc:spChg chg="del">
-          <ac:chgData name="He Ziang" userId="S::2020302111281@whu.edu.cn::a58d5542-13c5-42e9-acf6-e12cce9448c7" providerId="AD" clId="Web-{41078D95-012F-88B7-F55F-DB321163E8CB}" dt="2022-12-16T14:59:40.295" v="14"/>
-          <ac:spMkLst>
-            <pc:docMk/>
-            <pc:sldMk cId="1863002546" sldId="283"/>
-            <ac:spMk id="3" creationId="{DEEA76EF-0620-81E8-E9D9-9ED05E0EF585}"/>
-          </ac:spMkLst>
-        </pc:spChg>
-        <pc:picChg chg="add mod ord">
-          <ac:chgData name="He Ziang" userId="S::2020302111281@whu.edu.cn::a58d5542-13c5-42e9-acf6-e12cce9448c7" providerId="AD" clId="Web-{41078D95-012F-88B7-F55F-DB321163E8CB}" dt="2022-12-16T15:00:27.506" v="19" actId="1076"/>
-          <ac:picMkLst>
-            <pc:docMk/>
-            <pc:sldMk cId="1863002546" sldId="283"/>
-            <ac:picMk id="4" creationId="{1A5D8954-2967-75EE-4865-B899DF0E7D08}"/>
-          </ac:picMkLst>
-        </pc:picChg>
-      </pc:sldChg>
-      <pc:sldChg chg="addSp delSp modSp new mod setBg">
-        <pc:chgData name="He Ziang" userId="S::2020302111281@whu.edu.cn::a58d5542-13c5-42e9-acf6-e12cce9448c7" providerId="AD" clId="Web-{41078D95-012F-88B7-F55F-DB321163E8CB}" dt="2022-12-16T15:04:40.561" v="72"/>
-        <pc:sldMkLst>
-          <pc:docMk/>
-          <pc:sldMk cId="3159487188" sldId="284"/>
-        </pc:sldMkLst>
-        <pc:spChg chg="mod">
-          <ac:chgData name="He Ziang" userId="S::2020302111281@whu.edu.cn::a58d5542-13c5-42e9-acf6-e12cce9448c7" providerId="AD" clId="Web-{41078D95-012F-88B7-F55F-DB321163E8CB}" dt="2022-12-16T15:04:40.529" v="71"/>
-          <ac:spMkLst>
-            <pc:docMk/>
-            <pc:sldMk cId="3159487188" sldId="284"/>
-            <ac:spMk id="2" creationId="{E555098D-1E36-31E2-B7F5-01CEA86F4BC7}"/>
-          </ac:spMkLst>
-        </pc:spChg>
-        <pc:spChg chg="add del mod">
-          <ac:chgData name="He Ziang" userId="S::2020302111281@whu.edu.cn::a58d5542-13c5-42e9-acf6-e12cce9448c7" providerId="AD" clId="Web-{41078D95-012F-88B7-F55F-DB321163E8CB}" dt="2022-12-16T15:04:40.561" v="72"/>
-          <ac:spMkLst>
-            <pc:docMk/>
-            <pc:sldMk cId="3159487188" sldId="284"/>
-            <ac:spMk id="3" creationId="{734D6DAA-90B8-C225-C14D-9BD2BBF48FBF}"/>
-          </ac:spMkLst>
-        </pc:spChg>
-        <pc:spChg chg="add del">
-          <ac:chgData name="He Ziang" userId="S::2020302111281@whu.edu.cn::a58d5542-13c5-42e9-acf6-e12cce9448c7" providerId="AD" clId="Web-{41078D95-012F-88B7-F55F-DB321163E8CB}" dt="2022-12-16T15:04:40.529" v="71"/>
-          <ac:spMkLst>
-            <pc:docMk/>
-            <pc:sldMk cId="3159487188" sldId="284"/>
-            <ac:spMk id="9" creationId="{CAA6A2E0-18A1-4B22-8F61-5E162B67421A}"/>
-          </ac:spMkLst>
-        </pc:spChg>
-        <pc:graphicFrameChg chg="add del">
-          <ac:chgData name="He Ziang" userId="S::2020302111281@whu.edu.cn::a58d5542-13c5-42e9-acf6-e12cce9448c7" providerId="AD" clId="Web-{41078D95-012F-88B7-F55F-DB321163E8CB}" dt="2022-12-16T15:04:40.529" v="71"/>
-          <ac:graphicFrameMkLst>
-            <pc:docMk/>
-            <pc:sldMk cId="3159487188" sldId="284"/>
-            <ac:graphicFrameMk id="5" creationId="{73D353E4-392F-BBE4-DEBA-4122907442D8}"/>
-          </ac:graphicFrameMkLst>
-        </pc:graphicFrameChg>
-        <pc:graphicFrameChg chg="add">
-          <ac:chgData name="He Ziang" userId="S::2020302111281@whu.edu.cn::a58d5542-13c5-42e9-acf6-e12cce9448c7" providerId="AD" clId="Web-{41078D95-012F-88B7-F55F-DB321163E8CB}" dt="2022-12-16T15:04:40.561" v="72"/>
-          <ac:graphicFrameMkLst>
-            <pc:docMk/>
-            <pc:sldMk cId="3159487188" sldId="284"/>
-            <ac:graphicFrameMk id="13" creationId="{D59F7DC7-5B12-51C4-9958-0F0CB05CEB68}"/>
-          </ac:graphicFrameMkLst>
-        </pc:graphicFrameChg>
-        <pc:cxnChg chg="add del">
-          <ac:chgData name="He Ziang" userId="S::2020302111281@whu.edu.cn::a58d5542-13c5-42e9-acf6-e12cce9448c7" providerId="AD" clId="Web-{41078D95-012F-88B7-F55F-DB321163E8CB}" dt="2022-12-16T15:04:40.529" v="71"/>
-          <ac:cxnSpMkLst>
-            <pc:docMk/>
-            <pc:sldMk cId="3159487188" sldId="284"/>
-            <ac:cxnSpMk id="11" creationId="{8F5909CB-6CD3-45DF-9920-8D81824854A2}"/>
-          </ac:cxnSpMkLst>
-        </pc:cxnChg>
-      </pc:sldChg>
-      <pc:sldChg chg="modSp new">
-        <pc:chgData name="He Ziang" userId="S::2020302111281@whu.edu.cn::a58d5542-13c5-42e9-acf6-e12cce9448c7" providerId="AD" clId="Web-{41078D95-012F-88B7-F55F-DB321163E8CB}" dt="2022-12-16T15:04:58.249" v="79" actId="20577"/>
-        <pc:sldMkLst>
-          <pc:docMk/>
-          <pc:sldMk cId="3501906796" sldId="285"/>
-        </pc:sldMkLst>
-        <pc:spChg chg="mod">
-          <ac:chgData name="He Ziang" userId="S::2020302111281@whu.edu.cn::a58d5542-13c5-42e9-acf6-e12cce9448c7" providerId="AD" clId="Web-{41078D95-012F-88B7-F55F-DB321163E8CB}" dt="2022-12-16T15:04:58.249" v="79" actId="20577"/>
-          <ac:spMkLst>
-            <pc:docMk/>
-            <pc:sldMk cId="3501906796" sldId="285"/>
-            <ac:spMk id="2" creationId="{E5920512-79D5-3C37-46B0-621F8201E328}"/>
-          </ac:spMkLst>
-        </pc:spChg>
       </pc:sldChg>
     </pc:docChg>
   </pc:docChgLst>
@@ -6235,7 +6441,7 @@
   <dgm:whole/>
   <dgm:extLst>
     <a:ext uri="http://schemas.microsoft.com/office/drawing/2008/diagram">
-      <dsp:dataModelExt xmlns:dsp="http://schemas.microsoft.com/office/drawing/2008/diagram" relId="rId6" minVer="http://schemas.openxmlformats.org/drawingml/2006/diagram"/>
+      <dsp:dataModelExt xmlns:dsp="http://schemas.microsoft.com/office/drawing/2008/diagram" relId="rId7" minVer="http://schemas.openxmlformats.org/drawingml/2006/diagram"/>
     </a:ext>
   </dgm:extLst>
 </dgm:dataModel>
@@ -6847,7 +7053,7 @@
   <dgm:whole/>
   <dgm:extLst>
     <a:ext uri="http://schemas.microsoft.com/office/drawing/2008/diagram">
-      <dsp:dataModelExt xmlns:dsp="http://schemas.microsoft.com/office/drawing/2008/diagram" relId="rId6" minVer="http://schemas.openxmlformats.org/drawingml/2006/diagram"/>
+      <dsp:dataModelExt xmlns:dsp="http://schemas.microsoft.com/office/drawing/2008/diagram" relId="rId7" minVer="http://schemas.openxmlformats.org/drawingml/2006/diagram"/>
     </a:ext>
   </dgm:extLst>
 </dgm:dataModel>
@@ -12050,6 +12256,1678 @@
 </dgm:styleDef>
 </file>
 
+<file path=ppt/notesMasters/notesMaster1.xml><?xml version="1.0" encoding="utf-8"?>
+<p:notesMaster xmlns:a="http://schemas.openxmlformats.org/drawingml/2006/main" xmlns:r="http://schemas.openxmlformats.org/officeDocument/2006/relationships" xmlns:p="http://schemas.openxmlformats.org/presentationml/2006/main">
+  <p:cSld>
+    <p:bg>
+      <p:bgRef idx="1001">
+        <a:schemeClr val="bg1"/>
+      </p:bgRef>
+    </p:bg>
+    <p:spTree>
+      <p:nvGrpSpPr>
+        <p:cNvPr id="1" name=""/>
+        <p:cNvGrpSpPr/>
+        <p:nvPr/>
+      </p:nvGrpSpPr>
+      <p:grpSpPr>
+        <a:xfrm>
+          <a:off x="0" y="0"/>
+          <a:ext cx="0" cy="0"/>
+          <a:chOff x="0" y="0"/>
+          <a:chExt cx="0" cy="0"/>
+        </a:xfrm>
+      </p:grpSpPr>
+      <p:sp>
+        <p:nvSpPr>
+          <p:cNvPr id="2" name="页眉占位符 1"/>
+          <p:cNvSpPr>
+            <a:spLocks noGrp="1"/>
+          </p:cNvSpPr>
+          <p:nvPr>
+            <p:ph type="hdr" sz="quarter"/>
+          </p:nvPr>
+        </p:nvSpPr>
+        <p:spPr>
+          <a:xfrm>
+            <a:off x="0" y="0"/>
+            <a:ext cx="2971800" cy="458788"/>
+          </a:xfrm>
+          <a:prstGeom prst="rect">
+            <a:avLst/>
+          </a:prstGeom>
+        </p:spPr>
+        <p:txBody>
+          <a:bodyPr vert="horz" lIns="91440" tIns="45720" rIns="91440" bIns="45720" rtlCol="0"/>
+          <a:lstStyle>
+            <a:lvl1pPr algn="l">
+              <a:defRPr sz="1200"/>
+            </a:lvl1pPr>
+          </a:lstStyle>
+          <a:p>
+            <a:endParaRPr lang="zh-CN" altLang="en-US"/>
+          </a:p>
+        </p:txBody>
+      </p:sp>
+      <p:sp>
+        <p:nvSpPr>
+          <p:cNvPr id="3" name="日期占位符 2"/>
+          <p:cNvSpPr>
+            <a:spLocks noGrp="1"/>
+          </p:cNvSpPr>
+          <p:nvPr>
+            <p:ph type="dt" idx="1"/>
+          </p:nvPr>
+        </p:nvSpPr>
+        <p:spPr>
+          <a:xfrm>
+            <a:off x="3884613" y="0"/>
+            <a:ext cx="2971800" cy="458788"/>
+          </a:xfrm>
+          <a:prstGeom prst="rect">
+            <a:avLst/>
+          </a:prstGeom>
+        </p:spPr>
+        <p:txBody>
+          <a:bodyPr vert="horz" lIns="91440" tIns="45720" rIns="91440" bIns="45720" rtlCol="0"/>
+          <a:lstStyle>
+            <a:lvl1pPr algn="r">
+              <a:defRPr sz="1200"/>
+            </a:lvl1pPr>
+          </a:lstStyle>
+          <a:p>
+            <a:fld id="{96E17E11-E747-485C-91F1-B494A6ADF6A2}" type="datetimeFigureOut">
+              <a:rPr lang="zh-CN" altLang="en-US" smtClean="0"/>
+              <a:t>2022/12/18</a:t>
+            </a:fld>
+            <a:endParaRPr lang="zh-CN" altLang="en-US"/>
+          </a:p>
+        </p:txBody>
+      </p:sp>
+      <p:sp>
+        <p:nvSpPr>
+          <p:cNvPr id="4" name="幻灯片图像占位符 3"/>
+          <p:cNvSpPr>
+            <a:spLocks noGrp="1" noRot="1" noChangeAspect="1"/>
+          </p:cNvSpPr>
+          <p:nvPr>
+            <p:ph type="sldImg" idx="2"/>
+          </p:nvPr>
+        </p:nvSpPr>
+        <p:spPr>
+          <a:xfrm>
+            <a:off x="685800" y="1143000"/>
+            <a:ext cx="5486400" cy="3086100"/>
+          </a:xfrm>
+          <a:prstGeom prst="rect">
+            <a:avLst/>
+          </a:prstGeom>
+          <a:noFill/>
+          <a:ln w="12700">
+            <a:solidFill>
+              <a:prstClr val="black"/>
+            </a:solidFill>
+          </a:ln>
+        </p:spPr>
+        <p:txBody>
+          <a:bodyPr vert="horz" lIns="91440" tIns="45720" rIns="91440" bIns="45720" rtlCol="0" anchor="ctr"/>
+          <a:lstStyle/>
+          <a:p>
+            <a:endParaRPr lang="zh-CN" altLang="en-US"/>
+          </a:p>
+        </p:txBody>
+      </p:sp>
+      <p:sp>
+        <p:nvSpPr>
+          <p:cNvPr id="5" name="备注占位符 4"/>
+          <p:cNvSpPr>
+            <a:spLocks noGrp="1"/>
+          </p:cNvSpPr>
+          <p:nvPr>
+            <p:ph type="body" sz="quarter" idx="3"/>
+          </p:nvPr>
+        </p:nvSpPr>
+        <p:spPr>
+          <a:xfrm>
+            <a:off x="685800" y="4400550"/>
+            <a:ext cx="5486400" cy="3600450"/>
+          </a:xfrm>
+          <a:prstGeom prst="rect">
+            <a:avLst/>
+          </a:prstGeom>
+        </p:spPr>
+        <p:txBody>
+          <a:bodyPr vert="horz" lIns="91440" tIns="45720" rIns="91440" bIns="45720" rtlCol="0"/>
+          <a:lstStyle/>
+          <a:p>
+            <a:pPr lvl="0"/>
+            <a:r>
+              <a:rPr lang="zh-CN" altLang="en-US"/>
+              <a:t>单击此处编辑母版文本样式</a:t>
+            </a:r>
+          </a:p>
+          <a:p>
+            <a:pPr lvl="1"/>
+            <a:r>
+              <a:rPr lang="zh-CN" altLang="en-US"/>
+              <a:t>二级</a:t>
+            </a:r>
+          </a:p>
+          <a:p>
+            <a:pPr lvl="2"/>
+            <a:r>
+              <a:rPr lang="zh-CN" altLang="en-US"/>
+              <a:t>三级</a:t>
+            </a:r>
+          </a:p>
+          <a:p>
+            <a:pPr lvl="3"/>
+            <a:r>
+              <a:rPr lang="zh-CN" altLang="en-US"/>
+              <a:t>四级</a:t>
+            </a:r>
+          </a:p>
+          <a:p>
+            <a:pPr lvl="4"/>
+            <a:r>
+              <a:rPr lang="zh-CN" altLang="en-US"/>
+              <a:t>五级</a:t>
+            </a:r>
+          </a:p>
+        </p:txBody>
+      </p:sp>
+      <p:sp>
+        <p:nvSpPr>
+          <p:cNvPr id="6" name="页脚占位符 5"/>
+          <p:cNvSpPr>
+            <a:spLocks noGrp="1"/>
+          </p:cNvSpPr>
+          <p:nvPr>
+            <p:ph type="ftr" sz="quarter" idx="4"/>
+          </p:nvPr>
+        </p:nvSpPr>
+        <p:spPr>
+          <a:xfrm>
+            <a:off x="0" y="8685213"/>
+            <a:ext cx="2971800" cy="458787"/>
+          </a:xfrm>
+          <a:prstGeom prst="rect">
+            <a:avLst/>
+          </a:prstGeom>
+        </p:spPr>
+        <p:txBody>
+          <a:bodyPr vert="horz" lIns="91440" tIns="45720" rIns="91440" bIns="45720" rtlCol="0" anchor="b"/>
+          <a:lstStyle>
+            <a:lvl1pPr algn="l">
+              <a:defRPr sz="1200"/>
+            </a:lvl1pPr>
+          </a:lstStyle>
+          <a:p>
+            <a:endParaRPr lang="zh-CN" altLang="en-US"/>
+          </a:p>
+        </p:txBody>
+      </p:sp>
+      <p:sp>
+        <p:nvSpPr>
+          <p:cNvPr id="7" name="灯片编号占位符 6"/>
+          <p:cNvSpPr>
+            <a:spLocks noGrp="1"/>
+          </p:cNvSpPr>
+          <p:nvPr>
+            <p:ph type="sldNum" sz="quarter" idx="5"/>
+          </p:nvPr>
+        </p:nvSpPr>
+        <p:spPr>
+          <a:xfrm>
+            <a:off x="3884613" y="8685213"/>
+            <a:ext cx="2971800" cy="458787"/>
+          </a:xfrm>
+          <a:prstGeom prst="rect">
+            <a:avLst/>
+          </a:prstGeom>
+        </p:spPr>
+        <p:txBody>
+          <a:bodyPr vert="horz" lIns="91440" tIns="45720" rIns="91440" bIns="45720" rtlCol="0" anchor="b"/>
+          <a:lstStyle>
+            <a:lvl1pPr algn="r">
+              <a:defRPr sz="1200"/>
+            </a:lvl1pPr>
+          </a:lstStyle>
+          <a:p>
+            <a:fld id="{156915C4-B14C-4B17-84BC-20259BAD4A2F}" type="slidenum">
+              <a:rPr lang="zh-CN" altLang="en-US" smtClean="0"/>
+              <a:t>‹#›</a:t>
+            </a:fld>
+            <a:endParaRPr lang="zh-CN" altLang="en-US"/>
+          </a:p>
+        </p:txBody>
+      </p:sp>
+    </p:spTree>
+    <p:extLst>
+      <p:ext uri="{BB962C8B-B14F-4D97-AF65-F5344CB8AC3E}">
+        <p14:creationId xmlns:p14="http://schemas.microsoft.com/office/powerpoint/2010/main" val="2165062745"/>
+      </p:ext>
+    </p:extLst>
+  </p:cSld>
+  <p:clrMap bg1="lt1" tx1="dk1" bg2="lt2" tx2="dk2" accent1="accent1" accent2="accent2" accent3="accent3" accent4="accent4" accent5="accent5" accent6="accent6" hlink="hlink" folHlink="folHlink"/>
+  <p:notesStyle>
+    <a:lvl1pPr marL="0" algn="l" defTabSz="914400" rtl="0" eaLnBrk="1" latinLnBrk="0" hangingPunct="1">
+      <a:defRPr sz="1200" kern="1200">
+        <a:solidFill>
+          <a:schemeClr val="tx1"/>
+        </a:solidFill>
+        <a:latin typeface="+mn-lt"/>
+        <a:ea typeface="+mn-ea"/>
+        <a:cs typeface="+mn-cs"/>
+      </a:defRPr>
+    </a:lvl1pPr>
+    <a:lvl2pPr marL="457200" algn="l" defTabSz="914400" rtl="0" eaLnBrk="1" latinLnBrk="0" hangingPunct="1">
+      <a:defRPr sz="1200" kern="1200">
+        <a:solidFill>
+          <a:schemeClr val="tx1"/>
+        </a:solidFill>
+        <a:latin typeface="+mn-lt"/>
+        <a:ea typeface="+mn-ea"/>
+        <a:cs typeface="+mn-cs"/>
+      </a:defRPr>
+    </a:lvl2pPr>
+    <a:lvl3pPr marL="914400" algn="l" defTabSz="914400" rtl="0" eaLnBrk="1" latinLnBrk="0" hangingPunct="1">
+      <a:defRPr sz="1200" kern="1200">
+        <a:solidFill>
+          <a:schemeClr val="tx1"/>
+        </a:solidFill>
+        <a:latin typeface="+mn-lt"/>
+        <a:ea typeface="+mn-ea"/>
+        <a:cs typeface="+mn-cs"/>
+      </a:defRPr>
+    </a:lvl3pPr>
+    <a:lvl4pPr marL="1371600" algn="l" defTabSz="914400" rtl="0" eaLnBrk="1" latinLnBrk="0" hangingPunct="1">
+      <a:defRPr sz="1200" kern="1200">
+        <a:solidFill>
+          <a:schemeClr val="tx1"/>
+        </a:solidFill>
+        <a:latin typeface="+mn-lt"/>
+        <a:ea typeface="+mn-ea"/>
+        <a:cs typeface="+mn-cs"/>
+      </a:defRPr>
+    </a:lvl4pPr>
+    <a:lvl5pPr marL="1828800" algn="l" defTabSz="914400" rtl="0" eaLnBrk="1" latinLnBrk="0" hangingPunct="1">
+      <a:defRPr sz="1200" kern="1200">
+        <a:solidFill>
+          <a:schemeClr val="tx1"/>
+        </a:solidFill>
+        <a:latin typeface="+mn-lt"/>
+        <a:ea typeface="+mn-ea"/>
+        <a:cs typeface="+mn-cs"/>
+      </a:defRPr>
+    </a:lvl5pPr>
+    <a:lvl6pPr marL="2286000" algn="l" defTabSz="914400" rtl="0" eaLnBrk="1" latinLnBrk="0" hangingPunct="1">
+      <a:defRPr sz="1200" kern="1200">
+        <a:solidFill>
+          <a:schemeClr val="tx1"/>
+        </a:solidFill>
+        <a:latin typeface="+mn-lt"/>
+        <a:ea typeface="+mn-ea"/>
+        <a:cs typeface="+mn-cs"/>
+      </a:defRPr>
+    </a:lvl6pPr>
+    <a:lvl7pPr marL="2743200" algn="l" defTabSz="914400" rtl="0" eaLnBrk="1" latinLnBrk="0" hangingPunct="1">
+      <a:defRPr sz="1200" kern="1200">
+        <a:solidFill>
+          <a:schemeClr val="tx1"/>
+        </a:solidFill>
+        <a:latin typeface="+mn-lt"/>
+        <a:ea typeface="+mn-ea"/>
+        <a:cs typeface="+mn-cs"/>
+      </a:defRPr>
+    </a:lvl7pPr>
+    <a:lvl8pPr marL="3200400" algn="l" defTabSz="914400" rtl="0" eaLnBrk="1" latinLnBrk="0" hangingPunct="1">
+      <a:defRPr sz="1200" kern="1200">
+        <a:solidFill>
+          <a:schemeClr val="tx1"/>
+        </a:solidFill>
+        <a:latin typeface="+mn-lt"/>
+        <a:ea typeface="+mn-ea"/>
+        <a:cs typeface="+mn-cs"/>
+      </a:defRPr>
+    </a:lvl8pPr>
+    <a:lvl9pPr marL="3657600" algn="l" defTabSz="914400" rtl="0" eaLnBrk="1" latinLnBrk="0" hangingPunct="1">
+      <a:defRPr sz="1200" kern="1200">
+        <a:solidFill>
+          <a:schemeClr val="tx1"/>
+        </a:solidFill>
+        <a:latin typeface="+mn-lt"/>
+        <a:ea typeface="+mn-ea"/>
+        <a:cs typeface="+mn-cs"/>
+      </a:defRPr>
+    </a:lvl9pPr>
+  </p:notesStyle>
+</p:notesMaster>
+</file>
+
+<file path=ppt/notesSlides/notesSlide1.xml><?xml version="1.0" encoding="utf-8"?>
+<p:notes xmlns:a="http://schemas.openxmlformats.org/drawingml/2006/main" xmlns:r="http://schemas.openxmlformats.org/officeDocument/2006/relationships" xmlns:p="http://schemas.openxmlformats.org/presentationml/2006/main">
+  <p:cSld>
+    <p:spTree>
+      <p:nvGrpSpPr>
+        <p:cNvPr id="1" name=""/>
+        <p:cNvGrpSpPr/>
+        <p:nvPr/>
+      </p:nvGrpSpPr>
+      <p:grpSpPr>
+        <a:xfrm>
+          <a:off x="0" y="0"/>
+          <a:ext cx="0" cy="0"/>
+          <a:chOff x="0" y="0"/>
+          <a:chExt cx="0" cy="0"/>
+        </a:xfrm>
+      </p:grpSpPr>
+      <p:sp>
+        <p:nvSpPr>
+          <p:cNvPr id="2" name="幻灯片图像占位符 1"/>
+          <p:cNvSpPr>
+            <a:spLocks noGrp="1" noRot="1" noChangeAspect="1"/>
+          </p:cNvSpPr>
+          <p:nvPr>
+            <p:ph type="sldImg"/>
+          </p:nvPr>
+        </p:nvSpPr>
+        <p:spPr/>
+      </p:sp>
+      <p:sp>
+        <p:nvSpPr>
+          <p:cNvPr id="3" name="备注占位符 2"/>
+          <p:cNvSpPr>
+            <a:spLocks noGrp="1"/>
+          </p:cNvSpPr>
+          <p:nvPr>
+            <p:ph type="body" idx="1"/>
+          </p:nvPr>
+        </p:nvSpPr>
+        <p:spPr/>
+        <p:txBody>
+          <a:bodyPr/>
+          <a:lstStyle/>
+          <a:p>
+            <a:r>
+              <a:rPr lang="en-US" altLang="zh-CN" dirty="0"/>
+              <a:t>Watermark is usually used to identify the source of some image or claim the copyright of it. In this essay, we are talking about the blind watermark.</a:t>
+            </a:r>
+            <a:endParaRPr lang="zh-CN" altLang="en-US" dirty="0"/>
+          </a:p>
+        </p:txBody>
+      </p:sp>
+      <p:sp>
+        <p:nvSpPr>
+          <p:cNvPr id="4" name="灯片编号占位符 3"/>
+          <p:cNvSpPr>
+            <a:spLocks noGrp="1"/>
+          </p:cNvSpPr>
+          <p:nvPr>
+            <p:ph type="sldNum" sz="quarter" idx="5"/>
+          </p:nvPr>
+        </p:nvSpPr>
+        <p:spPr/>
+        <p:txBody>
+          <a:bodyPr/>
+          <a:lstStyle/>
+          <a:p>
+            <a:fld id="{156915C4-B14C-4B17-84BC-20259BAD4A2F}" type="slidenum">
+              <a:rPr lang="zh-CN" altLang="en-US" smtClean="0"/>
+              <a:t>2</a:t>
+            </a:fld>
+            <a:endParaRPr lang="zh-CN" altLang="en-US"/>
+          </a:p>
+        </p:txBody>
+      </p:sp>
+    </p:spTree>
+    <p:extLst>
+      <p:ext uri="{BB962C8B-B14F-4D97-AF65-F5344CB8AC3E}">
+        <p14:creationId xmlns:p14="http://schemas.microsoft.com/office/powerpoint/2010/main" val="1605560966"/>
+      </p:ext>
+    </p:extLst>
+  </p:cSld>
+  <p:clrMapOvr>
+    <a:masterClrMapping/>
+  </p:clrMapOvr>
+</p:notes>
+</file>
+
+<file path=ppt/notesSlides/notesSlide10.xml><?xml version="1.0" encoding="utf-8"?>
+<p:notes xmlns:a="http://schemas.openxmlformats.org/drawingml/2006/main" xmlns:r="http://schemas.openxmlformats.org/officeDocument/2006/relationships" xmlns:p="http://schemas.openxmlformats.org/presentationml/2006/main">
+  <p:cSld>
+    <p:spTree>
+      <p:nvGrpSpPr>
+        <p:cNvPr id="1" name=""/>
+        <p:cNvGrpSpPr/>
+        <p:nvPr/>
+      </p:nvGrpSpPr>
+      <p:grpSpPr>
+        <a:xfrm>
+          <a:off x="0" y="0"/>
+          <a:ext cx="0" cy="0"/>
+          <a:chOff x="0" y="0"/>
+          <a:chExt cx="0" cy="0"/>
+        </a:xfrm>
+      </p:grpSpPr>
+      <p:sp>
+        <p:nvSpPr>
+          <p:cNvPr id="2" name="幻灯片图像占位符 1"/>
+          <p:cNvSpPr>
+            <a:spLocks noGrp="1" noRot="1" noChangeAspect="1"/>
+          </p:cNvSpPr>
+          <p:nvPr>
+            <p:ph type="sldImg"/>
+          </p:nvPr>
+        </p:nvSpPr>
+        <p:spPr/>
+      </p:sp>
+      <p:sp>
+        <p:nvSpPr>
+          <p:cNvPr id="3" name="备注占位符 2"/>
+          <p:cNvSpPr>
+            <a:spLocks noGrp="1"/>
+          </p:cNvSpPr>
+          <p:nvPr>
+            <p:ph type="body" idx="1"/>
+          </p:nvPr>
+        </p:nvSpPr>
+        <p:spPr/>
+        <p:txBody>
+          <a:bodyPr/>
+          <a:lstStyle/>
+          <a:p>
+            <a:r>
+              <a:rPr lang="en-US" altLang="zh-CN" dirty="0"/>
+              <a:t> This maintains that all the marked coefficients are recovered and dequantized after being attacked.</a:t>
+            </a:r>
+          </a:p>
+          <a:p>
+            <a:endParaRPr lang="zh-CN" altLang="en-US" dirty="0"/>
+          </a:p>
+        </p:txBody>
+      </p:sp>
+      <p:sp>
+        <p:nvSpPr>
+          <p:cNvPr id="4" name="灯片编号占位符 3"/>
+          <p:cNvSpPr>
+            <a:spLocks noGrp="1"/>
+          </p:cNvSpPr>
+          <p:nvPr>
+            <p:ph type="sldNum" sz="quarter" idx="5"/>
+          </p:nvPr>
+        </p:nvSpPr>
+        <p:spPr/>
+        <p:txBody>
+          <a:bodyPr/>
+          <a:lstStyle/>
+          <a:p>
+            <a:fld id="{156915C4-B14C-4B17-84BC-20259BAD4A2F}" type="slidenum">
+              <a:rPr lang="zh-CN" altLang="en-US" smtClean="0"/>
+              <a:t>18</a:t>
+            </a:fld>
+            <a:endParaRPr lang="zh-CN" altLang="en-US"/>
+          </a:p>
+        </p:txBody>
+      </p:sp>
+    </p:spTree>
+    <p:extLst>
+      <p:ext uri="{BB962C8B-B14F-4D97-AF65-F5344CB8AC3E}">
+        <p14:creationId xmlns:p14="http://schemas.microsoft.com/office/powerpoint/2010/main" val="4089948653"/>
+      </p:ext>
+    </p:extLst>
+  </p:cSld>
+  <p:clrMapOvr>
+    <a:masterClrMapping/>
+  </p:clrMapOvr>
+</p:notes>
+</file>
+
+<file path=ppt/notesSlides/notesSlide11.xml><?xml version="1.0" encoding="utf-8"?>
+<p:notes xmlns:a="http://schemas.openxmlformats.org/drawingml/2006/main" xmlns:r="http://schemas.openxmlformats.org/officeDocument/2006/relationships" xmlns:p="http://schemas.openxmlformats.org/presentationml/2006/main">
+  <p:cSld>
+    <p:spTree>
+      <p:nvGrpSpPr>
+        <p:cNvPr id="1" name=""/>
+        <p:cNvGrpSpPr/>
+        <p:nvPr/>
+      </p:nvGrpSpPr>
+      <p:grpSpPr>
+        <a:xfrm>
+          <a:off x="0" y="0"/>
+          <a:ext cx="0" cy="0"/>
+          <a:chOff x="0" y="0"/>
+          <a:chExt cx="0" cy="0"/>
+        </a:xfrm>
+      </p:grpSpPr>
+      <p:sp>
+        <p:nvSpPr>
+          <p:cNvPr id="2" name="幻灯片图像占位符 1"/>
+          <p:cNvSpPr>
+            <a:spLocks noGrp="1" noRot="1" noChangeAspect="1"/>
+          </p:cNvSpPr>
+          <p:nvPr>
+            <p:ph type="sldImg"/>
+          </p:nvPr>
+        </p:nvSpPr>
+        <p:spPr/>
+      </p:sp>
+      <p:sp>
+        <p:nvSpPr>
+          <p:cNvPr id="3" name="备注占位符 2"/>
+          <p:cNvSpPr>
+            <a:spLocks noGrp="1"/>
+          </p:cNvSpPr>
+          <p:nvPr>
+            <p:ph type="body" idx="1"/>
+          </p:nvPr>
+        </p:nvSpPr>
+        <p:spPr/>
+        <p:txBody>
+          <a:bodyPr/>
+          <a:lstStyle/>
+          <a:p>
+            <a:r>
+              <a:rPr lang="en-US" altLang="zh-CN" dirty="0"/>
+              <a:t>the correlation is acquired by using.</a:t>
+            </a:r>
+          </a:p>
+          <a:p>
+            <a:r>
+              <a:rPr lang="en-US" altLang="zh-CN" dirty="0"/>
+              <a:t>But practically, we</a:t>
+            </a:r>
+            <a:endParaRPr lang="zh-CN" altLang="en-US" dirty="0"/>
+          </a:p>
+        </p:txBody>
+      </p:sp>
+      <p:sp>
+        <p:nvSpPr>
+          <p:cNvPr id="4" name="灯片编号占位符 3"/>
+          <p:cNvSpPr>
+            <a:spLocks noGrp="1"/>
+          </p:cNvSpPr>
+          <p:nvPr>
+            <p:ph type="sldNum" sz="quarter" idx="5"/>
+          </p:nvPr>
+        </p:nvSpPr>
+        <p:spPr/>
+        <p:txBody>
+          <a:bodyPr/>
+          <a:lstStyle/>
+          <a:p>
+            <a:fld id="{156915C4-B14C-4B17-84BC-20259BAD4A2F}" type="slidenum">
+              <a:rPr lang="zh-CN" altLang="en-US" smtClean="0"/>
+              <a:t>20</a:t>
+            </a:fld>
+            <a:endParaRPr lang="zh-CN" altLang="en-US"/>
+          </a:p>
+        </p:txBody>
+      </p:sp>
+    </p:spTree>
+    <p:extLst>
+      <p:ext uri="{BB962C8B-B14F-4D97-AF65-F5344CB8AC3E}">
+        <p14:creationId xmlns:p14="http://schemas.microsoft.com/office/powerpoint/2010/main" val="4125901091"/>
+      </p:ext>
+    </p:extLst>
+  </p:cSld>
+  <p:clrMapOvr>
+    <a:masterClrMapping/>
+  </p:clrMapOvr>
+</p:notes>
+</file>
+
+<file path=ppt/notesSlides/notesSlide12.xml><?xml version="1.0" encoding="utf-8"?>
+<p:notes xmlns:a="http://schemas.openxmlformats.org/drawingml/2006/main" xmlns:r="http://schemas.openxmlformats.org/officeDocument/2006/relationships" xmlns:p="http://schemas.openxmlformats.org/presentationml/2006/main">
+  <p:cSld>
+    <p:spTree>
+      <p:nvGrpSpPr>
+        <p:cNvPr id="1" name=""/>
+        <p:cNvGrpSpPr/>
+        <p:nvPr/>
+      </p:nvGrpSpPr>
+      <p:grpSpPr>
+        <a:xfrm>
+          <a:off x="0" y="0"/>
+          <a:ext cx="0" cy="0"/>
+          <a:chOff x="0" y="0"/>
+          <a:chExt cx="0" cy="0"/>
+        </a:xfrm>
+      </p:grpSpPr>
+      <p:sp>
+        <p:nvSpPr>
+          <p:cNvPr id="2" name="幻灯片图像占位符 1"/>
+          <p:cNvSpPr>
+            <a:spLocks noGrp="1" noRot="1" noChangeAspect="1"/>
+          </p:cNvSpPr>
+          <p:nvPr>
+            <p:ph type="sldImg"/>
+          </p:nvPr>
+        </p:nvSpPr>
+        <p:spPr/>
+      </p:sp>
+      <p:sp>
+        <p:nvSpPr>
+          <p:cNvPr id="3" name="备注占位符 2"/>
+          <p:cNvSpPr>
+            <a:spLocks noGrp="1"/>
+          </p:cNvSpPr>
+          <p:nvPr>
+            <p:ph type="body" idx="1"/>
+          </p:nvPr>
+        </p:nvSpPr>
+        <p:spPr/>
+        <p:txBody>
+          <a:bodyPr/>
+          <a:lstStyle/>
+          <a:p>
+            <a:r>
+              <a:rPr lang="en-US" altLang="zh-CN" dirty="0"/>
+              <a:t>The correlation δ is estimated by correlating the watermark sequence w directly with all N coefficients of the embedded image V*</a:t>
+            </a:r>
+          </a:p>
+          <a:p>
+            <a:r>
+              <a:rPr lang="en-US" altLang="zh-CN" dirty="0"/>
+              <a:t>Usually, a detection threshold τ is established to make the detection decision if δ τ, where only the coefficients above the detection threshold are considered.</a:t>
+            </a:r>
+          </a:p>
+          <a:p>
+            <a:r>
+              <a:rPr lang="en-US" altLang="zh-CN" dirty="0"/>
+              <a:t>But here, we only need to verify the robustness of the watermark instead of ensuring whether the watermark exist or not, so there is no need to set the threshold.</a:t>
+            </a:r>
+            <a:endParaRPr lang="zh-CN" altLang="en-US" dirty="0"/>
+          </a:p>
+        </p:txBody>
+      </p:sp>
+      <p:sp>
+        <p:nvSpPr>
+          <p:cNvPr id="4" name="灯片编号占位符 3"/>
+          <p:cNvSpPr>
+            <a:spLocks noGrp="1"/>
+          </p:cNvSpPr>
+          <p:nvPr>
+            <p:ph type="sldNum" sz="quarter" idx="5"/>
+          </p:nvPr>
+        </p:nvSpPr>
+        <p:spPr/>
+        <p:txBody>
+          <a:bodyPr/>
+          <a:lstStyle/>
+          <a:p>
+            <a:fld id="{156915C4-B14C-4B17-84BC-20259BAD4A2F}" type="slidenum">
+              <a:rPr lang="zh-CN" altLang="en-US" smtClean="0"/>
+              <a:t>23</a:t>
+            </a:fld>
+            <a:endParaRPr lang="zh-CN" altLang="en-US"/>
+          </a:p>
+        </p:txBody>
+      </p:sp>
+    </p:spTree>
+    <p:extLst>
+      <p:ext uri="{BB962C8B-B14F-4D97-AF65-F5344CB8AC3E}">
+        <p14:creationId xmlns:p14="http://schemas.microsoft.com/office/powerpoint/2010/main" val="3649995622"/>
+      </p:ext>
+    </p:extLst>
+  </p:cSld>
+  <p:clrMapOvr>
+    <a:masterClrMapping/>
+  </p:clrMapOvr>
+</p:notes>
+</file>
+
+<file path=ppt/notesSlides/notesSlide13.xml><?xml version="1.0" encoding="utf-8"?>
+<p:notes xmlns:a="http://schemas.openxmlformats.org/drawingml/2006/main" xmlns:r="http://schemas.openxmlformats.org/officeDocument/2006/relationships" xmlns:p="http://schemas.openxmlformats.org/presentationml/2006/main">
+  <p:cSld>
+    <p:spTree>
+      <p:nvGrpSpPr>
+        <p:cNvPr id="1" name=""/>
+        <p:cNvGrpSpPr/>
+        <p:nvPr/>
+      </p:nvGrpSpPr>
+      <p:grpSpPr>
+        <a:xfrm>
+          <a:off x="0" y="0"/>
+          <a:ext cx="0" cy="0"/>
+          <a:chOff x="0" y="0"/>
+          <a:chExt cx="0" cy="0"/>
+        </a:xfrm>
+      </p:grpSpPr>
+      <p:sp>
+        <p:nvSpPr>
+          <p:cNvPr id="2" name="幻灯片图像占位符 1"/>
+          <p:cNvSpPr>
+            <a:spLocks noGrp="1" noRot="1" noChangeAspect="1"/>
+          </p:cNvSpPr>
+          <p:nvPr>
+            <p:ph type="sldImg"/>
+          </p:nvPr>
+        </p:nvSpPr>
+        <p:spPr/>
+      </p:sp>
+      <p:sp>
+        <p:nvSpPr>
+          <p:cNvPr id="3" name="备注占位符 2"/>
+          <p:cNvSpPr>
+            <a:spLocks noGrp="1"/>
+          </p:cNvSpPr>
+          <p:nvPr>
+            <p:ph type="body" idx="1"/>
+          </p:nvPr>
+        </p:nvSpPr>
+        <p:spPr/>
+        <p:txBody>
+          <a:bodyPr/>
+          <a:lstStyle/>
+          <a:p>
+            <a:r>
+              <a:rPr lang="en-US" altLang="zh-CN" dirty="0"/>
+              <a:t>Qualitative, quantitative</a:t>
+            </a:r>
+            <a:endParaRPr lang="zh-CN" altLang="en-US" dirty="0"/>
+          </a:p>
+        </p:txBody>
+      </p:sp>
+      <p:sp>
+        <p:nvSpPr>
+          <p:cNvPr id="4" name="灯片编号占位符 3"/>
+          <p:cNvSpPr>
+            <a:spLocks noGrp="1"/>
+          </p:cNvSpPr>
+          <p:nvPr>
+            <p:ph type="sldNum" sz="quarter" idx="5"/>
+          </p:nvPr>
+        </p:nvSpPr>
+        <p:spPr/>
+        <p:txBody>
+          <a:bodyPr/>
+          <a:lstStyle/>
+          <a:p>
+            <a:fld id="{156915C4-B14C-4B17-84BC-20259BAD4A2F}" type="slidenum">
+              <a:rPr lang="zh-CN" altLang="en-US" smtClean="0"/>
+              <a:t>28</a:t>
+            </a:fld>
+            <a:endParaRPr lang="zh-CN" altLang="en-US"/>
+          </a:p>
+        </p:txBody>
+      </p:sp>
+    </p:spTree>
+    <p:extLst>
+      <p:ext uri="{BB962C8B-B14F-4D97-AF65-F5344CB8AC3E}">
+        <p14:creationId xmlns:p14="http://schemas.microsoft.com/office/powerpoint/2010/main" val="1886349521"/>
+      </p:ext>
+    </p:extLst>
+  </p:cSld>
+  <p:clrMapOvr>
+    <a:masterClrMapping/>
+  </p:clrMapOvr>
+</p:notes>
+</file>
+
+<file path=ppt/notesSlides/notesSlide14.xml><?xml version="1.0" encoding="utf-8"?>
+<p:notes xmlns:a="http://schemas.openxmlformats.org/drawingml/2006/main" xmlns:r="http://schemas.openxmlformats.org/officeDocument/2006/relationships" xmlns:p="http://schemas.openxmlformats.org/presentationml/2006/main">
+  <p:cSld>
+    <p:spTree>
+      <p:nvGrpSpPr>
+        <p:cNvPr id="1" name=""/>
+        <p:cNvGrpSpPr/>
+        <p:nvPr/>
+      </p:nvGrpSpPr>
+      <p:grpSpPr>
+        <a:xfrm>
+          <a:off x="0" y="0"/>
+          <a:ext cx="0" cy="0"/>
+          <a:chOff x="0" y="0"/>
+          <a:chExt cx="0" cy="0"/>
+        </a:xfrm>
+      </p:grpSpPr>
+      <p:sp>
+        <p:nvSpPr>
+          <p:cNvPr id="2" name="幻灯片图像占位符 1"/>
+          <p:cNvSpPr>
+            <a:spLocks noGrp="1" noRot="1" noChangeAspect="1"/>
+          </p:cNvSpPr>
+          <p:nvPr>
+            <p:ph type="sldImg"/>
+          </p:nvPr>
+        </p:nvSpPr>
+        <p:spPr/>
+      </p:sp>
+      <p:sp>
+        <p:nvSpPr>
+          <p:cNvPr id="3" name="备注占位符 2"/>
+          <p:cNvSpPr>
+            <a:spLocks noGrp="1"/>
+          </p:cNvSpPr>
+          <p:nvPr>
+            <p:ph type="body" idx="1"/>
+          </p:nvPr>
+        </p:nvSpPr>
+        <p:spPr/>
+        <p:txBody>
+          <a:bodyPr/>
+          <a:lstStyle/>
+          <a:p>
+            <a:r>
+              <a:rPr lang="en-US" altLang="zh-CN" dirty="0"/>
+              <a:t>Comparatively speaking, the robustness of *Low Frequency* and *Additive* is better than the *Reference*.  Especially, the *Low Frequency*, it is quite robust to the attacks in this experiment. While according to the authoritative essay[^1], the watermark embedded in low-pass bands of the wavelet domain  affects the fidelity of the watermarked image and the additive algorithm needs a lot of trails to obtain the most possible watermark serial. Furthermore, the watermark in high-pass bands is resistant to another set of attacks such as histogram equalization, intensity adjustment, and gamma correction which are lack tested here. There is no denying that the experiment is still one-sided. As for the *Fourier*, it seems that the Fourier transform is not suitable to collocate with the quantized algorithm, which is consistent to some popular watermark embedding methods[^3]. They usually use additive algorithm to embed into Fourier high-frequency band.</a:t>
+            </a:r>
+            <a:endParaRPr lang="zh-CN" altLang="en-US" dirty="0"/>
+          </a:p>
+        </p:txBody>
+      </p:sp>
+      <p:sp>
+        <p:nvSpPr>
+          <p:cNvPr id="4" name="灯片编号占位符 3"/>
+          <p:cNvSpPr>
+            <a:spLocks noGrp="1"/>
+          </p:cNvSpPr>
+          <p:nvPr>
+            <p:ph type="sldNum" sz="quarter" idx="5"/>
+          </p:nvPr>
+        </p:nvSpPr>
+        <p:spPr/>
+        <p:txBody>
+          <a:bodyPr/>
+          <a:lstStyle/>
+          <a:p>
+            <a:fld id="{156915C4-B14C-4B17-84BC-20259BAD4A2F}" type="slidenum">
+              <a:rPr lang="zh-CN" altLang="en-US" smtClean="0"/>
+              <a:t>29</a:t>
+            </a:fld>
+            <a:endParaRPr lang="zh-CN" altLang="en-US"/>
+          </a:p>
+        </p:txBody>
+      </p:sp>
+    </p:spTree>
+    <p:extLst>
+      <p:ext uri="{BB962C8B-B14F-4D97-AF65-F5344CB8AC3E}">
+        <p14:creationId xmlns:p14="http://schemas.microsoft.com/office/powerpoint/2010/main" val="599408886"/>
+      </p:ext>
+    </p:extLst>
+  </p:cSld>
+  <p:clrMapOvr>
+    <a:masterClrMapping/>
+  </p:clrMapOvr>
+</p:notes>
+</file>
+
+<file path=ppt/notesSlides/notesSlide2.xml><?xml version="1.0" encoding="utf-8"?>
+<p:notes xmlns:a="http://schemas.openxmlformats.org/drawingml/2006/main" xmlns:r="http://schemas.openxmlformats.org/officeDocument/2006/relationships" xmlns:p="http://schemas.openxmlformats.org/presentationml/2006/main">
+  <p:cSld>
+    <p:spTree>
+      <p:nvGrpSpPr>
+        <p:cNvPr id="1" name=""/>
+        <p:cNvGrpSpPr/>
+        <p:nvPr/>
+      </p:nvGrpSpPr>
+      <p:grpSpPr>
+        <a:xfrm>
+          <a:off x="0" y="0"/>
+          <a:ext cx="0" cy="0"/>
+          <a:chOff x="0" y="0"/>
+          <a:chExt cx="0" cy="0"/>
+        </a:xfrm>
+      </p:grpSpPr>
+      <p:sp>
+        <p:nvSpPr>
+          <p:cNvPr id="2" name="幻灯片图像占位符 1"/>
+          <p:cNvSpPr>
+            <a:spLocks noGrp="1" noRot="1" noChangeAspect="1"/>
+          </p:cNvSpPr>
+          <p:nvPr>
+            <p:ph type="sldImg"/>
+          </p:nvPr>
+        </p:nvSpPr>
+        <p:spPr/>
+      </p:sp>
+      <p:sp>
+        <p:nvSpPr>
+          <p:cNvPr id="3" name="备注占位符 2"/>
+          <p:cNvSpPr>
+            <a:spLocks noGrp="1"/>
+          </p:cNvSpPr>
+          <p:nvPr>
+            <p:ph type="body" idx="1"/>
+          </p:nvPr>
+        </p:nvSpPr>
+        <p:spPr/>
+        <p:txBody>
+          <a:bodyPr/>
+          <a:lstStyle/>
+          <a:p>
+            <a:r>
+              <a:rPr lang="en-US" altLang="zh-CN" dirty="0"/>
+              <a:t>In some unprofessional blogs, the blind watermark is confused with the watermark with good invisibility. However, the blind doesn’t mean invisible</a:t>
+            </a:r>
+          </a:p>
+          <a:p>
+            <a:r>
+              <a:rPr lang="en-US" altLang="zh-CN" dirty="0"/>
+              <a:t>Actually, the so-called blind watermark is referred that</a:t>
+            </a:r>
+            <a:endParaRPr lang="zh-CN" altLang="en-US" dirty="0"/>
+          </a:p>
+        </p:txBody>
+      </p:sp>
+      <p:sp>
+        <p:nvSpPr>
+          <p:cNvPr id="4" name="灯片编号占位符 3"/>
+          <p:cNvSpPr>
+            <a:spLocks noGrp="1"/>
+          </p:cNvSpPr>
+          <p:nvPr>
+            <p:ph type="sldNum" sz="quarter" idx="5"/>
+          </p:nvPr>
+        </p:nvSpPr>
+        <p:spPr/>
+        <p:txBody>
+          <a:bodyPr/>
+          <a:lstStyle/>
+          <a:p>
+            <a:fld id="{156915C4-B14C-4B17-84BC-20259BAD4A2F}" type="slidenum">
+              <a:rPr lang="zh-CN" altLang="en-US" smtClean="0"/>
+              <a:t>3</a:t>
+            </a:fld>
+            <a:endParaRPr lang="zh-CN" altLang="en-US"/>
+          </a:p>
+        </p:txBody>
+      </p:sp>
+    </p:spTree>
+    <p:extLst>
+      <p:ext uri="{BB962C8B-B14F-4D97-AF65-F5344CB8AC3E}">
+        <p14:creationId xmlns:p14="http://schemas.microsoft.com/office/powerpoint/2010/main" val="3501782708"/>
+      </p:ext>
+    </p:extLst>
+  </p:cSld>
+  <p:clrMapOvr>
+    <a:masterClrMapping/>
+  </p:clrMapOvr>
+</p:notes>
+</file>
+
+<file path=ppt/notesSlides/notesSlide3.xml><?xml version="1.0" encoding="utf-8"?>
+<p:notes xmlns:a="http://schemas.openxmlformats.org/drawingml/2006/main" xmlns:r="http://schemas.openxmlformats.org/officeDocument/2006/relationships" xmlns:p="http://schemas.openxmlformats.org/presentationml/2006/main">
+  <p:cSld>
+    <p:spTree>
+      <p:nvGrpSpPr>
+        <p:cNvPr id="1" name=""/>
+        <p:cNvGrpSpPr/>
+        <p:nvPr/>
+      </p:nvGrpSpPr>
+      <p:grpSpPr>
+        <a:xfrm>
+          <a:off x="0" y="0"/>
+          <a:ext cx="0" cy="0"/>
+          <a:chOff x="0" y="0"/>
+          <a:chExt cx="0" cy="0"/>
+        </a:xfrm>
+      </p:grpSpPr>
+      <p:sp>
+        <p:nvSpPr>
+          <p:cNvPr id="2" name="幻灯片图像占位符 1"/>
+          <p:cNvSpPr>
+            <a:spLocks noGrp="1" noRot="1" noChangeAspect="1"/>
+          </p:cNvSpPr>
+          <p:nvPr>
+            <p:ph type="sldImg"/>
+          </p:nvPr>
+        </p:nvSpPr>
+        <p:spPr/>
+      </p:sp>
+      <p:sp>
+        <p:nvSpPr>
+          <p:cNvPr id="3" name="备注占位符 2"/>
+          <p:cNvSpPr>
+            <a:spLocks noGrp="1"/>
+          </p:cNvSpPr>
+          <p:nvPr>
+            <p:ph type="body" idx="1"/>
+          </p:nvPr>
+        </p:nvSpPr>
+        <p:spPr/>
+        <p:txBody>
+          <a:bodyPr/>
+          <a:lstStyle/>
+          <a:p>
+            <a:r>
+              <a:rPr lang="en-US" altLang="zh-CN" dirty="0"/>
+              <a:t>A kind of method that the blind watermark is embedded into the high-frequency band of the 3-level wavelet transform by quantized algorithm  is recommended by an authoritative essay that I referred to. So, I am curious about the different effects if I take different process to the image from what the essay recommends. Then, the recommended method as reference, I began to explore the robustness of similar methods based on it by changing one factor at a time.</a:t>
+            </a:r>
+          </a:p>
+          <a:p>
+            <a:r>
+              <a:rPr lang="en-US" altLang="zh-CN" dirty="0"/>
+              <a:t>In other words, the method that the blind watermark is embedded into low-frequency band of 3-level wavelet transform by quantized algorithm, the method that the blind watermark is embedded into high-frequency band of Fourier transform by quantize algorithm and the method that the blind watermark is embedded into high-frequency band of 3-level wavelet transform by additive algorithm are involved into this report. </a:t>
+            </a:r>
+            <a:endParaRPr lang="zh-CN" altLang="en-US" dirty="0"/>
+          </a:p>
+        </p:txBody>
+      </p:sp>
+      <p:sp>
+        <p:nvSpPr>
+          <p:cNvPr id="4" name="灯片编号占位符 3"/>
+          <p:cNvSpPr>
+            <a:spLocks noGrp="1"/>
+          </p:cNvSpPr>
+          <p:nvPr>
+            <p:ph type="sldNum" sz="quarter" idx="5"/>
+          </p:nvPr>
+        </p:nvSpPr>
+        <p:spPr/>
+        <p:txBody>
+          <a:bodyPr/>
+          <a:lstStyle/>
+          <a:p>
+            <a:fld id="{156915C4-B14C-4B17-84BC-20259BAD4A2F}" type="slidenum">
+              <a:rPr lang="zh-CN" altLang="en-US" smtClean="0"/>
+              <a:t>4</a:t>
+            </a:fld>
+            <a:endParaRPr lang="zh-CN" altLang="en-US"/>
+          </a:p>
+        </p:txBody>
+      </p:sp>
+    </p:spTree>
+    <p:extLst>
+      <p:ext uri="{BB962C8B-B14F-4D97-AF65-F5344CB8AC3E}">
+        <p14:creationId xmlns:p14="http://schemas.microsoft.com/office/powerpoint/2010/main" val="1679449053"/>
+      </p:ext>
+    </p:extLst>
+  </p:cSld>
+  <p:clrMapOvr>
+    <a:masterClrMapping/>
+  </p:clrMapOvr>
+</p:notes>
+</file>
+
+<file path=ppt/notesSlides/notesSlide4.xml><?xml version="1.0" encoding="utf-8"?>
+<p:notes xmlns:a="http://schemas.openxmlformats.org/drawingml/2006/main" xmlns:r="http://schemas.openxmlformats.org/officeDocument/2006/relationships" xmlns:p="http://schemas.openxmlformats.org/presentationml/2006/main">
+  <p:cSld>
+    <p:spTree>
+      <p:nvGrpSpPr>
+        <p:cNvPr id="1" name=""/>
+        <p:cNvGrpSpPr/>
+        <p:nvPr/>
+      </p:nvGrpSpPr>
+      <p:grpSpPr>
+        <a:xfrm>
+          <a:off x="0" y="0"/>
+          <a:ext cx="0" cy="0"/>
+          <a:chOff x="0" y="0"/>
+          <a:chExt cx="0" cy="0"/>
+        </a:xfrm>
+      </p:grpSpPr>
+      <p:sp>
+        <p:nvSpPr>
+          <p:cNvPr id="2" name="幻灯片图像占位符 1"/>
+          <p:cNvSpPr>
+            <a:spLocks noGrp="1" noRot="1" noChangeAspect="1"/>
+          </p:cNvSpPr>
+          <p:nvPr>
+            <p:ph type="sldImg"/>
+          </p:nvPr>
+        </p:nvSpPr>
+        <p:spPr/>
+      </p:sp>
+      <p:sp>
+        <p:nvSpPr>
+          <p:cNvPr id="3" name="备注占位符 2"/>
+          <p:cNvSpPr>
+            <a:spLocks noGrp="1"/>
+          </p:cNvSpPr>
+          <p:nvPr>
+            <p:ph type="body" idx="1"/>
+          </p:nvPr>
+        </p:nvSpPr>
+        <p:spPr/>
+        <p:txBody>
+          <a:bodyPr/>
+          <a:lstStyle/>
+          <a:p>
+            <a:r>
+              <a:rPr lang="en-US" altLang="zh-CN" dirty="0"/>
+              <a:t>To compare their robustness, the attacks including blurring, sharpening, cropping, rotating, compressing, salt and pepper noise are imposed. The degree of the watermark degeneration will be recorded as according.</a:t>
+            </a:r>
+            <a:endParaRPr lang="zh-CN" altLang="en-US" dirty="0"/>
+          </a:p>
+        </p:txBody>
+      </p:sp>
+      <p:sp>
+        <p:nvSpPr>
+          <p:cNvPr id="4" name="灯片编号占位符 3"/>
+          <p:cNvSpPr>
+            <a:spLocks noGrp="1"/>
+          </p:cNvSpPr>
+          <p:nvPr>
+            <p:ph type="sldNum" sz="quarter" idx="5"/>
+          </p:nvPr>
+        </p:nvSpPr>
+        <p:spPr/>
+        <p:txBody>
+          <a:bodyPr/>
+          <a:lstStyle/>
+          <a:p>
+            <a:fld id="{156915C4-B14C-4B17-84BC-20259BAD4A2F}" type="slidenum">
+              <a:rPr lang="zh-CN" altLang="en-US" smtClean="0"/>
+              <a:t>5</a:t>
+            </a:fld>
+            <a:endParaRPr lang="zh-CN" altLang="en-US"/>
+          </a:p>
+        </p:txBody>
+      </p:sp>
+    </p:spTree>
+    <p:extLst>
+      <p:ext uri="{BB962C8B-B14F-4D97-AF65-F5344CB8AC3E}">
+        <p14:creationId xmlns:p14="http://schemas.microsoft.com/office/powerpoint/2010/main" val="2053405574"/>
+      </p:ext>
+    </p:extLst>
+  </p:cSld>
+  <p:clrMapOvr>
+    <a:masterClrMapping/>
+  </p:clrMapOvr>
+</p:notes>
+</file>
+
+<file path=ppt/notesSlides/notesSlide5.xml><?xml version="1.0" encoding="utf-8"?>
+<p:notes xmlns:a="http://schemas.openxmlformats.org/drawingml/2006/main" xmlns:r="http://schemas.openxmlformats.org/officeDocument/2006/relationships" xmlns:p="http://schemas.openxmlformats.org/presentationml/2006/main">
+  <p:cSld>
+    <p:spTree>
+      <p:nvGrpSpPr>
+        <p:cNvPr id="1" name=""/>
+        <p:cNvGrpSpPr/>
+        <p:nvPr/>
+      </p:nvGrpSpPr>
+      <p:grpSpPr>
+        <a:xfrm>
+          <a:off x="0" y="0"/>
+          <a:ext cx="0" cy="0"/>
+          <a:chOff x="0" y="0"/>
+          <a:chExt cx="0" cy="0"/>
+        </a:xfrm>
+      </p:grpSpPr>
+      <p:sp>
+        <p:nvSpPr>
+          <p:cNvPr id="2" name="幻灯片图像占位符 1"/>
+          <p:cNvSpPr>
+            <a:spLocks noGrp="1" noRot="1" noChangeAspect="1"/>
+          </p:cNvSpPr>
+          <p:nvPr>
+            <p:ph type="sldImg"/>
+          </p:nvPr>
+        </p:nvSpPr>
+        <p:spPr/>
+      </p:sp>
+      <p:sp>
+        <p:nvSpPr>
+          <p:cNvPr id="3" name="备注占位符 2"/>
+          <p:cNvSpPr>
+            <a:spLocks noGrp="1"/>
+          </p:cNvSpPr>
+          <p:nvPr>
+            <p:ph type="body" idx="1"/>
+          </p:nvPr>
+        </p:nvSpPr>
+        <p:spPr/>
+        <p:txBody>
+          <a:bodyPr/>
+          <a:lstStyle/>
+          <a:p>
+            <a:r>
+              <a:rPr lang="en-US" altLang="zh-CN" dirty="0"/>
+              <a:t>Now we mainly focus on how I carry out the exploration</a:t>
+            </a:r>
+            <a:endParaRPr lang="zh-CN" altLang="en-US" dirty="0"/>
+          </a:p>
+        </p:txBody>
+      </p:sp>
+      <p:sp>
+        <p:nvSpPr>
+          <p:cNvPr id="4" name="灯片编号占位符 3"/>
+          <p:cNvSpPr>
+            <a:spLocks noGrp="1"/>
+          </p:cNvSpPr>
+          <p:nvPr>
+            <p:ph type="sldNum" sz="quarter" idx="5"/>
+          </p:nvPr>
+        </p:nvSpPr>
+        <p:spPr/>
+        <p:txBody>
+          <a:bodyPr/>
+          <a:lstStyle/>
+          <a:p>
+            <a:fld id="{156915C4-B14C-4B17-84BC-20259BAD4A2F}" type="slidenum">
+              <a:rPr lang="zh-CN" altLang="en-US" smtClean="0"/>
+              <a:t>6</a:t>
+            </a:fld>
+            <a:endParaRPr lang="zh-CN" altLang="en-US"/>
+          </a:p>
+        </p:txBody>
+      </p:sp>
+    </p:spTree>
+    <p:extLst>
+      <p:ext uri="{BB962C8B-B14F-4D97-AF65-F5344CB8AC3E}">
+        <p14:creationId xmlns:p14="http://schemas.microsoft.com/office/powerpoint/2010/main" val="388104935"/>
+      </p:ext>
+    </p:extLst>
+  </p:cSld>
+  <p:clrMapOvr>
+    <a:masterClrMapping/>
+  </p:clrMapOvr>
+</p:notes>
+</file>
+
+<file path=ppt/notesSlides/notesSlide6.xml><?xml version="1.0" encoding="utf-8"?>
+<p:notes xmlns:a="http://schemas.openxmlformats.org/drawingml/2006/main" xmlns:r="http://schemas.openxmlformats.org/officeDocument/2006/relationships" xmlns:p="http://schemas.openxmlformats.org/presentationml/2006/main">
+  <p:cSld>
+    <p:spTree>
+      <p:nvGrpSpPr>
+        <p:cNvPr id="1" name=""/>
+        <p:cNvGrpSpPr/>
+        <p:nvPr/>
+      </p:nvGrpSpPr>
+      <p:grpSpPr>
+        <a:xfrm>
+          <a:off x="0" y="0"/>
+          <a:ext cx="0" cy="0"/>
+          <a:chOff x="0" y="0"/>
+          <a:chExt cx="0" cy="0"/>
+        </a:xfrm>
+      </p:grpSpPr>
+      <p:sp>
+        <p:nvSpPr>
+          <p:cNvPr id="2" name="幻灯片图像占位符 1"/>
+          <p:cNvSpPr>
+            <a:spLocks noGrp="1" noRot="1" noChangeAspect="1"/>
+          </p:cNvSpPr>
+          <p:nvPr>
+            <p:ph type="sldImg"/>
+          </p:nvPr>
+        </p:nvSpPr>
+        <p:spPr/>
+      </p:sp>
+      <p:sp>
+        <p:nvSpPr>
+          <p:cNvPr id="3" name="备注占位符 2"/>
+          <p:cNvSpPr>
+            <a:spLocks noGrp="1"/>
+          </p:cNvSpPr>
+          <p:nvPr>
+            <p:ph type="body" idx="1"/>
+          </p:nvPr>
+        </p:nvSpPr>
+        <p:spPr/>
+        <p:txBody>
+          <a:bodyPr/>
+          <a:lstStyle/>
+          <a:p>
+            <a:r>
+              <a:rPr lang="en-US" altLang="zh-CN" dirty="0"/>
+              <a:t>There are 2 kinds of transform involved.</a:t>
+            </a:r>
+            <a:endParaRPr lang="zh-CN" altLang="en-US" dirty="0"/>
+          </a:p>
+        </p:txBody>
+      </p:sp>
+      <p:sp>
+        <p:nvSpPr>
+          <p:cNvPr id="4" name="灯片编号占位符 3"/>
+          <p:cNvSpPr>
+            <a:spLocks noGrp="1"/>
+          </p:cNvSpPr>
+          <p:nvPr>
+            <p:ph type="sldNum" sz="quarter" idx="5"/>
+          </p:nvPr>
+        </p:nvSpPr>
+        <p:spPr/>
+        <p:txBody>
+          <a:bodyPr/>
+          <a:lstStyle/>
+          <a:p>
+            <a:fld id="{156915C4-B14C-4B17-84BC-20259BAD4A2F}" type="slidenum">
+              <a:rPr lang="zh-CN" altLang="en-US" smtClean="0"/>
+              <a:t>7</a:t>
+            </a:fld>
+            <a:endParaRPr lang="zh-CN" altLang="en-US"/>
+          </a:p>
+        </p:txBody>
+      </p:sp>
+    </p:spTree>
+    <p:extLst>
+      <p:ext uri="{BB962C8B-B14F-4D97-AF65-F5344CB8AC3E}">
+        <p14:creationId xmlns:p14="http://schemas.microsoft.com/office/powerpoint/2010/main" val="3201400211"/>
+      </p:ext>
+    </p:extLst>
+  </p:cSld>
+  <p:clrMapOvr>
+    <a:masterClrMapping/>
+  </p:clrMapOvr>
+</p:notes>
+</file>
+
+<file path=ppt/notesSlides/notesSlide7.xml><?xml version="1.0" encoding="utf-8"?>
+<p:notes xmlns:a="http://schemas.openxmlformats.org/drawingml/2006/main" xmlns:r="http://schemas.openxmlformats.org/officeDocument/2006/relationships" xmlns:p="http://schemas.openxmlformats.org/presentationml/2006/main">
+  <p:cSld>
+    <p:spTree>
+      <p:nvGrpSpPr>
+        <p:cNvPr id="1" name=""/>
+        <p:cNvGrpSpPr/>
+        <p:nvPr/>
+      </p:nvGrpSpPr>
+      <p:grpSpPr>
+        <a:xfrm>
+          <a:off x="0" y="0"/>
+          <a:ext cx="0" cy="0"/>
+          <a:chOff x="0" y="0"/>
+          <a:chExt cx="0" cy="0"/>
+        </a:xfrm>
+      </p:grpSpPr>
+      <p:sp>
+        <p:nvSpPr>
+          <p:cNvPr id="2" name="幻灯片图像占位符 1"/>
+          <p:cNvSpPr>
+            <a:spLocks noGrp="1" noRot="1" noChangeAspect="1"/>
+          </p:cNvSpPr>
+          <p:nvPr>
+            <p:ph type="sldImg"/>
+          </p:nvPr>
+        </p:nvSpPr>
+        <p:spPr/>
+      </p:sp>
+      <p:sp>
+        <p:nvSpPr>
+          <p:cNvPr id="3" name="备注占位符 2"/>
+          <p:cNvSpPr>
+            <a:spLocks noGrp="1"/>
+          </p:cNvSpPr>
+          <p:nvPr>
+            <p:ph type="body" idx="1"/>
+          </p:nvPr>
+        </p:nvSpPr>
+        <p:spPr/>
+        <p:txBody>
+          <a:bodyPr/>
+          <a:lstStyle/>
+          <a:p>
+            <a:r>
+              <a:rPr lang="en-US" altLang="zh-CN" dirty="0"/>
+              <a:t>It is widely acknowledged that the obvious advantage the wavelet transform has over Fourier transform is that it contains time information because of using local base as the picture shows. If this is the sin function, it will circulate infinitely. But in the field of watermark embedding. The reason of choosing wavelet transform is that</a:t>
+            </a:r>
+            <a:r>
+              <a:rPr lang="en-US" altLang="zh-CN" b="0" i="0" dirty="0">
+                <a:solidFill>
+                  <a:srgbClr val="F5F7FA"/>
+                </a:solidFill>
+                <a:effectLst/>
+                <a:latin typeface="PingFang SC"/>
+              </a:rPr>
+              <a:t> it is able to decompose the available images into sub-bands, in which watermarks can be embedded</a:t>
+            </a:r>
+          </a:p>
+          <a:p>
+            <a:pPr marL="0" marR="0" lvl="0" indent="0" algn="l" defTabSz="914400" rtl="0" eaLnBrk="1" fontAlgn="auto" latinLnBrk="0" hangingPunct="1">
+              <a:lnSpc>
+                <a:spcPct val="100000"/>
+              </a:lnSpc>
+              <a:spcBef>
+                <a:spcPts val="0"/>
+              </a:spcBef>
+              <a:spcAft>
+                <a:spcPts val="0"/>
+              </a:spcAft>
+              <a:buClrTx/>
+              <a:buSzTx/>
+              <a:buFontTx/>
+              <a:buNone/>
+              <a:tabLst/>
+              <a:defRPr/>
+            </a:pPr>
+            <a:r>
+              <a:rPr lang="en-US" altLang="zh-CN" b="0" i="0" dirty="0">
+                <a:solidFill>
+                  <a:srgbClr val="F5F7FA"/>
+                </a:solidFill>
+                <a:effectLst/>
+                <a:latin typeface="PingFang SC"/>
+              </a:rPr>
+              <a:t>And in this report, we use </a:t>
+            </a:r>
+            <a:r>
+              <a:rPr lang="zh-CN" altLang="zh-CN" sz="1200" dirty="0">
+                <a:ea typeface="+mn-lt"/>
+                <a:cs typeface="+mn-lt"/>
+              </a:rPr>
+              <a:t>Daubechies-8 filter</a:t>
+            </a:r>
+            <a:r>
+              <a:rPr lang="en-US" altLang="zh-CN" sz="1200" dirty="0">
+                <a:ea typeface="+mn-lt"/>
+                <a:cs typeface="+mn-lt"/>
+              </a:rPr>
+              <a:t> to proceed 3-level wavelet transform</a:t>
+            </a:r>
+            <a:endParaRPr lang="zh-CN" altLang="zh-CN" sz="1200" dirty="0">
+              <a:ea typeface="+mn-lt"/>
+              <a:cs typeface="+mn-lt"/>
+            </a:endParaRPr>
+          </a:p>
+          <a:p>
+            <a:endParaRPr lang="zh-CN" altLang="en-US" dirty="0"/>
+          </a:p>
+        </p:txBody>
+      </p:sp>
+      <p:sp>
+        <p:nvSpPr>
+          <p:cNvPr id="4" name="灯片编号占位符 3"/>
+          <p:cNvSpPr>
+            <a:spLocks noGrp="1"/>
+          </p:cNvSpPr>
+          <p:nvPr>
+            <p:ph type="sldNum" sz="quarter" idx="5"/>
+          </p:nvPr>
+        </p:nvSpPr>
+        <p:spPr/>
+        <p:txBody>
+          <a:bodyPr/>
+          <a:lstStyle/>
+          <a:p>
+            <a:fld id="{156915C4-B14C-4B17-84BC-20259BAD4A2F}" type="slidenum">
+              <a:rPr lang="zh-CN" altLang="en-US" smtClean="0"/>
+              <a:t>8</a:t>
+            </a:fld>
+            <a:endParaRPr lang="zh-CN" altLang="en-US"/>
+          </a:p>
+        </p:txBody>
+      </p:sp>
+    </p:spTree>
+    <p:extLst>
+      <p:ext uri="{BB962C8B-B14F-4D97-AF65-F5344CB8AC3E}">
+        <p14:creationId xmlns:p14="http://schemas.microsoft.com/office/powerpoint/2010/main" val="7954847"/>
+      </p:ext>
+    </p:extLst>
+  </p:cSld>
+  <p:clrMapOvr>
+    <a:masterClrMapping/>
+  </p:clrMapOvr>
+</p:notes>
+</file>
+
+<file path=ppt/notesSlides/notesSlide8.xml><?xml version="1.0" encoding="utf-8"?>
+<p:notes xmlns:a="http://schemas.openxmlformats.org/drawingml/2006/main" xmlns:r="http://schemas.openxmlformats.org/officeDocument/2006/relationships" xmlns:p="http://schemas.openxmlformats.org/presentationml/2006/main">
+  <p:cSld>
+    <p:spTree>
+      <p:nvGrpSpPr>
+        <p:cNvPr id="1" name=""/>
+        <p:cNvGrpSpPr/>
+        <p:nvPr/>
+      </p:nvGrpSpPr>
+      <p:grpSpPr>
+        <a:xfrm>
+          <a:off x="0" y="0"/>
+          <a:ext cx="0" cy="0"/>
+          <a:chOff x="0" y="0"/>
+          <a:chExt cx="0" cy="0"/>
+        </a:xfrm>
+      </p:grpSpPr>
+      <p:sp>
+        <p:nvSpPr>
+          <p:cNvPr id="2" name="幻灯片图像占位符 1"/>
+          <p:cNvSpPr>
+            <a:spLocks noGrp="1" noRot="1" noChangeAspect="1"/>
+          </p:cNvSpPr>
+          <p:nvPr>
+            <p:ph type="sldImg"/>
+          </p:nvPr>
+        </p:nvSpPr>
+        <p:spPr/>
+      </p:sp>
+      <p:sp>
+        <p:nvSpPr>
+          <p:cNvPr id="3" name="备注占位符 2"/>
+          <p:cNvSpPr>
+            <a:spLocks noGrp="1"/>
+          </p:cNvSpPr>
+          <p:nvPr>
+            <p:ph type="body" idx="1"/>
+          </p:nvPr>
+        </p:nvSpPr>
+        <p:spPr/>
+        <p:txBody>
+          <a:bodyPr/>
+          <a:lstStyle/>
+          <a:p>
+            <a:r>
+              <a:rPr lang="en-US" altLang="zh-CN" dirty="0"/>
+              <a:t>After the transform, different frequency components are located as shown. The peripheral parts is the first level transform. diagonal</a:t>
+            </a:r>
+            <a:endParaRPr lang="zh-CN" altLang="en-US" dirty="0"/>
+          </a:p>
+        </p:txBody>
+      </p:sp>
+      <p:sp>
+        <p:nvSpPr>
+          <p:cNvPr id="4" name="灯片编号占位符 3"/>
+          <p:cNvSpPr>
+            <a:spLocks noGrp="1"/>
+          </p:cNvSpPr>
+          <p:nvPr>
+            <p:ph type="sldNum" sz="quarter" idx="5"/>
+          </p:nvPr>
+        </p:nvSpPr>
+        <p:spPr/>
+        <p:txBody>
+          <a:bodyPr/>
+          <a:lstStyle/>
+          <a:p>
+            <a:fld id="{156915C4-B14C-4B17-84BC-20259BAD4A2F}" type="slidenum">
+              <a:rPr lang="zh-CN" altLang="en-US" smtClean="0"/>
+              <a:t>9</a:t>
+            </a:fld>
+            <a:endParaRPr lang="zh-CN" altLang="en-US"/>
+          </a:p>
+        </p:txBody>
+      </p:sp>
+    </p:spTree>
+    <p:extLst>
+      <p:ext uri="{BB962C8B-B14F-4D97-AF65-F5344CB8AC3E}">
+        <p14:creationId xmlns:p14="http://schemas.microsoft.com/office/powerpoint/2010/main" val="3361687695"/>
+      </p:ext>
+    </p:extLst>
+  </p:cSld>
+  <p:clrMapOvr>
+    <a:masterClrMapping/>
+  </p:clrMapOvr>
+</p:notes>
+</file>
+
+<file path=ppt/notesSlides/notesSlide9.xml><?xml version="1.0" encoding="utf-8"?>
+<p:notes xmlns:a="http://schemas.openxmlformats.org/drawingml/2006/main" xmlns:r="http://schemas.openxmlformats.org/officeDocument/2006/relationships" xmlns:p="http://schemas.openxmlformats.org/presentationml/2006/main">
+  <p:cSld>
+    <p:spTree>
+      <p:nvGrpSpPr>
+        <p:cNvPr id="1" name=""/>
+        <p:cNvGrpSpPr/>
+        <p:nvPr/>
+      </p:nvGrpSpPr>
+      <p:grpSpPr>
+        <a:xfrm>
+          <a:off x="0" y="0"/>
+          <a:ext cx="0" cy="0"/>
+          <a:chOff x="0" y="0"/>
+          <a:chExt cx="0" cy="0"/>
+        </a:xfrm>
+      </p:grpSpPr>
+      <p:sp>
+        <p:nvSpPr>
+          <p:cNvPr id="2" name="幻灯片图像占位符 1"/>
+          <p:cNvSpPr>
+            <a:spLocks noGrp="1" noRot="1" noChangeAspect="1"/>
+          </p:cNvSpPr>
+          <p:nvPr>
+            <p:ph type="sldImg"/>
+          </p:nvPr>
+        </p:nvSpPr>
+        <p:spPr/>
+      </p:sp>
+      <p:sp>
+        <p:nvSpPr>
+          <p:cNvPr id="3" name="备注占位符 2"/>
+          <p:cNvSpPr>
+            <a:spLocks noGrp="1"/>
+          </p:cNvSpPr>
+          <p:nvPr>
+            <p:ph type="body" idx="1"/>
+          </p:nvPr>
+        </p:nvSpPr>
+        <p:spPr/>
+        <p:txBody>
+          <a:bodyPr/>
+          <a:lstStyle/>
+          <a:p>
+            <a:r>
+              <a:rPr lang="en-US" altLang="zh-CN" dirty="0"/>
+              <a:t>the rest can be done in the same manner</a:t>
+            </a:r>
+            <a:endParaRPr lang="zh-CN" altLang="en-US" dirty="0"/>
+          </a:p>
+        </p:txBody>
+      </p:sp>
+      <p:sp>
+        <p:nvSpPr>
+          <p:cNvPr id="4" name="灯片编号占位符 3"/>
+          <p:cNvSpPr>
+            <a:spLocks noGrp="1"/>
+          </p:cNvSpPr>
+          <p:nvPr>
+            <p:ph type="sldNum" sz="quarter" idx="5"/>
+          </p:nvPr>
+        </p:nvSpPr>
+        <p:spPr/>
+        <p:txBody>
+          <a:bodyPr/>
+          <a:lstStyle/>
+          <a:p>
+            <a:fld id="{156915C4-B14C-4B17-84BC-20259BAD4A2F}" type="slidenum">
+              <a:rPr lang="zh-CN" altLang="en-US" smtClean="0"/>
+              <a:t>16</a:t>
+            </a:fld>
+            <a:endParaRPr lang="zh-CN" altLang="en-US"/>
+          </a:p>
+        </p:txBody>
+      </p:sp>
+    </p:spTree>
+    <p:extLst>
+      <p:ext uri="{BB962C8B-B14F-4D97-AF65-F5344CB8AC3E}">
+        <p14:creationId xmlns:p14="http://schemas.microsoft.com/office/powerpoint/2010/main" val="619864637"/>
+      </p:ext>
+    </p:extLst>
+  </p:cSld>
+  <p:clrMapOvr>
+    <a:masterClrMapping/>
+  </p:clrMapOvr>
+</p:notes>
+</file>
+
 <file path=ppt/slideLayouts/slideLayout1.xml><?xml version="1.0" encoding="utf-8"?>
 <p:sldLayout xmlns:a="http://schemas.openxmlformats.org/drawingml/2006/main" xmlns:r="http://schemas.openxmlformats.org/officeDocument/2006/relationships" xmlns:p="http://schemas.openxmlformats.org/presentationml/2006/main" type="title" preserve="1">
   <p:cSld name="Title Slide">
@@ -12204,7 +14082,7 @@
           <a:p>
             <a:fld id="{A1E45834-53BD-4C8F-B791-CD5378F4150E}" type="datetimeFigureOut">
               <a:rPr lang="en-US" smtClean="0"/>
-              <a:t>12/16/2022</a:t>
+              <a:t>12/18/2022</a:t>
             </a:fld>
             <a:endParaRPr lang="en-US"/>
           </a:p>
@@ -12402,7 +14280,7 @@
           <a:p>
             <a:fld id="{A1E45834-53BD-4C8F-B791-CD5378F4150E}" type="datetimeFigureOut">
               <a:rPr lang="en-US" smtClean="0"/>
-              <a:t>12/16/2022</a:t>
+              <a:t>12/18/2022</a:t>
             </a:fld>
             <a:endParaRPr lang="en-US"/>
           </a:p>
@@ -12610,7 +14488,7 @@
           <a:p>
             <a:fld id="{A1E45834-53BD-4C8F-B791-CD5378F4150E}" type="datetimeFigureOut">
               <a:rPr lang="en-US" smtClean="0"/>
-              <a:t>12/16/2022</a:t>
+              <a:t>12/18/2022</a:t>
             </a:fld>
             <a:endParaRPr lang="en-US"/>
           </a:p>
@@ -12851,7 +14729,7 @@
           <a:p>
             <a:fld id="{A1E45834-53BD-4C8F-B791-CD5378F4150E}" type="datetimeFigureOut">
               <a:rPr lang="en-US" smtClean="0"/>
-              <a:t>12/16/2022</a:t>
+              <a:t>12/18/2022</a:t>
             </a:fld>
             <a:endParaRPr lang="en-US"/>
           </a:p>
@@ -13128,7 +15006,7 @@
           <a:p>
             <a:fld id="{A1E45834-53BD-4C8F-B791-CD5378F4150E}" type="datetimeFigureOut">
               <a:rPr lang="en-US" smtClean="0"/>
-              <a:t>12/16/2022</a:t>
+              <a:t>12/18/2022</a:t>
             </a:fld>
             <a:endParaRPr lang="en-US"/>
           </a:p>
@@ -13398,7 +15276,7 @@
           <a:p>
             <a:fld id="{A1E45834-53BD-4C8F-B791-CD5378F4150E}" type="datetimeFigureOut">
               <a:rPr lang="en-US" smtClean="0"/>
-              <a:t>12/16/2022</a:t>
+              <a:t>12/18/2022</a:t>
             </a:fld>
             <a:endParaRPr lang="en-US"/>
           </a:p>
@@ -13820,7 +15698,7 @@
           <a:p>
             <a:fld id="{A1E45834-53BD-4C8F-B791-CD5378F4150E}" type="datetimeFigureOut">
               <a:rPr lang="en-US" smtClean="0"/>
-              <a:t>12/16/2022</a:t>
+              <a:t>12/18/2022</a:t>
             </a:fld>
             <a:endParaRPr lang="en-US"/>
           </a:p>
@@ -13965,7 +15843,7 @@
           <a:p>
             <a:fld id="{A1E45834-53BD-4C8F-B791-CD5378F4150E}" type="datetimeFigureOut">
               <a:rPr lang="en-US" smtClean="0"/>
-              <a:t>12/16/2022</a:t>
+              <a:t>12/18/2022</a:t>
             </a:fld>
             <a:endParaRPr lang="en-US"/>
           </a:p>
@@ -14078,7 +15956,7 @@
           <a:p>
             <a:fld id="{A1E45834-53BD-4C8F-B791-CD5378F4150E}" type="datetimeFigureOut">
               <a:rPr lang="en-US" smtClean="0"/>
-              <a:t>12/16/2022</a:t>
+              <a:t>12/18/2022</a:t>
             </a:fld>
             <a:endParaRPr lang="en-US"/>
           </a:p>
@@ -14391,7 +16269,7 @@
           <a:p>
             <a:fld id="{A1E45834-53BD-4C8F-B791-CD5378F4150E}" type="datetimeFigureOut">
               <a:rPr lang="en-US" smtClean="0"/>
-              <a:t>12/16/2022</a:t>
+              <a:t>12/18/2022</a:t>
             </a:fld>
             <a:endParaRPr lang="en-US"/>
           </a:p>
@@ -14684,7 +16562,7 @@
           <a:p>
             <a:fld id="{A1E45834-53BD-4C8F-B791-CD5378F4150E}" type="datetimeFigureOut">
               <a:rPr lang="en-US" smtClean="0"/>
-              <a:t>12/16/2022</a:t>
+              <a:t>12/18/2022</a:t>
             </a:fld>
             <a:endParaRPr lang="en-US"/>
           </a:p>
@@ -14923,7 +16801,7 @@
           <a:p>
             <a:fld id="{A1E45834-53BD-4C8F-B791-CD5378F4150E}" type="datetimeFigureOut">
               <a:rPr lang="en-US" smtClean="0"/>
-              <a:t>12/16/2022</a:t>
+              <a:t>12/18/2022</a:t>
             </a:fld>
             <a:endParaRPr lang="en-US"/>
           </a:p>
@@ -15492,13 +17370,48 @@
           <a:lstStyle/>
           <a:p>
             <a:r>
-              <a:rPr lang="zh-CN" sz="3200">
+              <a:rPr lang="zh-CN" sz="3200" dirty="0">
                 <a:ea typeface="+mj-lt"/>
                 <a:cs typeface="+mj-lt"/>
               </a:rPr>
-              <a:t>The Robustness of Watermark Embeddedness Based on Different Transformations with Different Algorithms into Different Fre</a:t>
-            </a:r>
-            <a:endParaRPr lang="zh-CN" sz="3200"/>
+              <a:t>The Robustness of Watermark Embedd</a:t>
+            </a:r>
+            <a:r>
+              <a:rPr lang="en-US" altLang="zh-CN" sz="3200" dirty="0" err="1">
+                <a:ea typeface="+mj-lt"/>
+                <a:cs typeface="+mj-lt"/>
+              </a:rPr>
+              <a:t>ing</a:t>
+            </a:r>
+            <a:r>
+              <a:rPr lang="zh-CN" sz="3200" dirty="0">
+                <a:ea typeface="+mj-lt"/>
+                <a:cs typeface="+mj-lt"/>
+              </a:rPr>
+              <a:t> Based on Different Transfor</a:t>
+            </a:r>
+            <a:r>
+              <a:rPr lang="en-US" altLang="zh-CN" sz="3200" dirty="0" err="1">
+                <a:ea typeface="+mj-lt"/>
+                <a:cs typeface="+mj-lt"/>
+              </a:rPr>
+              <a:t>ms</a:t>
+            </a:r>
+            <a:r>
+              <a:rPr lang="zh-CN" sz="3200" dirty="0">
+                <a:ea typeface="+mj-lt"/>
+                <a:cs typeface="+mj-lt"/>
+              </a:rPr>
+              <a:t> with Different Algorithms into Different Fre</a:t>
+            </a:r>
+            <a:r>
+              <a:rPr lang="en-US" altLang="zh-CN" sz="3200" dirty="0" err="1">
+                <a:ea typeface="+mj-lt"/>
+                <a:cs typeface="+mj-lt"/>
+              </a:rPr>
+              <a:t>quency</a:t>
+            </a:r>
+            <a:endParaRPr lang="zh-CN" sz="3200" dirty="0"/>
           </a:p>
         </p:txBody>
       </p:sp>
@@ -16430,7 +18343,7 @@
             <a:pPr marL="342900" indent="-342900">
               <a:buAutoNum type="arabicPeriod"/>
             </a:pPr>
-            <a:endParaRPr lang="zh-CN">
+            <a:endParaRPr lang="zh-CN" sz="2400" dirty="0">
               <a:ea typeface="+mn-lt"/>
               <a:cs typeface="+mn-lt"/>
             </a:endParaRPr>
@@ -16441,7 +18354,7 @@
               <a:buChar char="•"/>
             </a:pPr>
             <a:r>
-              <a:rPr lang="zh-CN">
+              <a:rPr lang="zh-CN" sz="2400" dirty="0">
                 <a:ea typeface="+mn-lt"/>
                 <a:cs typeface="+mn-lt"/>
               </a:rPr>
@@ -16454,62 +18367,62 @@
               <a:buChar char="•"/>
             </a:pPr>
             <a:r>
-              <a:rPr lang="en-US" altLang="zh-CN">
+              <a:rPr lang="en-US" altLang="zh-CN" sz="2400" dirty="0">
                 <a:ea typeface="+mn-lt"/>
                 <a:cs typeface="+mn-lt"/>
               </a:rPr>
               <a:t>The</a:t>
             </a:r>
             <a:r>
-              <a:rPr lang="zh-CN">
+              <a:rPr lang="zh-CN" sz="2400" dirty="0">
                 <a:ea typeface="+mn-lt"/>
                 <a:cs typeface="+mn-lt"/>
               </a:rPr>
               <a:t> </a:t>
             </a:r>
             <a:r>
-              <a:rPr lang="en-US" altLang="zh-CN">
+              <a:rPr lang="en-US" altLang="zh-CN" sz="2400" dirty="0">
                 <a:ea typeface="+mn-lt"/>
                 <a:cs typeface="+mn-lt"/>
               </a:rPr>
               <a:t>same</a:t>
             </a:r>
             <a:r>
-              <a:rPr lang="zh-CN">
+              <a:rPr lang="zh-CN" sz="2400" dirty="0">
                 <a:ea typeface="+mn-lt"/>
                 <a:cs typeface="+mn-lt"/>
               </a:rPr>
               <a:t> </a:t>
             </a:r>
             <a:r>
-              <a:rPr lang="en-US" altLang="zh-CN">
+              <a:rPr lang="en-US" altLang="zh-CN" sz="2400" dirty="0">
                 <a:ea typeface="+mn-lt"/>
                 <a:cs typeface="+mn-lt"/>
               </a:rPr>
               <a:t>size</a:t>
             </a:r>
             <a:r>
-              <a:rPr lang="zh-CN">
+              <a:rPr lang="zh-CN" sz="2400" dirty="0">
                 <a:ea typeface="+mn-lt"/>
                 <a:cs typeface="+mn-lt"/>
               </a:rPr>
               <a:t> as e</a:t>
             </a:r>
             <a:r>
-              <a:rPr lang="en-US" altLang="zh-CN" err="1">
+              <a:rPr lang="en-US" altLang="zh-CN" sz="2400" dirty="0" err="1">
                 <a:ea typeface="+mn-lt"/>
                 <a:cs typeface="+mn-lt"/>
               </a:rPr>
               <a:t>mbedded</a:t>
             </a:r>
             <a:r>
-              <a:rPr lang="en-US" altLang="zh-CN">
+              <a:rPr lang="en-US" altLang="zh-CN" sz="2400" dirty="0">
                 <a:ea typeface="+mn-lt"/>
                 <a:cs typeface="+mn-lt"/>
               </a:rPr>
               <a:t> band</a:t>
             </a:r>
-            <a:endParaRPr lang="zh-CN">
+            <a:endParaRPr lang="zh-CN" sz="2400" dirty="0">
               <a:ea typeface="+mn-lt"/>
               <a:cs typeface="+mn-lt"/>
             </a:endParaRPr>
@@ -16520,13 +18433,13 @@
               <a:buChar char="•"/>
             </a:pPr>
             <a:r>
-              <a:rPr lang="en-US" altLang="zh-CN">
+              <a:rPr lang="en-US" altLang="zh-CN" sz="2400" dirty="0">
                 <a:ea typeface="+mn-lt"/>
                 <a:cs typeface="+mn-lt"/>
               </a:rPr>
               <a:t>A certain seed</a:t>
             </a:r>
-            <a:endParaRPr lang="zh-CN"/>
+            <a:endParaRPr lang="zh-CN" sz="2400" dirty="0"/>
           </a:p>
         </p:txBody>
       </p:sp>
@@ -16618,7 +18531,7 @@
             <a:pPr marL="0" indent="0">
               <a:buNone/>
             </a:pPr>
-            <a:endParaRPr lang="zh-CN" altLang="en-US" sz="2400"/>
+            <a:endParaRPr lang="zh-CN" altLang="en-US" sz="2400" dirty="0"/>
           </a:p>
           <a:p>
             <a:pPr>
@@ -16626,13 +18539,13 @@
               <a:buChar char="•"/>
             </a:pPr>
             <a:r>
-              <a:rPr lang="zh-CN">
+              <a:rPr lang="zh-CN" sz="2400" dirty="0">
                 <a:ea typeface="+mn-lt"/>
                 <a:cs typeface="+mn-lt"/>
               </a:rPr>
               <a:t>higher than t1 and lower than t2</a:t>
             </a:r>
-            <a:endParaRPr lang="zh-CN" altLang="en-US"/>
+            <a:endParaRPr lang="zh-CN" altLang="en-US" sz="2400" dirty="0"/>
           </a:p>
           <a:p>
             <a:pPr>
@@ -16640,7 +18553,7 @@
               <a:buChar char="•"/>
             </a:pPr>
             <a:r>
-              <a:rPr lang="en-US" altLang="zh-CN"/>
+              <a:rPr lang="en-US" altLang="zh-CN" sz="2400" dirty="0"/>
               <a:t> t</a:t>
             </a:r>
           </a:p>
@@ -16650,26 +18563,26 @@
               <a:buChar char="•"/>
             </a:pPr>
             <a:r>
-              <a:rPr lang="en-US" i="1">
+              <a:rPr lang="en-US" sz="2400" i="1" dirty="0">
                 <a:ea typeface="+mn-lt"/>
                 <a:cs typeface="+mn-lt"/>
               </a:rPr>
               <a:t>0.01&lt; α&lt;0.1 and t2&gt;t1&gt;t</a:t>
             </a:r>
-            <a:endParaRPr lang="en-US" altLang="zh-CN"/>
+            <a:endParaRPr lang="en-US" altLang="zh-CN" sz="2400" dirty="0"/>
           </a:p>
           <a:p>
             <a:pPr>
               <a:buFont typeface="Arial" panose="020B0504020202020204" pitchFamily="34" charset="0"/>
               <a:buChar char="•"/>
             </a:pPr>
-            <a:endParaRPr lang="zh-CN"/>
+            <a:endParaRPr lang="zh-CN" sz="2400" dirty="0"/>
           </a:p>
           <a:p>
             <a:pPr marL="0" indent="0">
               <a:buNone/>
             </a:pPr>
-            <a:endParaRPr lang="zh-CN" altLang="en-US"/>
+            <a:endParaRPr lang="zh-CN" altLang="en-US" sz="2400" dirty="0"/>
           </a:p>
         </p:txBody>
       </p:sp>
@@ -16695,7 +18608,7 @@
         </p:blipFill>
         <p:spPr>
           <a:xfrm>
-            <a:off x="1575666" y="3579525"/>
+            <a:off x="1675874" y="3742364"/>
             <a:ext cx="1143577" cy="449406"/>
           </a:xfrm>
           <a:prstGeom prst="rect">
@@ -17053,7 +18966,7 @@
           <p:nvPr/>
         </p:nvPicPr>
         <p:blipFill>
-          <a:blip r:embed="rId2"/>
+          <a:blip r:embed="rId3"/>
           <a:stretch>
             <a:fillRect/>
           </a:stretch>
@@ -17906,34 +19819,27 @@
           <a:lstStyle/>
           <a:p>
             <a:r>
-              <a:rPr lang="en-US" altLang="zh-CN" err="1">
+              <a:rPr lang="en-US" altLang="zh-CN" dirty="0" err="1">
                 <a:ea typeface="+mn-lt"/>
                 <a:cs typeface="+mn-lt"/>
               </a:rPr>
               <a:t>W'ij</a:t>
             </a:r>
             <a:r>
-              <a:rPr lang="en-US" altLang="zh-CN">
+              <a:rPr lang="en-US" altLang="zh-CN" dirty="0">
                 <a:ea typeface="+mn-lt"/>
                 <a:cs typeface="+mn-lt"/>
               </a:rPr>
-              <a:t> :</a:t>
-            </a:r>
-            <a:r>
-              <a:rPr lang="en-US" altLang="zh-CN" err="1">
+              <a:t> : </a:t>
+            </a:r>
+            <a:r>
+              <a:rPr lang="zh-CN" dirty="0">
                 <a:ea typeface="+mn-lt"/>
                 <a:cs typeface="+mn-lt"/>
               </a:rPr>
-              <a:t>i</a:t>
-            </a:r>
-            <a:r>
-              <a:rPr lang="zh-CN">
-                <a:ea typeface="+mn-lt"/>
-                <a:cs typeface="+mn-lt"/>
-              </a:rPr>
-              <a:t>s the watermark detected at the corresponding position.</a:t>
-            </a:r>
-            <a:endParaRPr lang="zh-CN" altLang="en-US"/>
+              <a:t>the watermark detected at the corresponding position.</a:t>
+            </a:r>
+            <a:endParaRPr lang="zh-CN" altLang="en-US" dirty="0"/>
           </a:p>
         </p:txBody>
       </p:sp>
@@ -18199,7 +20105,7 @@
         </p:xfrm>
         <a:graphic>
           <a:graphicData uri="http://schemas.openxmlformats.org/drawingml/2006/diagram">
-            <dgm:relIds xmlns:dgm="http://schemas.openxmlformats.org/drawingml/2006/diagram" xmlns:r="http://schemas.openxmlformats.org/officeDocument/2006/relationships" r:dm="rId2" r:lo="rId3" r:qs="rId4" r:cs="rId5"/>
+            <dgm:relIds xmlns:dgm="http://schemas.openxmlformats.org/drawingml/2006/diagram" xmlns:r="http://schemas.openxmlformats.org/officeDocument/2006/relationships" r:dm="rId3" r:lo="rId4" r:qs="rId5" r:cs="rId6"/>
           </a:graphicData>
         </a:graphic>
       </p:graphicFrame>
@@ -18662,29 +20568,21 @@
               <a:buChar char="•"/>
             </a:pPr>
             <a:r>
-              <a:rPr lang="en-US" err="1"/>
+              <a:rPr lang="en-US" dirty="0" err="1"/>
               <a:t>Wij</a:t>
             </a:r>
             <a:r>
-              <a:rPr lang="en-US"/>
-              <a:t> is the </a:t>
-            </a:r>
-            <a:r>
-              <a:rPr lang="en-US" err="1"/>
-              <a:t>coeffient</a:t>
-            </a:r>
-            <a:r>
-              <a:rPr lang="en-US"/>
-              <a:t> </a:t>
-            </a:r>
-            <a:r>
-              <a:rPr lang="en-US">
+              <a:rPr lang="en-US" dirty="0"/>
+              <a:t> is the coefficient </a:t>
+            </a:r>
+            <a:r>
+              <a:rPr lang="en-US" dirty="0">
                 <a:ea typeface="+mn-lt"/>
                 <a:cs typeface="+mn-lt"/>
               </a:rPr>
               <a:t>with value higher than t1</a:t>
             </a:r>
-            <a:endParaRPr lang="zh-CN"/>
+            <a:endParaRPr lang="zh-CN" dirty="0"/>
           </a:p>
           <a:p>
             <a:pPr>
@@ -18692,14 +20590,14 @@
               <a:buChar char="•"/>
             </a:pPr>
             <a:r>
-              <a:rPr lang="en-US" err="1"/>
+              <a:rPr lang="en-US" dirty="0" err="1"/>
               <a:t>Xij</a:t>
             </a:r>
             <a:r>
-              <a:rPr lang="en-US"/>
+              <a:rPr lang="en-US" dirty="0"/>
               <a:t> is the watermark: </a:t>
             </a:r>
-            <a:endParaRPr lang="en-US">
+            <a:endParaRPr lang="en-US" dirty="0">
               <a:ea typeface="+mn-lt"/>
               <a:cs typeface="+mn-lt"/>
             </a:endParaRPr>
@@ -18709,7 +20607,7 @@
               <a:buAutoNum type="arabicPeriod"/>
             </a:pPr>
             <a:r>
-              <a:rPr lang="en-US">
+              <a:rPr lang="en-US" dirty="0">
                 <a:ea typeface="+mn-lt"/>
                 <a:cs typeface="+mn-lt"/>
               </a:rPr>
@@ -18721,7 +20619,7 @@
               <a:buAutoNum type="arabicPeriod"/>
             </a:pPr>
             <a:r>
-              <a:rPr lang="en-US">
+              <a:rPr lang="en-US" dirty="0">
                 <a:ea typeface="+mn-lt"/>
                 <a:cs typeface="+mn-lt"/>
               </a:rPr>
@@ -18733,16 +20631,16 @@
               <a:buAutoNum type="arabicPeriod"/>
             </a:pPr>
             <a:r>
-              <a:rPr lang="en-US">
+              <a:rPr lang="en-US" dirty="0">
                 <a:ea typeface="+mn-lt"/>
                 <a:cs typeface="+mn-lt"/>
               </a:rPr>
               <a:t>equal in size to the input image</a:t>
             </a:r>
-            <a:endParaRPr lang="en-US"/>
-          </a:p>
-          <a:p>
-            <a:endParaRPr lang="en-US"/>
+            <a:endParaRPr lang="en-US" dirty="0"/>
+          </a:p>
+          <a:p>
+            <a:endParaRPr lang="en-US" dirty="0"/>
           </a:p>
         </p:txBody>
       </p:sp>
@@ -19117,7 +21015,7 @@
           <p:nvPr/>
         </p:nvPicPr>
         <p:blipFill rotWithShape="1">
-          <a:blip r:embed="rId2"/>
+          <a:blip r:embed="rId3"/>
           <a:srcRect l="8820" r="6298" b="1"/>
           <a:stretch/>
         </p:blipFill>
@@ -20515,7 +22413,7 @@
           </p:nvPr>
         </p:nvPicPr>
         <p:blipFill>
-          <a:blip r:embed="rId2"/>
+          <a:blip r:embed="rId3"/>
           <a:stretch>
             <a:fillRect/>
           </a:stretch>
@@ -20607,7 +22505,7 @@
         </p:xfrm>
         <a:graphic>
           <a:graphicData uri="http://schemas.openxmlformats.org/drawingml/2006/diagram">
-            <dgm:relIds xmlns:dgm="http://schemas.openxmlformats.org/drawingml/2006/diagram" xmlns:r="http://schemas.openxmlformats.org/officeDocument/2006/relationships" r:dm="rId2" r:lo="rId3" r:qs="rId4" r:cs="rId5"/>
+            <dgm:relIds xmlns:dgm="http://schemas.openxmlformats.org/drawingml/2006/diagram" xmlns:r="http://schemas.openxmlformats.org/officeDocument/2006/relationships" r:dm="rId3" r:lo="rId4" r:qs="rId5" r:cs="rId6"/>
           </a:graphicData>
         </a:graphic>
       </p:graphicFrame>
@@ -20701,19 +22599,19 @@
               <a:buChar char="•"/>
             </a:pPr>
             <a:r>
-              <a:rPr lang="zh-CN" sz="3200">
+              <a:rPr lang="zh-CN" sz="3200" dirty="0">
                 <a:ea typeface="+mn-lt"/>
                 <a:cs typeface="+mn-lt"/>
               </a:rPr>
               <a:t>the original picture is not necessary for extracting the watermark from the embedded picture.</a:t>
             </a:r>
-            <a:endParaRPr lang="zh-CN" altLang="en-US" sz="3200"/>
+            <a:endParaRPr lang="zh-CN" altLang="en-US" sz="3200" dirty="0"/>
           </a:p>
           <a:p>
             <a:pPr marL="0" indent="0">
               <a:buNone/>
             </a:pPr>
-            <a:endParaRPr lang="zh-CN" sz="3200"/>
+            <a:endParaRPr lang="zh-CN" sz="3200" dirty="0"/>
           </a:p>
         </p:txBody>
       </p:sp>
@@ -21853,7 +23751,7 @@
           <p:nvPr/>
         </p:nvPicPr>
         <p:blipFill rotWithShape="1">
-          <a:blip r:embed="rId2">
+          <a:blip r:embed="rId3">
             <a:alphaModFix/>
           </a:blip>
           <a:srcRect t="17107" r="-2" b="5731"/>
@@ -22365,7 +24263,7 @@
           <p:nvPr/>
         </p:nvPicPr>
         <p:blipFill rotWithShape="1">
-          <a:blip r:embed="rId2"/>
+          <a:blip r:embed="rId3"/>
           <a:srcRect l="6053" r="6516" b="5"/>
           <a:stretch/>
         </p:blipFill>
@@ -22613,7 +24511,7 @@
               <a:buChar char="•"/>
             </a:pPr>
             <a:r>
-              <a:rPr lang="zh-CN" sz="2400">
+              <a:rPr lang="zh-CN" sz="2400" dirty="0">
                 <a:ea typeface="+mn-lt"/>
                 <a:cs typeface="+mn-lt"/>
               </a:rPr>
@@ -22626,27 +24524,27 @@
               <a:buChar char="•"/>
             </a:pPr>
             <a:r>
-              <a:rPr lang="en-US" altLang="zh-CN" sz="2400">
+              <a:rPr lang="en-US" altLang="zh-CN" sz="2400" dirty="0">
                 <a:ea typeface="+mn-lt"/>
                 <a:cs typeface="+mn-lt"/>
               </a:rPr>
               <a:t>3</a:t>
             </a:r>
             <a:r>
-              <a:rPr lang="zh-CN" altLang="en-US" sz="2400">
+              <a:rPr lang="zh-CN" altLang="en-US" sz="2400" dirty="0">
                 <a:ea typeface="+mn-lt"/>
                 <a:cs typeface="+mn-lt"/>
               </a:rPr>
               <a:t> </a:t>
             </a:r>
             <a:r>
-              <a:rPr lang="en-US" altLang="zh-CN" sz="2400">
+              <a:rPr lang="en-US" altLang="zh-CN" sz="2400" dirty="0">
                 <a:ea typeface="+mn-lt"/>
                 <a:cs typeface="+mn-lt"/>
               </a:rPr>
               <a:t>levels</a:t>
             </a:r>
-            <a:endParaRPr lang="zh-CN" sz="2400"/>
+            <a:endParaRPr lang="zh-CN" sz="2400" dirty="0"/>
           </a:p>
         </p:txBody>
       </p:sp>
@@ -22665,7 +24563,7 @@
           <p:nvPr/>
         </p:nvPicPr>
         <p:blipFill>
-          <a:blip r:embed="rId2"/>
+          <a:blip r:embed="rId3"/>
           <a:stretch>
             <a:fillRect/>
           </a:stretch>
@@ -22752,14 +24650,14 @@
           </p:nvPr>
         </p:nvPicPr>
         <p:blipFill>
-          <a:blip r:embed="rId2"/>
+          <a:blip r:embed="rId3"/>
           <a:stretch>
             <a:fillRect/>
           </a:stretch>
         </p:blipFill>
         <p:spPr>
           <a:xfrm>
-            <a:off x="2445341" y="492785"/>
+            <a:off x="3230274" y="539894"/>
             <a:ext cx="5731452" cy="5778211"/>
           </a:xfrm>
         </p:spPr>
@@ -22976,4 +24874,299 @@
     </a:ext>
   </a:extLst>
 </a:theme>
+</file>
+
+<file path=ppt/theme/theme2.xml><?xml version="1.0" encoding="utf-8"?>
+<a:theme xmlns:a="http://schemas.openxmlformats.org/drawingml/2006/main" name="Office 主题​​">
+  <a:themeElements>
+    <a:clrScheme name="Office">
+      <a:dk1>
+        <a:sysClr val="windowText" lastClr="000000"/>
+      </a:dk1>
+      <a:lt1>
+        <a:sysClr val="window" lastClr="FFFFFF"/>
+      </a:lt1>
+      <a:dk2>
+        <a:srgbClr val="44546A"/>
+      </a:dk2>
+      <a:lt2>
+        <a:srgbClr val="E7E6E6"/>
+      </a:lt2>
+      <a:accent1>
+        <a:srgbClr val="4472C4"/>
+      </a:accent1>
+      <a:accent2>
+        <a:srgbClr val="ED7D31"/>
+      </a:accent2>
+      <a:accent3>
+        <a:srgbClr val="A5A5A5"/>
+      </a:accent3>
+      <a:accent4>
+        <a:srgbClr val="FFC000"/>
+      </a:accent4>
+      <a:accent5>
+        <a:srgbClr val="5B9BD5"/>
+      </a:accent5>
+      <a:accent6>
+        <a:srgbClr val="70AD47"/>
+      </a:accent6>
+      <a:hlink>
+        <a:srgbClr val="0563C1"/>
+      </a:hlink>
+      <a:folHlink>
+        <a:srgbClr val="954F72"/>
+      </a:folHlink>
+    </a:clrScheme>
+    <a:fontScheme name="Office">
+      <a:majorFont>
+        <a:latin typeface="等线 Light" panose="020F0302020204030204"/>
+        <a:ea typeface=""/>
+        <a:cs typeface=""/>
+        <a:font script="Jpan" typeface="游ゴシック Light"/>
+        <a:font script="Hang" typeface="맑은 고딕"/>
+        <a:font script="Hans" typeface="等线 Light"/>
+        <a:font script="Hant" typeface="新細明體"/>
+        <a:font script="Arab" typeface="Times New Roman"/>
+        <a:font script="Hebr" typeface="Times New Roman"/>
+        <a:font script="Thai" typeface="Angsana New"/>
+        <a:font script="Ethi" typeface="Nyala"/>
+        <a:font script="Beng" typeface="Vrinda"/>
+        <a:font script="Gujr" typeface="Shruti"/>
+        <a:font script="Khmr" typeface="MoolBoran"/>
+        <a:font script="Knda" typeface="Tunga"/>
+        <a:font script="Guru" typeface="Raavi"/>
+        <a:font script="Cans" typeface="Euphemia"/>
+        <a:font script="Cher" typeface="Plantagenet Cherokee"/>
+        <a:font script="Yiii" typeface="Microsoft Yi Baiti"/>
+        <a:font script="Tibt" typeface="Microsoft Himalaya"/>
+        <a:font script="Thaa" typeface="MV Boli"/>
+        <a:font script="Deva" typeface="Mangal"/>
+        <a:font script="Telu" typeface="Gautami"/>
+        <a:font script="Taml" typeface="Latha"/>
+        <a:font script="Syrc" typeface="Estrangelo Edessa"/>
+        <a:font script="Orya" typeface="Kalinga"/>
+        <a:font script="Mlym" typeface="Kartika"/>
+        <a:font script="Laoo" typeface="DokChampa"/>
+        <a:font script="Sinh" typeface="Iskoola Pota"/>
+        <a:font script="Mong" typeface="Mongolian Baiti"/>
+        <a:font script="Viet" typeface="Times New Roman"/>
+        <a:font script="Uigh" typeface="Microsoft Uighur"/>
+        <a:font script="Geor" typeface="Sylfaen"/>
+        <a:font script="Armn" typeface="Arial"/>
+        <a:font script="Bugi" typeface="Leelawadee UI"/>
+        <a:font script="Bopo" typeface="Microsoft JhengHei"/>
+        <a:font script="Java" typeface="Javanese Text"/>
+        <a:font script="Lisu" typeface="Segoe UI"/>
+        <a:font script="Mymr" typeface="Myanmar Text"/>
+        <a:font script="Nkoo" typeface="Ebrima"/>
+        <a:font script="Olck" typeface="Nirmala UI"/>
+        <a:font script="Osma" typeface="Ebrima"/>
+        <a:font script="Phag" typeface="Phagspa"/>
+        <a:font script="Syrn" typeface="Estrangelo Edessa"/>
+        <a:font script="Syrj" typeface="Estrangelo Edessa"/>
+        <a:font script="Syre" typeface="Estrangelo Edessa"/>
+        <a:font script="Sora" typeface="Nirmala UI"/>
+        <a:font script="Tale" typeface="Microsoft Tai Le"/>
+        <a:font script="Talu" typeface="Microsoft New Tai Lue"/>
+        <a:font script="Tfng" typeface="Ebrima"/>
+      </a:majorFont>
+      <a:minorFont>
+        <a:latin typeface="等线" panose="020F0502020204030204"/>
+        <a:ea typeface=""/>
+        <a:cs typeface=""/>
+        <a:font script="Jpan" typeface="游ゴシック"/>
+        <a:font script="Hang" typeface="맑은 고딕"/>
+        <a:font script="Hans" typeface="等线"/>
+        <a:font script="Hant" typeface="新細明體"/>
+        <a:font script="Arab" typeface="Arial"/>
+        <a:font script="Hebr" typeface="Arial"/>
+        <a:font script="Thai" typeface="Cordia New"/>
+        <a:font script="Ethi" typeface="Nyala"/>
+        <a:font script="Beng" typeface="Vrinda"/>
+        <a:font script="Gujr" typeface="Shruti"/>
+        <a:font script="Khmr" typeface="DaunPenh"/>
+        <a:font script="Knda" typeface="Tunga"/>
+        <a:font script="Guru" typeface="Raavi"/>
+        <a:font script="Cans" typeface="Euphemia"/>
+        <a:font script="Cher" typeface="Plantagenet Cherokee"/>
+        <a:font script="Yiii" typeface="Microsoft Yi Baiti"/>
+        <a:font script="Tibt" typeface="Microsoft Himalaya"/>
+        <a:font script="Thaa" typeface="MV Boli"/>
+        <a:font script="Deva" typeface="Mangal"/>
+        <a:font script="Telu" typeface="Gautami"/>
+        <a:font script="Taml" typeface="Latha"/>
+        <a:font script="Syrc" typeface="Estrangelo Edessa"/>
+        <a:font script="Orya" typeface="Kalinga"/>
+        <a:font script="Mlym" typeface="Kartika"/>
+        <a:font script="Laoo" typeface="DokChampa"/>
+        <a:font script="Sinh" typeface="Iskoola Pota"/>
+        <a:font script="Mong" typeface="Mongolian Baiti"/>
+        <a:font script="Viet" typeface="Arial"/>
+        <a:font script="Uigh" typeface="Microsoft Uighur"/>
+        <a:font script="Geor" typeface="Sylfaen"/>
+        <a:font script="Armn" typeface="Arial"/>
+        <a:font script="Bugi" typeface="Leelawadee UI"/>
+        <a:font script="Bopo" typeface="Microsoft JhengHei"/>
+        <a:font script="Java" typeface="Javanese Text"/>
+        <a:font script="Lisu" typeface="Segoe UI"/>
+        <a:font script="Mymr" typeface="Myanmar Text"/>
+        <a:font script="Nkoo" typeface="Ebrima"/>
+        <a:font script="Olck" typeface="Nirmala UI"/>
+        <a:font script="Osma" typeface="Ebrima"/>
+        <a:font script="Phag" typeface="Phagspa"/>
+        <a:font script="Syrn" typeface="Estrangelo Edessa"/>
+        <a:font script="Syrj" typeface="Estrangelo Edessa"/>
+        <a:font script="Syre" typeface="Estrangelo Edessa"/>
+        <a:font script="Sora" typeface="Nirmala UI"/>
+        <a:font script="Tale" typeface="Microsoft Tai Le"/>
+        <a:font script="Talu" typeface="Microsoft New Tai Lue"/>
+        <a:font script="Tfng" typeface="Ebrima"/>
+      </a:minorFont>
+    </a:fontScheme>
+    <a:fmtScheme name="Office">
+      <a:fillStyleLst>
+        <a:solidFill>
+          <a:schemeClr val="phClr"/>
+        </a:solidFill>
+        <a:gradFill rotWithShape="1">
+          <a:gsLst>
+            <a:gs pos="0">
+              <a:schemeClr val="phClr">
+                <a:lumMod val="110000"/>
+                <a:satMod val="105000"/>
+                <a:tint val="67000"/>
+              </a:schemeClr>
+            </a:gs>
+            <a:gs pos="50000">
+              <a:schemeClr val="phClr">
+                <a:lumMod val="105000"/>
+                <a:satMod val="103000"/>
+                <a:tint val="73000"/>
+              </a:schemeClr>
+            </a:gs>
+            <a:gs pos="100000">
+              <a:schemeClr val="phClr">
+                <a:lumMod val="105000"/>
+                <a:satMod val="109000"/>
+                <a:tint val="81000"/>
+              </a:schemeClr>
+            </a:gs>
+          </a:gsLst>
+          <a:lin ang="5400000" scaled="0"/>
+        </a:gradFill>
+        <a:gradFill rotWithShape="1">
+          <a:gsLst>
+            <a:gs pos="0">
+              <a:schemeClr val="phClr">
+                <a:satMod val="103000"/>
+                <a:lumMod val="102000"/>
+                <a:tint val="94000"/>
+              </a:schemeClr>
+            </a:gs>
+            <a:gs pos="50000">
+              <a:schemeClr val="phClr">
+                <a:satMod val="110000"/>
+                <a:lumMod val="100000"/>
+                <a:shade val="100000"/>
+              </a:schemeClr>
+            </a:gs>
+            <a:gs pos="100000">
+              <a:schemeClr val="phClr">
+                <a:lumMod val="99000"/>
+                <a:satMod val="120000"/>
+                <a:shade val="78000"/>
+              </a:schemeClr>
+            </a:gs>
+          </a:gsLst>
+          <a:lin ang="5400000" scaled="0"/>
+        </a:gradFill>
+      </a:fillStyleLst>
+      <a:lnStyleLst>
+        <a:ln w="6350" cap="flat" cmpd="sng" algn="ctr">
+          <a:solidFill>
+            <a:schemeClr val="phClr"/>
+          </a:solidFill>
+          <a:prstDash val="solid"/>
+          <a:miter lim="800000"/>
+        </a:ln>
+        <a:ln w="12700" cap="flat" cmpd="sng" algn="ctr">
+          <a:solidFill>
+            <a:schemeClr val="phClr"/>
+          </a:solidFill>
+          <a:prstDash val="solid"/>
+          <a:miter lim="800000"/>
+        </a:ln>
+        <a:ln w="19050" cap="flat" cmpd="sng" algn="ctr">
+          <a:solidFill>
+            <a:schemeClr val="phClr"/>
+          </a:solidFill>
+          <a:prstDash val="solid"/>
+          <a:miter lim="800000"/>
+        </a:ln>
+      </a:lnStyleLst>
+      <a:effectStyleLst>
+        <a:effectStyle>
+          <a:effectLst/>
+        </a:effectStyle>
+        <a:effectStyle>
+          <a:effectLst/>
+        </a:effectStyle>
+        <a:effectStyle>
+          <a:effectLst>
+            <a:outerShdw blurRad="57150" dist="19050" dir="5400000" algn="ctr" rotWithShape="0">
+              <a:srgbClr val="000000">
+                <a:alpha val="63000"/>
+              </a:srgbClr>
+            </a:outerShdw>
+          </a:effectLst>
+        </a:effectStyle>
+      </a:effectStyleLst>
+      <a:bgFillStyleLst>
+        <a:solidFill>
+          <a:schemeClr val="phClr"/>
+        </a:solidFill>
+        <a:solidFill>
+          <a:schemeClr val="phClr">
+            <a:tint val="95000"/>
+            <a:satMod val="170000"/>
+          </a:schemeClr>
+        </a:solidFill>
+        <a:gradFill rotWithShape="1">
+          <a:gsLst>
+            <a:gs pos="0">
+              <a:schemeClr val="phClr">
+                <a:tint val="93000"/>
+                <a:satMod val="150000"/>
+                <a:shade val="98000"/>
+                <a:lumMod val="102000"/>
+              </a:schemeClr>
+            </a:gs>
+            <a:gs pos="50000">
+              <a:schemeClr val="phClr">
+                <a:tint val="98000"/>
+                <a:satMod val="130000"/>
+                <a:shade val="90000"/>
+                <a:lumMod val="103000"/>
+              </a:schemeClr>
+            </a:gs>
+            <a:gs pos="100000">
+              <a:schemeClr val="phClr">
+                <a:shade val="63000"/>
+                <a:satMod val="120000"/>
+              </a:schemeClr>
+            </a:gs>
+          </a:gsLst>
+          <a:lin ang="5400000" scaled="0"/>
+        </a:gradFill>
+      </a:bgFillStyleLst>
+    </a:fmtScheme>
+  </a:themeElements>
+  <a:objectDefaults/>
+  <a:extraClrSchemeLst/>
+  <a:extLst>
+    <a:ext uri="{05A4C25C-085E-4340-85A3-A5531E510DB2}">
+      <thm15:themeFamily xmlns:thm15="http://schemas.microsoft.com/office/thememl/2012/main" name="Office Theme" id="{62F939B6-93AF-4DB8-9C6B-D6C7DFDC589F}" vid="{4A3C46E8-61CC-4603-A589-7422A47A8E4A}"/>
+    </a:ext>
+  </a:extLst>
+</a:theme>
 </file>
--- a/report/The Robustness of Watermark Embeddedness Based on Different Transformations with Different Algorithms into Different Fre.pptx
+++ b/report/The Robustness of Watermark Embeddedness Based on Different Transformations with Different Algorithms into Different Fre.pptx
@@ -306,7 +306,7 @@
   <pc:docChgLst>
     <pc:chgData name="He Ziang" userId="a58d5542-13c5-42e9-acf6-e12cce9448c7" providerId="ADAL" clId="{E32A9664-16B2-4B54-A9DE-A01CCABF86B8}"/>
     <pc:docChg chg="undo custSel modSld">
-      <pc:chgData name="He Ziang" userId="a58d5542-13c5-42e9-acf6-e12cce9448c7" providerId="ADAL" clId="{E32A9664-16B2-4B54-A9DE-A01CCABF86B8}" dt="2022-12-18T13:10:09.350" v="1262"/>
+      <pc:chgData name="He Ziang" userId="a58d5542-13c5-42e9-acf6-e12cce9448c7" providerId="ADAL" clId="{E32A9664-16B2-4B54-A9DE-A01CCABF86B8}" dt="2022-12-24T04:15:25.476" v="1266" actId="1076"/>
       <pc:docMkLst>
         <pc:docMk/>
       </pc:docMkLst>
@@ -501,12 +501,36 @@
           <pc:sldMk cId="4154736412" sldId="278"/>
         </pc:sldMkLst>
       </pc:sldChg>
-      <pc:sldChg chg="modNotesTx">
-        <pc:chgData name="He Ziang" userId="a58d5542-13c5-42e9-acf6-e12cce9448c7" providerId="ADAL" clId="{E32A9664-16B2-4B54-A9DE-A01CCABF86B8}" dt="2022-12-18T13:10:09.350" v="1262"/>
+      <pc:sldChg chg="addSp delSp modSp mod modNotesTx">
+        <pc:chgData name="He Ziang" userId="a58d5542-13c5-42e9-acf6-e12cce9448c7" providerId="ADAL" clId="{E32A9664-16B2-4B54-A9DE-A01CCABF86B8}" dt="2022-12-24T04:15:25.476" v="1266" actId="1076"/>
         <pc:sldMkLst>
           <pc:docMk/>
           <pc:sldMk cId="1863002546" sldId="283"/>
         </pc:sldMkLst>
+        <pc:spChg chg="add del mod">
+          <ac:chgData name="He Ziang" userId="a58d5542-13c5-42e9-acf6-e12cce9448c7" providerId="ADAL" clId="{E32A9664-16B2-4B54-A9DE-A01CCABF86B8}" dt="2022-12-24T04:15:22.218" v="1264" actId="22"/>
+          <ac:spMkLst>
+            <pc:docMk/>
+            <pc:sldMk cId="1863002546" sldId="283"/>
+            <ac:spMk id="5" creationId="{2BB13A2C-2A0C-484F-816D-FB304C881824}"/>
+          </ac:spMkLst>
+        </pc:spChg>
+        <pc:picChg chg="del">
+          <ac:chgData name="He Ziang" userId="a58d5542-13c5-42e9-acf6-e12cce9448c7" providerId="ADAL" clId="{E32A9664-16B2-4B54-A9DE-A01CCABF86B8}" dt="2022-12-24T04:15:06.666" v="1263" actId="478"/>
+          <ac:picMkLst>
+            <pc:docMk/>
+            <pc:sldMk cId="1863002546" sldId="283"/>
+            <ac:picMk id="4" creationId="{1A5D8954-2967-75EE-4865-B899DF0E7D08}"/>
+          </ac:picMkLst>
+        </pc:picChg>
+        <pc:picChg chg="add mod ord">
+          <ac:chgData name="He Ziang" userId="a58d5542-13c5-42e9-acf6-e12cce9448c7" providerId="ADAL" clId="{E32A9664-16B2-4B54-A9DE-A01CCABF86B8}" dt="2022-12-24T04:15:25.476" v="1266" actId="1076"/>
+          <ac:picMkLst>
+            <pc:docMk/>
+            <pc:sldMk cId="1863002546" sldId="283"/>
+            <ac:picMk id="7" creationId="{2A8B6486-A4A5-405A-AE67-2C1CB42957FD}"/>
+          </ac:picMkLst>
+        </pc:picChg>
       </pc:sldChg>
       <pc:sldChg chg="modNotesTx">
         <pc:chgData name="He Ziang" userId="a58d5542-13c5-42e9-acf6-e12cce9448c7" providerId="ADAL" clId="{E32A9664-16B2-4B54-A9DE-A01CCABF86B8}" dt="2022-12-18T12:48:05.227" v="1257"/>
@@ -6451,7 +6475,7 @@
 <dgm:dataModel xmlns:dgm="http://schemas.openxmlformats.org/drawingml/2006/diagram" xmlns:a="http://schemas.openxmlformats.org/drawingml/2006/main">
   <dgm:ptLst>
     <dgm:pt modelId="{5DA344D0-5664-430D-AA03-7BC9E3E766CF}" type="doc">
-      <dgm:prSet loTypeId="urn:microsoft.com/office/officeart/2008/layout/LinedList" loCatId="list" qsTypeId="urn:microsoft.com/office/officeart/2005/8/quickstyle/simple1" qsCatId="simple" csTypeId="urn:microsoft.com/office/officeart/2005/8/colors/accent1_2" csCatId="accent1"/>
+      <dgm:prSet loTypeId="urn:microsoft.com/office/officeart/2008/layout/LinedList" loCatId="list" qsTypeId="urn:microsoft.com/office/officeart/2005/8/quickstyle/simple1" qsCatId="simple" csTypeId="urn:microsoft.com/office/officeart/2005/8/colors/accent1_2" csCatId="accent1" phldr="1"/>
       <dgm:spPr/>
       <dgm:t>
         <a:bodyPr/>
@@ -6506,12 +6530,12 @@
         <a:lstStyle/>
         <a:p>
           <a:r>
-            <a:rPr lang="en-US" err="1"/>
+            <a:rPr lang="en-US" dirty="0" err="1"/>
             <a:t>Rbase</a:t>
           </a:r>
           <a:r>
-            <a:rPr lang="en-US"/>
-            <a:t>: the similarity ratio of detecting the watermark instantly after embedding the watermark</a:t>
+            <a:rPr lang="en-US" dirty="0"/>
+            <a:t>: the correlation ratio of detecting the watermark instantly after embedding the watermark</a:t>
           </a:r>
         </a:p>
       </dgm:t>
@@ -6546,12 +6570,12 @@
         <a:lstStyle/>
         <a:p>
           <a:r>
-            <a:rPr lang="en-US" err="1"/>
+            <a:rPr lang="en-US" dirty="0" err="1"/>
             <a:t>Rbefore</a:t>
           </a:r>
           <a:r>
-            <a:rPr lang="en-US"/>
-            <a:t>: the similarity ratio of detecting the watermark before embedding</a:t>
+            <a:rPr lang="en-US" dirty="0"/>
+            <a:t>: the correlation ratio of detecting the watermark before embedding</a:t>
           </a:r>
         </a:p>
       </dgm:t>
@@ -6586,17 +6610,26 @@
         <a:lstStyle/>
         <a:p>
           <a:r>
-            <a:rPr lang="en-US" err="1"/>
+            <a:rPr lang="en-US" dirty="0" err="1"/>
             <a:t>Rattacki</a:t>
           </a:r>
           <a:r>
-            <a:rPr lang="en-US"/>
-            <a:t>: the similarity ratio of detecting the watermark under attack </a:t>
+            <a:rPr lang="en-US" dirty="0"/>
+            <a:t>: </a:t>
           </a:r>
           <a:r>
-            <a:rPr lang="en-US" err="1"/>
+            <a:rPr lang="en-US"/>
+            <a:t>the correlation </a:t>
+          </a:r>
+          <a:r>
+            <a:rPr lang="en-US" dirty="0"/>
+            <a:t>ratio of detecting the watermark under attack </a:t>
+          </a:r>
+          <a:r>
+            <a:rPr lang="en-US" dirty="0" err="1"/>
             <a:t>i</a:t>
           </a:r>
+          <a:endParaRPr lang="en-US" dirty="0"/>
         </a:p>
       </dgm:t>
     </dgm:pt>
@@ -6728,7 +6761,7 @@
   <dgm:whole/>
   <dgm:extLst>
     <a:ext uri="http://schemas.microsoft.com/office/drawing/2008/diagram">
-      <dsp:dataModelExt xmlns:dsp="http://schemas.microsoft.com/office/drawing/2008/diagram" relId="rId7" minVer="http://schemas.openxmlformats.org/drawingml/2006/diagram"/>
+      <dsp:dataModelExt xmlns:dsp="http://schemas.microsoft.com/office/drawing/2008/diagram" relId="rId8" minVer="http://schemas.openxmlformats.org/drawingml/2006/diagram"/>
     </a:ext>
   </dgm:extLst>
 </dgm:dataModel>
@@ -7629,12 +7662,12 @@
             <a:buNone/>
           </a:pPr>
           <a:r>
-            <a:rPr lang="en-US" sz="2200" kern="1200" err="1"/>
+            <a:rPr lang="en-US" sz="2200" kern="1200" dirty="0" err="1"/>
             <a:t>Rbase</a:t>
           </a:r>
           <a:r>
-            <a:rPr lang="en-US" sz="2200" kern="1200"/>
-            <a:t>: the similarity ratio of detecting the watermark instantly after embedding the watermark</a:t>
+            <a:rPr lang="en-US" sz="2200" kern="1200" dirty="0"/>
+            <a:t>: the correlation ratio of detecting the watermark instantly after embedding the watermark</a:t>
           </a:r>
         </a:p>
       </dsp:txBody>
@@ -7743,12 +7776,12 @@
             <a:buNone/>
           </a:pPr>
           <a:r>
-            <a:rPr lang="en-US" sz="2200" kern="1200" err="1"/>
+            <a:rPr lang="en-US" sz="2200" kern="1200" dirty="0" err="1"/>
             <a:t>Rbefore</a:t>
           </a:r>
           <a:r>
-            <a:rPr lang="en-US" sz="2200" kern="1200"/>
-            <a:t>: the similarity ratio of detecting the watermark before embedding</a:t>
+            <a:rPr lang="en-US" sz="2200" kern="1200" dirty="0"/>
+            <a:t>: the correlation ratio of detecting the watermark before embedding</a:t>
           </a:r>
         </a:p>
       </dsp:txBody>
@@ -7857,17 +7890,26 @@
             <a:buNone/>
           </a:pPr>
           <a:r>
-            <a:rPr lang="en-US" sz="2200" kern="1200" err="1"/>
+            <a:rPr lang="en-US" sz="2200" kern="1200" dirty="0" err="1"/>
             <a:t>Rattacki</a:t>
           </a:r>
           <a:r>
-            <a:rPr lang="en-US" sz="2200" kern="1200"/>
-            <a:t>: the similarity ratio of detecting the watermark under attack </a:t>
+            <a:rPr lang="en-US" sz="2200" kern="1200" dirty="0"/>
+            <a:t>: </a:t>
           </a:r>
           <a:r>
-            <a:rPr lang="en-US" sz="2200" kern="1200" err="1"/>
+            <a:rPr lang="en-US" sz="2200" kern="1200"/>
+            <a:t>the correlation </a:t>
+          </a:r>
+          <a:r>
+            <a:rPr lang="en-US" sz="2200" kern="1200" dirty="0"/>
+            <a:t>ratio of detecting the watermark under attack </a:t>
+          </a:r>
+          <a:r>
+            <a:rPr lang="en-US" sz="2200" kern="1200" dirty="0" err="1"/>
             <a:t>i</a:t>
           </a:r>
+          <a:endParaRPr lang="en-US" sz="2200" kern="1200" dirty="0"/>
         </a:p>
       </dsp:txBody>
       <dsp:txXfrm>
@@ -12338,7 +12380,7 @@
           <a:p>
             <a:fld id="{96E17E11-E747-485C-91F1-B494A6ADF6A2}" type="datetimeFigureOut">
               <a:rPr lang="zh-CN" altLang="en-US" smtClean="0"/>
-              <a:t>2022/12/18</a:t>
+              <a:t>2022/12/24</a:t>
             </a:fld>
             <a:endParaRPr lang="zh-CN" altLang="en-US"/>
           </a:p>
@@ -13021,11 +13063,7 @@
           <a:bodyPr/>
           <a:lstStyle/>
           <a:p>
-            <a:r>
-              <a:rPr lang="en-US" altLang="zh-CN" dirty="0"/>
-              <a:t>Qualitative, quantitative</a:t>
-            </a:r>
-            <a:endParaRPr lang="zh-CN" altLang="en-US" dirty="0"/>
+            <a:endParaRPr lang="zh-CN" altLang="en-US"/>
           </a:p>
         </p:txBody>
       </p:sp>
@@ -13046,6 +13084,94 @@
           <a:p>
             <a:fld id="{156915C4-B14C-4B17-84BC-20259BAD4A2F}" type="slidenum">
               <a:rPr lang="zh-CN" altLang="en-US" smtClean="0"/>
+              <a:t>27</a:t>
+            </a:fld>
+            <a:endParaRPr lang="zh-CN" altLang="en-US"/>
+          </a:p>
+        </p:txBody>
+      </p:sp>
+    </p:spTree>
+    <p:extLst>
+      <p:ext uri="{BB962C8B-B14F-4D97-AF65-F5344CB8AC3E}">
+        <p14:creationId xmlns:p14="http://schemas.microsoft.com/office/powerpoint/2010/main" val="3220324457"/>
+      </p:ext>
+    </p:extLst>
+  </p:cSld>
+  <p:clrMapOvr>
+    <a:masterClrMapping/>
+  </p:clrMapOvr>
+</p:notes>
+</file>
+
+<file path=ppt/notesSlides/notesSlide14.xml><?xml version="1.0" encoding="utf-8"?>
+<p:notes xmlns:a="http://schemas.openxmlformats.org/drawingml/2006/main" xmlns:r="http://schemas.openxmlformats.org/officeDocument/2006/relationships" xmlns:p="http://schemas.openxmlformats.org/presentationml/2006/main">
+  <p:cSld>
+    <p:spTree>
+      <p:nvGrpSpPr>
+        <p:cNvPr id="1" name=""/>
+        <p:cNvGrpSpPr/>
+        <p:nvPr/>
+      </p:nvGrpSpPr>
+      <p:grpSpPr>
+        <a:xfrm>
+          <a:off x="0" y="0"/>
+          <a:ext cx="0" cy="0"/>
+          <a:chOff x="0" y="0"/>
+          <a:chExt cx="0" cy="0"/>
+        </a:xfrm>
+      </p:grpSpPr>
+      <p:sp>
+        <p:nvSpPr>
+          <p:cNvPr id="2" name="幻灯片图像占位符 1"/>
+          <p:cNvSpPr>
+            <a:spLocks noGrp="1" noRot="1" noChangeAspect="1"/>
+          </p:cNvSpPr>
+          <p:nvPr>
+            <p:ph type="sldImg"/>
+          </p:nvPr>
+        </p:nvSpPr>
+        <p:spPr/>
+      </p:sp>
+      <p:sp>
+        <p:nvSpPr>
+          <p:cNvPr id="3" name="备注占位符 2"/>
+          <p:cNvSpPr>
+            <a:spLocks noGrp="1"/>
+          </p:cNvSpPr>
+          <p:nvPr>
+            <p:ph type="body" idx="1"/>
+          </p:nvPr>
+        </p:nvSpPr>
+        <p:spPr/>
+        <p:txBody>
+          <a:bodyPr/>
+          <a:lstStyle/>
+          <a:p>
+            <a:r>
+              <a:rPr lang="en-US" altLang="zh-CN" dirty="0"/>
+              <a:t>Qualitative, quantitative</a:t>
+            </a:r>
+            <a:endParaRPr lang="zh-CN" altLang="en-US" dirty="0"/>
+          </a:p>
+        </p:txBody>
+      </p:sp>
+      <p:sp>
+        <p:nvSpPr>
+          <p:cNvPr id="4" name="灯片编号占位符 3"/>
+          <p:cNvSpPr>
+            <a:spLocks noGrp="1"/>
+          </p:cNvSpPr>
+          <p:nvPr>
+            <p:ph type="sldNum" sz="quarter" idx="5"/>
+          </p:nvPr>
+        </p:nvSpPr>
+        <p:spPr/>
+        <p:txBody>
+          <a:bodyPr/>
+          <a:lstStyle/>
+          <a:p>
+            <a:fld id="{156915C4-B14C-4B17-84BC-20259BAD4A2F}" type="slidenum">
+              <a:rPr lang="zh-CN" altLang="en-US" smtClean="0"/>
               <a:t>28</a:t>
             </a:fld>
             <a:endParaRPr lang="zh-CN" altLang="en-US"/>
@@ -13065,7 +13191,7 @@
 </p:notes>
 </file>
 
-<file path=ppt/notesSlides/notesSlide14.xml><?xml version="1.0" encoding="utf-8"?>
+<file path=ppt/notesSlides/notesSlide15.xml><?xml version="1.0" encoding="utf-8"?>
 <p:notes xmlns:a="http://schemas.openxmlformats.org/drawingml/2006/main" xmlns:r="http://schemas.openxmlformats.org/officeDocument/2006/relationships" xmlns:p="http://schemas.openxmlformats.org/presentationml/2006/main">
   <p:cSld>
     <p:spTree>
@@ -14082,7 +14208,7 @@
           <a:p>
             <a:fld id="{A1E45834-53BD-4C8F-B791-CD5378F4150E}" type="datetimeFigureOut">
               <a:rPr lang="en-US" smtClean="0"/>
-              <a:t>12/18/2022</a:t>
+              <a:t>12/24/2022</a:t>
             </a:fld>
             <a:endParaRPr lang="en-US"/>
           </a:p>
@@ -14280,7 +14406,7 @@
           <a:p>
             <a:fld id="{A1E45834-53BD-4C8F-B791-CD5378F4150E}" type="datetimeFigureOut">
               <a:rPr lang="en-US" smtClean="0"/>
-              <a:t>12/18/2022</a:t>
+              <a:t>12/24/2022</a:t>
             </a:fld>
             <a:endParaRPr lang="en-US"/>
           </a:p>
@@ -14488,7 +14614,7 @@
           <a:p>
             <a:fld id="{A1E45834-53BD-4C8F-B791-CD5378F4150E}" type="datetimeFigureOut">
               <a:rPr lang="en-US" smtClean="0"/>
-              <a:t>12/18/2022</a:t>
+              <a:t>12/24/2022</a:t>
             </a:fld>
             <a:endParaRPr lang="en-US"/>
           </a:p>
@@ -14729,7 +14855,7 @@
           <a:p>
             <a:fld id="{A1E45834-53BD-4C8F-B791-CD5378F4150E}" type="datetimeFigureOut">
               <a:rPr lang="en-US" smtClean="0"/>
-              <a:t>12/18/2022</a:t>
+              <a:t>12/24/2022</a:t>
             </a:fld>
             <a:endParaRPr lang="en-US"/>
           </a:p>
@@ -15006,7 +15132,7 @@
           <a:p>
             <a:fld id="{A1E45834-53BD-4C8F-B791-CD5378F4150E}" type="datetimeFigureOut">
               <a:rPr lang="en-US" smtClean="0"/>
-              <a:t>12/18/2022</a:t>
+              <a:t>12/24/2022</a:t>
             </a:fld>
             <a:endParaRPr lang="en-US"/>
           </a:p>
@@ -15276,7 +15402,7 @@
           <a:p>
             <a:fld id="{A1E45834-53BD-4C8F-B791-CD5378F4150E}" type="datetimeFigureOut">
               <a:rPr lang="en-US" smtClean="0"/>
-              <a:t>12/18/2022</a:t>
+              <a:t>12/24/2022</a:t>
             </a:fld>
             <a:endParaRPr lang="en-US"/>
           </a:p>
@@ -15698,7 +15824,7 @@
           <a:p>
             <a:fld id="{A1E45834-53BD-4C8F-B791-CD5378F4150E}" type="datetimeFigureOut">
               <a:rPr lang="en-US" smtClean="0"/>
-              <a:t>12/18/2022</a:t>
+              <a:t>12/24/2022</a:t>
             </a:fld>
             <a:endParaRPr lang="en-US"/>
           </a:p>
@@ -15843,7 +15969,7 @@
           <a:p>
             <a:fld id="{A1E45834-53BD-4C8F-B791-CD5378F4150E}" type="datetimeFigureOut">
               <a:rPr lang="en-US" smtClean="0"/>
-              <a:t>12/18/2022</a:t>
+              <a:t>12/24/2022</a:t>
             </a:fld>
             <a:endParaRPr lang="en-US"/>
           </a:p>
@@ -15956,7 +16082,7 @@
           <a:p>
             <a:fld id="{A1E45834-53BD-4C8F-B791-CD5378F4150E}" type="datetimeFigureOut">
               <a:rPr lang="en-US" smtClean="0"/>
-              <a:t>12/18/2022</a:t>
+              <a:t>12/24/2022</a:t>
             </a:fld>
             <a:endParaRPr lang="en-US"/>
           </a:p>
@@ -16269,7 +16395,7 @@
           <a:p>
             <a:fld id="{A1E45834-53BD-4C8F-B791-CD5378F4150E}" type="datetimeFigureOut">
               <a:rPr lang="en-US" smtClean="0"/>
-              <a:t>12/18/2022</a:t>
+              <a:t>12/24/2022</a:t>
             </a:fld>
             <a:endParaRPr lang="en-US"/>
           </a:p>
@@ -16562,7 +16688,7 @@
           <a:p>
             <a:fld id="{A1E45834-53BD-4C8F-B791-CD5378F4150E}" type="datetimeFigureOut">
               <a:rPr lang="en-US" smtClean="0"/>
-              <a:t>12/18/2022</a:t>
+              <a:t>12/24/2022</a:t>
             </a:fld>
             <a:endParaRPr lang="en-US"/>
           </a:p>
@@ -16801,7 +16927,7 @@
           <a:p>
             <a:fld id="{A1E45834-53BD-4C8F-B791-CD5378F4150E}" type="datetimeFigureOut">
               <a:rPr lang="en-US" smtClean="0"/>
-              <a:t>12/18/2022</a:t>
+              <a:t>12/24/2022</a:t>
             </a:fld>
             <a:endParaRPr lang="en-US"/>
           </a:p>
@@ -22294,7 +22420,7 @@
           </p:nvPr>
         </p:nvPicPr>
         <p:blipFill>
-          <a:blip r:embed="rId2"/>
+          <a:blip r:embed="rId3"/>
           <a:stretch>
             <a:fillRect/>
           </a:stretch>
@@ -22319,7 +22445,7 @@
           <p:nvPr>
             <p:extLst>
               <p:ext uri="{D42A27DB-BD31-4B8C-83A1-F6EECF244321}">
-                <p14:modId xmlns:p14="http://schemas.microsoft.com/office/powerpoint/2010/main" val="3037215425"/>
+                <p14:modId xmlns:p14="http://schemas.microsoft.com/office/powerpoint/2010/main" val="935901337"/>
               </p:ext>
             </p:extLst>
           </p:nvPr>
@@ -22330,7 +22456,7 @@
         </p:xfrm>
         <a:graphic>
           <a:graphicData uri="http://schemas.openxmlformats.org/drawingml/2006/diagram">
-            <dgm:relIds xmlns:dgm="http://schemas.openxmlformats.org/drawingml/2006/diagram" xmlns:r="http://schemas.openxmlformats.org/officeDocument/2006/relationships" r:dm="rId3" r:lo="rId4" r:qs="rId5" r:cs="rId6"/>
+            <dgm:relIds xmlns:dgm="http://schemas.openxmlformats.org/drawingml/2006/diagram" xmlns:r="http://schemas.openxmlformats.org/officeDocument/2006/relationships" r:dm="rId4" r:lo="rId5" r:qs="rId6" r:cs="rId7"/>
           </a:graphicData>
         </a:graphic>
       </p:graphicFrame>
@@ -22398,10 +22524,10 @@
       </p:sp>
       <p:pic>
         <p:nvPicPr>
-          <p:cNvPr id="4" name="图片 4" descr="表格&#10;&#10;已自动生成说明">
+          <p:cNvPr id="7" name="内容占位符 6">
             <a:extLst>
               <a:ext uri="{FF2B5EF4-FFF2-40B4-BE49-F238E27FC236}">
-                <a16:creationId xmlns:a16="http://schemas.microsoft.com/office/drawing/2014/main" id="{1A5D8954-2967-75EE-4865-B899DF0E7D08}"/>
+                <a16:creationId xmlns:a16="http://schemas.microsoft.com/office/drawing/2014/main" id="{2A8B6486-A4A5-405A-AE67-2C1CB42957FD}"/>
               </a:ext>
             </a:extLst>
           </p:cNvPr>
@@ -22420,8 +22546,8 @@
         </p:blipFill>
         <p:spPr>
           <a:xfrm>
-            <a:off x="113711" y="2724942"/>
-            <a:ext cx="11857759" cy="2342284"/>
+            <a:off x="1088136" y="2483983"/>
+            <a:ext cx="10150914" cy="2956577"/>
           </a:xfrm>
         </p:spPr>
       </p:pic>
